--- a/tiemao_2019/25_jvm_toc/01.JVM体系结构概述.pptx
+++ b/tiemao_2019/25_jvm_toc/01.JVM体系结构概述.pptx
@@ -23,16 +23,17 @@
     <p:sldId id="278" r:id="rId17"/>
     <p:sldId id="280" r:id="rId18"/>
     <p:sldId id="282" r:id="rId19"/>
-    <p:sldId id="283" r:id="rId20"/>
-    <p:sldId id="288" r:id="rId21"/>
-    <p:sldId id="285" r:id="rId22"/>
-    <p:sldId id="286" r:id="rId23"/>
-    <p:sldId id="287" r:id="rId24"/>
-    <p:sldId id="279" r:id="rId25"/>
-    <p:sldId id="263" r:id="rId26"/>
-    <p:sldId id="265" r:id="rId27"/>
-    <p:sldId id="267" r:id="rId28"/>
-    <p:sldId id="281" r:id="rId29"/>
+    <p:sldId id="289" r:id="rId20"/>
+    <p:sldId id="283" r:id="rId21"/>
+    <p:sldId id="288" r:id="rId22"/>
+    <p:sldId id="285" r:id="rId23"/>
+    <p:sldId id="286" r:id="rId24"/>
+    <p:sldId id="287" r:id="rId25"/>
+    <p:sldId id="279" r:id="rId26"/>
+    <p:sldId id="263" r:id="rId27"/>
+    <p:sldId id="265" r:id="rId28"/>
+    <p:sldId id="267" r:id="rId29"/>
+    <p:sldId id="281" r:id="rId30"/>
   </p:sldIdLst>
   <p:sldSz cx="12192000" cy="6858000"/>
   <p:notesSz cx="6858000" cy="9144000"/>
@@ -286,7 +287,7 @@
           <a:p>
             <a:fld id="{25666818-DC9C-7C4A-B37A-0D9C16AE65CA}" type="datetimeFigureOut">
               <a:rPr kumimoji="1" lang="zh-CN" altLang="en-US" smtClean="0"/>
-              <a:t>2019/8/23</a:t>
+              <a:t>2019/8/25</a:t>
             </a:fld>
             <a:endParaRPr kumimoji="1" lang="zh-CN" altLang="en-US"/>
           </a:p>
@@ -459,7 +460,7 @@
           <a:p>
             <a:fld id="{25666818-DC9C-7C4A-B37A-0D9C16AE65CA}" type="datetimeFigureOut">
               <a:rPr kumimoji="1" lang="zh-CN" altLang="en-US" smtClean="0"/>
-              <a:t>2019/8/23</a:t>
+              <a:t>2019/8/25</a:t>
             </a:fld>
             <a:endParaRPr kumimoji="1" lang="zh-CN" altLang="en-US"/>
           </a:p>
@@ -642,7 +643,7 @@
           <a:p>
             <a:fld id="{25666818-DC9C-7C4A-B37A-0D9C16AE65CA}" type="datetimeFigureOut">
               <a:rPr kumimoji="1" lang="zh-CN" altLang="en-US" smtClean="0"/>
-              <a:t>2019/8/23</a:t>
+              <a:t>2019/8/25</a:t>
             </a:fld>
             <a:endParaRPr kumimoji="1" lang="zh-CN" altLang="en-US"/>
           </a:p>
@@ -815,7 +816,7 @@
           <a:p>
             <a:fld id="{25666818-DC9C-7C4A-B37A-0D9C16AE65CA}" type="datetimeFigureOut">
               <a:rPr kumimoji="1" lang="zh-CN" altLang="en-US" smtClean="0"/>
-              <a:t>2019/8/23</a:t>
+              <a:t>2019/8/25</a:t>
             </a:fld>
             <a:endParaRPr kumimoji="1" lang="zh-CN" altLang="en-US"/>
           </a:p>
@@ -1093,7 +1094,7 @@
           <a:p>
             <a:fld id="{25666818-DC9C-7C4A-B37A-0D9C16AE65CA}" type="datetimeFigureOut">
               <a:rPr kumimoji="1" lang="zh-CN" altLang="en-US" smtClean="0"/>
-              <a:t>2019/8/23</a:t>
+              <a:t>2019/8/25</a:t>
             </a:fld>
             <a:endParaRPr kumimoji="1" lang="zh-CN" altLang="en-US"/>
           </a:p>
@@ -1308,7 +1309,7 @@
           <a:p>
             <a:fld id="{25666818-DC9C-7C4A-B37A-0D9C16AE65CA}" type="datetimeFigureOut">
               <a:rPr kumimoji="1" lang="zh-CN" altLang="en-US" smtClean="0"/>
-              <a:t>2019/8/23</a:t>
+              <a:t>2019/8/25</a:t>
             </a:fld>
             <a:endParaRPr kumimoji="1" lang="zh-CN" altLang="en-US"/>
           </a:p>
@@ -1676,7 +1677,7 @@
           <a:p>
             <a:fld id="{25666818-DC9C-7C4A-B37A-0D9C16AE65CA}" type="datetimeFigureOut">
               <a:rPr kumimoji="1" lang="zh-CN" altLang="en-US" smtClean="0"/>
-              <a:t>2019/8/23</a:t>
+              <a:t>2019/8/25</a:t>
             </a:fld>
             <a:endParaRPr kumimoji="1" lang="zh-CN" altLang="en-US"/>
           </a:p>
@@ -1817,7 +1818,7 @@
           <a:p>
             <a:fld id="{25666818-DC9C-7C4A-B37A-0D9C16AE65CA}" type="datetimeFigureOut">
               <a:rPr kumimoji="1" lang="zh-CN" altLang="en-US" smtClean="0"/>
-              <a:t>2019/8/23</a:t>
+              <a:t>2019/8/25</a:t>
             </a:fld>
             <a:endParaRPr kumimoji="1" lang="zh-CN" altLang="en-US"/>
           </a:p>
@@ -1930,7 +1931,7 @@
           <a:p>
             <a:fld id="{25666818-DC9C-7C4A-B37A-0D9C16AE65CA}" type="datetimeFigureOut">
               <a:rPr kumimoji="1" lang="zh-CN" altLang="en-US" smtClean="0"/>
-              <a:t>2019/8/23</a:t>
+              <a:t>2019/8/25</a:t>
             </a:fld>
             <a:endParaRPr kumimoji="1" lang="zh-CN" altLang="en-US"/>
           </a:p>
@@ -2219,7 +2220,7 @@
           <a:p>
             <a:fld id="{25666818-DC9C-7C4A-B37A-0D9C16AE65CA}" type="datetimeFigureOut">
               <a:rPr kumimoji="1" lang="zh-CN" altLang="en-US" smtClean="0"/>
-              <a:t>2019/8/23</a:t>
+              <a:t>2019/8/25</a:t>
             </a:fld>
             <a:endParaRPr kumimoji="1" lang="zh-CN" altLang="en-US"/>
           </a:p>
@@ -2510,7 +2511,7 @@
           <a:p>
             <a:fld id="{25666818-DC9C-7C4A-B37A-0D9C16AE65CA}" type="datetimeFigureOut">
               <a:rPr kumimoji="1" lang="zh-CN" altLang="en-US" smtClean="0"/>
-              <a:t>2019/8/23</a:t>
+              <a:t>2019/8/25</a:t>
             </a:fld>
             <a:endParaRPr kumimoji="1" lang="zh-CN" altLang="en-US"/>
           </a:p>
@@ -2726,7 +2727,7 @@
           <a:p>
             <a:fld id="{25666818-DC9C-7C4A-B37A-0D9C16AE65CA}" type="datetimeFigureOut">
               <a:rPr kumimoji="1" lang="zh-CN" altLang="en-US" smtClean="0"/>
-              <a:t>2019/8/23</a:t>
+              <a:t>2019/8/25</a:t>
             </a:fld>
             <a:endParaRPr kumimoji="1" lang="zh-CN" altLang="en-US"/>
           </a:p>
@@ -6655,7 +6656,7 @@
           <p:cNvPr id="2" name="标题 1">
             <a:extLst>
               <a:ext uri="{FF2B5EF4-FFF2-40B4-BE49-F238E27FC236}">
-                <a16:creationId xmlns:a16="http://schemas.microsoft.com/office/drawing/2014/main" id="{70E50899-A2BA-BB47-BE76-23C4D0EFC5F7}"/>
+                <a16:creationId xmlns:a16="http://schemas.microsoft.com/office/drawing/2014/main" id="{6E5AB74D-4686-804F-B2F8-5D612C80747D}"/>
               </a:ext>
             </a:extLst>
           </p:cNvPr>
@@ -6666,732 +6667,62 @@
             <p:ph type="title"/>
           </p:nvPr>
         </p:nvSpPr>
-        <p:spPr>
-          <a:xfrm>
-            <a:off x="838200" y="365126"/>
-            <a:ext cx="10515600" cy="669018"/>
-          </a:xfrm>
-        </p:spPr>
+        <p:spPr/>
         <p:txBody>
-          <a:bodyPr>
-            <a:normAutofit fontScale="90000"/>
-          </a:bodyPr>
+          <a:bodyPr/>
           <a:lstStyle/>
           <a:p>
-            <a:pPr algn="ctr"/>
-            <a:r>
-              <a:rPr lang="en-US" altLang="zh-CN" b="1" dirty="0"/>
-              <a:t>major versions</a:t>
-            </a:r>
-            <a:endParaRPr kumimoji="1" lang="zh-CN" altLang="en-US" dirty="0"/>
+            <a:r>
+              <a:rPr kumimoji="1" lang="en-US" altLang="zh-CN" dirty="0"/>
+              <a:t>class</a:t>
+            </a:r>
+            <a:r>
+              <a:rPr kumimoji="1" lang="zh-CN" altLang="en-US" dirty="0"/>
+              <a:t>文件示例</a:t>
+            </a:r>
           </a:p>
         </p:txBody>
       </p:sp>
-      <p:graphicFrame>
-        <p:nvGraphicFramePr>
-          <p:cNvPr id="4" name="表格 3">
+      <p:sp>
+        <p:nvSpPr>
+          <p:cNvPr id="3" name="内容占位符 2">
             <a:extLst>
               <a:ext uri="{FF2B5EF4-FFF2-40B4-BE49-F238E27FC236}">
-                <a16:creationId xmlns:a16="http://schemas.microsoft.com/office/drawing/2014/main" id="{AEDEFD80-449A-EB4B-877E-19D89BD8A6DA}"/>
+                <a16:creationId xmlns:a16="http://schemas.microsoft.com/office/drawing/2014/main" id="{13D22A40-26F0-FD47-9FE2-74323A0FEC0D}"/>
               </a:ext>
             </a:extLst>
           </p:cNvPr>
-          <p:cNvGraphicFramePr>
-            <a:graphicFrameLocks noGrp="1"/>
-          </p:cNvGraphicFramePr>
+          <p:cNvSpPr>
+            <a:spLocks noGrp="1"/>
+          </p:cNvSpPr>
           <p:nvPr>
-            <p:extLst>
-              <p:ext uri="{D42A27DB-BD31-4B8C-83A1-F6EECF244321}">
-                <p14:modId xmlns:p14="http://schemas.microsoft.com/office/powerpoint/2010/main" val="2492713626"/>
-              </p:ext>
-            </p:extLst>
+            <p:ph idx="1"/>
           </p:nvPr>
-        </p:nvGraphicFramePr>
-        <p:xfrm>
-          <a:off x="1574801" y="1152192"/>
-          <a:ext cx="8127999" cy="5461000"/>
-        </p:xfrm>
-        <a:graphic>
-          <a:graphicData uri="http://schemas.openxmlformats.org/drawingml/2006/table">
-            <a:tbl>
-              <a:tblPr firstRow="1" bandRow="1">
-                <a:tableStyleId>{5C22544A-7EE6-4342-B048-85BDC9FD1C3A}</a:tableStyleId>
-              </a:tblPr>
-              <a:tblGrid>
-                <a:gridCol w="2709333">
-                  <a:extLst>
-                    <a:ext uri="{9D8B030D-6E8A-4147-A177-3AD203B41FA5}">
-                      <a16:colId xmlns:a16="http://schemas.microsoft.com/office/drawing/2014/main" val="23846676"/>
-                    </a:ext>
-                  </a:extLst>
-                </a:gridCol>
-                <a:gridCol w="2709333">
-                  <a:extLst>
-                    <a:ext uri="{9D8B030D-6E8A-4147-A177-3AD203B41FA5}">
-                      <a16:colId xmlns:a16="http://schemas.microsoft.com/office/drawing/2014/main" val="126732483"/>
-                    </a:ext>
-                  </a:extLst>
-                </a:gridCol>
-                <a:gridCol w="2709333">
-                  <a:extLst>
-                    <a:ext uri="{9D8B030D-6E8A-4147-A177-3AD203B41FA5}">
-                      <a16:colId xmlns:a16="http://schemas.microsoft.com/office/drawing/2014/main" val="3747913839"/>
-                    </a:ext>
-                  </a:extLst>
-                </a:gridCol>
-              </a:tblGrid>
-              <a:tr h="370840">
-                <a:tc>
-                  <a:txBody>
-                    <a:bodyPr/>
-                    <a:lstStyle/>
-                    <a:p>
-                      <a:r>
-                        <a:rPr lang="en-US" dirty="0"/>
-                        <a:t>Java SE</a:t>
-                      </a:r>
-                    </a:p>
-                  </a:txBody>
-                  <a:tcPr anchor="ctr"/>
-                </a:tc>
-                <a:tc>
-                  <a:txBody>
-                    <a:bodyPr/>
-                    <a:lstStyle/>
-                    <a:p>
-                      <a:r>
-                        <a:rPr lang="en-US"/>
-                        <a:t>Corresponding major version</a:t>
-                      </a:r>
-                    </a:p>
-                  </a:txBody>
-                  <a:tcPr anchor="ctr"/>
-                </a:tc>
-                <a:tc>
-                  <a:txBody>
-                    <a:bodyPr/>
-                    <a:lstStyle/>
-                    <a:p>
-                      <a:r>
-                        <a:rPr lang="en-US"/>
-                        <a:t>Supported major versions</a:t>
-                      </a:r>
-                    </a:p>
-                  </a:txBody>
-                  <a:tcPr anchor="ctr"/>
-                </a:tc>
-                <a:extLst>
-                  <a:ext uri="{0D108BD9-81ED-4DB2-BD59-A6C34878D82A}">
-                    <a16:rowId xmlns:a16="http://schemas.microsoft.com/office/drawing/2014/main" val="3411419135"/>
-                  </a:ext>
-                </a:extLst>
-              </a:tr>
-              <a:tr h="370840">
-                <a:tc>
-                  <a:txBody>
-                    <a:bodyPr/>
-                    <a:lstStyle/>
-                    <a:p>
-                      <a:r>
-                        <a:rPr lang="en-US" altLang="zh-CN"/>
-                        <a:t>1.0.2</a:t>
-                      </a:r>
-                    </a:p>
-                  </a:txBody>
-                  <a:tcPr anchor="ctr"/>
-                </a:tc>
-                <a:tc>
-                  <a:txBody>
-                    <a:bodyPr/>
-                    <a:lstStyle/>
-                    <a:p>
-                      <a:r>
-                        <a:rPr lang="en-US" altLang="zh-CN"/>
-                        <a:t>45</a:t>
-                      </a:r>
-                    </a:p>
-                  </a:txBody>
-                  <a:tcPr anchor="ctr"/>
-                </a:tc>
-                <a:tc>
-                  <a:txBody>
-                    <a:bodyPr/>
-                    <a:lstStyle/>
-                    <a:p>
-                      <a:r>
-                        <a:rPr lang="en-US" altLang="zh-CN"/>
-                        <a:t>45</a:t>
-                      </a:r>
-                    </a:p>
-                  </a:txBody>
-                  <a:tcPr anchor="ctr"/>
-                </a:tc>
-                <a:extLst>
-                  <a:ext uri="{0D108BD9-81ED-4DB2-BD59-A6C34878D82A}">
-                    <a16:rowId xmlns:a16="http://schemas.microsoft.com/office/drawing/2014/main" val="333952930"/>
-                  </a:ext>
-                </a:extLst>
-              </a:tr>
-              <a:tr h="370840">
-                <a:tc>
-                  <a:txBody>
-                    <a:bodyPr/>
-                    <a:lstStyle/>
-                    <a:p>
-                      <a:r>
-                        <a:rPr lang="en-US" altLang="zh-CN"/>
-                        <a:t>1.1</a:t>
-                      </a:r>
-                    </a:p>
-                  </a:txBody>
-                  <a:tcPr anchor="ctr"/>
-                </a:tc>
-                <a:tc>
-                  <a:txBody>
-                    <a:bodyPr/>
-                    <a:lstStyle/>
-                    <a:p>
-                      <a:r>
-                        <a:rPr lang="en-US" altLang="zh-CN"/>
-                        <a:t>45</a:t>
-                      </a:r>
-                    </a:p>
-                  </a:txBody>
-                  <a:tcPr anchor="ctr"/>
-                </a:tc>
-                <a:tc>
-                  <a:txBody>
-                    <a:bodyPr/>
-                    <a:lstStyle/>
-                    <a:p>
-                      <a:r>
-                        <a:rPr lang="en-US" altLang="zh-CN"/>
-                        <a:t>45</a:t>
-                      </a:r>
-                    </a:p>
-                  </a:txBody>
-                  <a:tcPr anchor="ctr"/>
-                </a:tc>
-                <a:extLst>
-                  <a:ext uri="{0D108BD9-81ED-4DB2-BD59-A6C34878D82A}">
-                    <a16:rowId xmlns:a16="http://schemas.microsoft.com/office/drawing/2014/main" val="2823171795"/>
-                  </a:ext>
-                </a:extLst>
-              </a:tr>
-              <a:tr h="370840">
-                <a:tc>
-                  <a:txBody>
-                    <a:bodyPr/>
-                    <a:lstStyle/>
-                    <a:p>
-                      <a:r>
-                        <a:rPr lang="en-US" altLang="zh-CN"/>
-                        <a:t>1.2</a:t>
-                      </a:r>
-                    </a:p>
-                  </a:txBody>
-                  <a:tcPr anchor="ctr"/>
-                </a:tc>
-                <a:tc>
-                  <a:txBody>
-                    <a:bodyPr/>
-                    <a:lstStyle/>
-                    <a:p>
-                      <a:r>
-                        <a:rPr lang="en-US" altLang="zh-CN"/>
-                        <a:t>46</a:t>
-                      </a:r>
-                    </a:p>
-                  </a:txBody>
-                  <a:tcPr anchor="ctr"/>
-                </a:tc>
-                <a:tc>
-                  <a:txBody>
-                    <a:bodyPr/>
-                    <a:lstStyle/>
-                    <a:p>
-                      <a:r>
-                        <a:rPr lang="en-US" altLang="zh-CN"/>
-                        <a:t>45 .. 46</a:t>
-                      </a:r>
-                    </a:p>
-                  </a:txBody>
-                  <a:tcPr anchor="ctr"/>
-                </a:tc>
-                <a:extLst>
-                  <a:ext uri="{0D108BD9-81ED-4DB2-BD59-A6C34878D82A}">
-                    <a16:rowId xmlns:a16="http://schemas.microsoft.com/office/drawing/2014/main" val="2518692288"/>
-                  </a:ext>
-                </a:extLst>
-              </a:tr>
-              <a:tr h="370840">
-                <a:tc>
-                  <a:txBody>
-                    <a:bodyPr/>
-                    <a:lstStyle/>
-                    <a:p>
-                      <a:r>
-                        <a:rPr lang="en-US" altLang="zh-CN"/>
-                        <a:t>1.3</a:t>
-                      </a:r>
-                    </a:p>
-                  </a:txBody>
-                  <a:tcPr anchor="ctr"/>
-                </a:tc>
-                <a:tc>
-                  <a:txBody>
-                    <a:bodyPr/>
-                    <a:lstStyle/>
-                    <a:p>
-                      <a:r>
-                        <a:rPr lang="en-US" altLang="zh-CN"/>
-                        <a:t>47</a:t>
-                      </a:r>
-                    </a:p>
-                  </a:txBody>
-                  <a:tcPr anchor="ctr"/>
-                </a:tc>
-                <a:tc>
-                  <a:txBody>
-                    <a:bodyPr/>
-                    <a:lstStyle/>
-                    <a:p>
-                      <a:r>
-                        <a:rPr lang="en-US" altLang="zh-CN"/>
-                        <a:t>45 .. 47</a:t>
-                      </a:r>
-                    </a:p>
-                  </a:txBody>
-                  <a:tcPr anchor="ctr"/>
-                </a:tc>
-                <a:extLst>
-                  <a:ext uri="{0D108BD9-81ED-4DB2-BD59-A6C34878D82A}">
-                    <a16:rowId xmlns:a16="http://schemas.microsoft.com/office/drawing/2014/main" val="3302448803"/>
-                  </a:ext>
-                </a:extLst>
-              </a:tr>
-              <a:tr h="370840">
-                <a:tc>
-                  <a:txBody>
-                    <a:bodyPr/>
-                    <a:lstStyle/>
-                    <a:p>
-                      <a:r>
-                        <a:rPr lang="en-US" altLang="zh-CN"/>
-                        <a:t>1.4</a:t>
-                      </a:r>
-                    </a:p>
-                  </a:txBody>
-                  <a:tcPr anchor="ctr"/>
-                </a:tc>
-                <a:tc>
-                  <a:txBody>
-                    <a:bodyPr/>
-                    <a:lstStyle/>
-                    <a:p>
-                      <a:r>
-                        <a:rPr lang="en-US" altLang="zh-CN"/>
-                        <a:t>48</a:t>
-                      </a:r>
-                    </a:p>
-                  </a:txBody>
-                  <a:tcPr anchor="ctr"/>
-                </a:tc>
-                <a:tc>
-                  <a:txBody>
-                    <a:bodyPr/>
-                    <a:lstStyle/>
-                    <a:p>
-                      <a:r>
-                        <a:rPr lang="en-US" altLang="zh-CN"/>
-                        <a:t>45 .. 48</a:t>
-                      </a:r>
-                    </a:p>
-                  </a:txBody>
-                  <a:tcPr anchor="ctr"/>
-                </a:tc>
-                <a:extLst>
-                  <a:ext uri="{0D108BD9-81ED-4DB2-BD59-A6C34878D82A}">
-                    <a16:rowId xmlns:a16="http://schemas.microsoft.com/office/drawing/2014/main" val="439868638"/>
-                  </a:ext>
-                </a:extLst>
-              </a:tr>
-              <a:tr h="370840">
-                <a:tc>
-                  <a:txBody>
-                    <a:bodyPr/>
-                    <a:lstStyle/>
-                    <a:p>
-                      <a:r>
-                        <a:rPr lang="en-US" altLang="zh-CN"/>
-                        <a:t>5.0</a:t>
-                      </a:r>
-                    </a:p>
-                  </a:txBody>
-                  <a:tcPr anchor="ctr"/>
-                </a:tc>
-                <a:tc>
-                  <a:txBody>
-                    <a:bodyPr/>
-                    <a:lstStyle/>
-                    <a:p>
-                      <a:r>
-                        <a:rPr lang="en-US" altLang="zh-CN"/>
-                        <a:t>49</a:t>
-                      </a:r>
-                    </a:p>
-                  </a:txBody>
-                  <a:tcPr anchor="ctr"/>
-                </a:tc>
-                <a:tc>
-                  <a:txBody>
-                    <a:bodyPr/>
-                    <a:lstStyle/>
-                    <a:p>
-                      <a:r>
-                        <a:rPr lang="en-US" altLang="zh-CN"/>
-                        <a:t>45 .. 49</a:t>
-                      </a:r>
-                    </a:p>
-                  </a:txBody>
-                  <a:tcPr anchor="ctr"/>
-                </a:tc>
-                <a:extLst>
-                  <a:ext uri="{0D108BD9-81ED-4DB2-BD59-A6C34878D82A}">
-                    <a16:rowId xmlns:a16="http://schemas.microsoft.com/office/drawing/2014/main" val="3727784309"/>
-                  </a:ext>
-                </a:extLst>
-              </a:tr>
-              <a:tr h="370840">
-                <a:tc>
-                  <a:txBody>
-                    <a:bodyPr/>
-                    <a:lstStyle/>
-                    <a:p>
-                      <a:r>
-                        <a:rPr lang="en-US" altLang="zh-CN"/>
-                        <a:t>6</a:t>
-                      </a:r>
-                    </a:p>
-                  </a:txBody>
-                  <a:tcPr anchor="ctr"/>
-                </a:tc>
-                <a:tc>
-                  <a:txBody>
-                    <a:bodyPr/>
-                    <a:lstStyle/>
-                    <a:p>
-                      <a:r>
-                        <a:rPr lang="en-US" altLang="zh-CN"/>
-                        <a:t>50</a:t>
-                      </a:r>
-                    </a:p>
-                  </a:txBody>
-                  <a:tcPr anchor="ctr"/>
-                </a:tc>
-                <a:tc>
-                  <a:txBody>
-                    <a:bodyPr/>
-                    <a:lstStyle/>
-                    <a:p>
-                      <a:r>
-                        <a:rPr lang="en-US" altLang="zh-CN"/>
-                        <a:t>45 .. 50</a:t>
-                      </a:r>
-                    </a:p>
-                  </a:txBody>
-                  <a:tcPr anchor="ctr"/>
-                </a:tc>
-                <a:extLst>
-                  <a:ext uri="{0D108BD9-81ED-4DB2-BD59-A6C34878D82A}">
-                    <a16:rowId xmlns:a16="http://schemas.microsoft.com/office/drawing/2014/main" val="1843343894"/>
-                  </a:ext>
-                </a:extLst>
-              </a:tr>
-              <a:tr h="370840">
-                <a:tc>
-                  <a:txBody>
-                    <a:bodyPr/>
-                    <a:lstStyle/>
-                    <a:p>
-                      <a:r>
-                        <a:rPr lang="en-US" altLang="zh-CN"/>
-                        <a:t>7</a:t>
-                      </a:r>
-                    </a:p>
-                  </a:txBody>
-                  <a:tcPr anchor="ctr"/>
-                </a:tc>
-                <a:tc>
-                  <a:txBody>
-                    <a:bodyPr/>
-                    <a:lstStyle/>
-                    <a:p>
-                      <a:r>
-                        <a:rPr lang="en-US" altLang="zh-CN"/>
-                        <a:t>51</a:t>
-                      </a:r>
-                    </a:p>
-                  </a:txBody>
-                  <a:tcPr anchor="ctr"/>
-                </a:tc>
-                <a:tc>
-                  <a:txBody>
-                    <a:bodyPr/>
-                    <a:lstStyle/>
-                    <a:p>
-                      <a:r>
-                        <a:rPr lang="en-US" altLang="zh-CN"/>
-                        <a:t>45 .. 51</a:t>
-                      </a:r>
-                    </a:p>
-                  </a:txBody>
-                  <a:tcPr anchor="ctr"/>
-                </a:tc>
-                <a:extLst>
-                  <a:ext uri="{0D108BD9-81ED-4DB2-BD59-A6C34878D82A}">
-                    <a16:rowId xmlns:a16="http://schemas.microsoft.com/office/drawing/2014/main" val="2095259455"/>
-                  </a:ext>
-                </a:extLst>
-              </a:tr>
-              <a:tr h="370840">
-                <a:tc>
-                  <a:txBody>
-                    <a:bodyPr/>
-                    <a:lstStyle/>
-                    <a:p>
-                      <a:r>
-                        <a:rPr lang="en-US" altLang="zh-CN"/>
-                        <a:t>8</a:t>
-                      </a:r>
-                    </a:p>
-                  </a:txBody>
-                  <a:tcPr anchor="ctr"/>
-                </a:tc>
-                <a:tc>
-                  <a:txBody>
-                    <a:bodyPr/>
-                    <a:lstStyle/>
-                    <a:p>
-                      <a:r>
-                        <a:rPr lang="en-US" altLang="zh-CN"/>
-                        <a:t>52</a:t>
-                      </a:r>
-                    </a:p>
-                  </a:txBody>
-                  <a:tcPr anchor="ctr"/>
-                </a:tc>
-                <a:tc>
-                  <a:txBody>
-                    <a:bodyPr/>
-                    <a:lstStyle/>
-                    <a:p>
-                      <a:r>
-                        <a:rPr lang="en-US" altLang="zh-CN"/>
-                        <a:t>45 .. 52</a:t>
-                      </a:r>
-                    </a:p>
-                  </a:txBody>
-                  <a:tcPr anchor="ctr"/>
-                </a:tc>
-                <a:extLst>
-                  <a:ext uri="{0D108BD9-81ED-4DB2-BD59-A6C34878D82A}">
-                    <a16:rowId xmlns:a16="http://schemas.microsoft.com/office/drawing/2014/main" val="3440492429"/>
-                  </a:ext>
-                </a:extLst>
-              </a:tr>
-              <a:tr h="370840">
-                <a:tc>
-                  <a:txBody>
-                    <a:bodyPr/>
-                    <a:lstStyle/>
-                    <a:p>
-                      <a:r>
-                        <a:rPr lang="en-US" altLang="zh-CN"/>
-                        <a:t>9</a:t>
-                      </a:r>
-                    </a:p>
-                  </a:txBody>
-                  <a:tcPr anchor="ctr"/>
-                </a:tc>
-                <a:tc>
-                  <a:txBody>
-                    <a:bodyPr/>
-                    <a:lstStyle/>
-                    <a:p>
-                      <a:r>
-                        <a:rPr lang="en-US" altLang="zh-CN"/>
-                        <a:t>53</a:t>
-                      </a:r>
-                    </a:p>
-                  </a:txBody>
-                  <a:tcPr anchor="ctr"/>
-                </a:tc>
-                <a:tc>
-                  <a:txBody>
-                    <a:bodyPr/>
-                    <a:lstStyle/>
-                    <a:p>
-                      <a:r>
-                        <a:rPr lang="en-US" altLang="zh-CN"/>
-                        <a:t>45 .. 53</a:t>
-                      </a:r>
-                    </a:p>
-                  </a:txBody>
-                  <a:tcPr anchor="ctr"/>
-                </a:tc>
-                <a:extLst>
-                  <a:ext uri="{0D108BD9-81ED-4DB2-BD59-A6C34878D82A}">
-                    <a16:rowId xmlns:a16="http://schemas.microsoft.com/office/drawing/2014/main" val="213533386"/>
-                  </a:ext>
-                </a:extLst>
-              </a:tr>
-              <a:tr h="370840">
-                <a:tc>
-                  <a:txBody>
-                    <a:bodyPr/>
-                    <a:lstStyle/>
-                    <a:p>
-                      <a:r>
-                        <a:rPr lang="en-US" altLang="zh-CN"/>
-                        <a:t>10</a:t>
-                      </a:r>
-                    </a:p>
-                  </a:txBody>
-                  <a:tcPr anchor="ctr"/>
-                </a:tc>
-                <a:tc>
-                  <a:txBody>
-                    <a:bodyPr/>
-                    <a:lstStyle/>
-                    <a:p>
-                      <a:r>
-                        <a:rPr lang="en-US" altLang="zh-CN"/>
-                        <a:t>54</a:t>
-                      </a:r>
-                    </a:p>
-                  </a:txBody>
-                  <a:tcPr anchor="ctr"/>
-                </a:tc>
-                <a:tc>
-                  <a:txBody>
-                    <a:bodyPr/>
-                    <a:lstStyle/>
-                    <a:p>
-                      <a:r>
-                        <a:rPr lang="en-US" altLang="zh-CN"/>
-                        <a:t>45 .. 54</a:t>
-                      </a:r>
-                    </a:p>
-                  </a:txBody>
-                  <a:tcPr anchor="ctr"/>
-                </a:tc>
-                <a:extLst>
-                  <a:ext uri="{0D108BD9-81ED-4DB2-BD59-A6C34878D82A}">
-                    <a16:rowId xmlns:a16="http://schemas.microsoft.com/office/drawing/2014/main" val="520889746"/>
-                  </a:ext>
-                </a:extLst>
-              </a:tr>
-              <a:tr h="370840">
-                <a:tc>
-                  <a:txBody>
-                    <a:bodyPr/>
-                    <a:lstStyle/>
-                    <a:p>
-                      <a:r>
-                        <a:rPr lang="en-US" altLang="zh-CN"/>
-                        <a:t>11</a:t>
-                      </a:r>
-                    </a:p>
-                  </a:txBody>
-                  <a:tcPr anchor="ctr"/>
-                </a:tc>
-                <a:tc>
-                  <a:txBody>
-                    <a:bodyPr/>
-                    <a:lstStyle/>
-                    <a:p>
-                      <a:r>
-                        <a:rPr lang="en-US" altLang="zh-CN"/>
-                        <a:t>55</a:t>
-                      </a:r>
-                    </a:p>
-                  </a:txBody>
-                  <a:tcPr anchor="ctr"/>
-                </a:tc>
-                <a:tc>
-                  <a:txBody>
-                    <a:bodyPr/>
-                    <a:lstStyle/>
-                    <a:p>
-                      <a:r>
-                        <a:rPr lang="en-US" altLang="zh-CN"/>
-                        <a:t>45 .. 55</a:t>
-                      </a:r>
-                    </a:p>
-                  </a:txBody>
-                  <a:tcPr anchor="ctr"/>
-                </a:tc>
-                <a:extLst>
-                  <a:ext uri="{0D108BD9-81ED-4DB2-BD59-A6C34878D82A}">
-                    <a16:rowId xmlns:a16="http://schemas.microsoft.com/office/drawing/2014/main" val="2844895399"/>
-                  </a:ext>
-                </a:extLst>
-              </a:tr>
-              <a:tr h="370840">
-                <a:tc>
-                  <a:txBody>
-                    <a:bodyPr/>
-                    <a:lstStyle/>
-                    <a:p>
-                      <a:r>
-                        <a:rPr lang="en-US" altLang="zh-CN"/>
-                        <a:t>12</a:t>
-                      </a:r>
-                    </a:p>
-                  </a:txBody>
-                  <a:tcPr anchor="ctr"/>
-                </a:tc>
-                <a:tc>
-                  <a:txBody>
-                    <a:bodyPr/>
-                    <a:lstStyle/>
-                    <a:p>
-                      <a:r>
-                        <a:rPr lang="en-US" altLang="zh-CN"/>
-                        <a:t>56</a:t>
-                      </a:r>
-                    </a:p>
-                  </a:txBody>
-                  <a:tcPr anchor="ctr"/>
-                </a:tc>
-                <a:tc>
-                  <a:txBody>
-                    <a:bodyPr/>
-                    <a:lstStyle/>
-                    <a:p>
-                      <a:r>
-                        <a:rPr lang="en-US" altLang="zh-CN" dirty="0"/>
-                        <a:t>45 .. 56</a:t>
-                      </a:r>
-                    </a:p>
-                  </a:txBody>
-                  <a:tcPr anchor="ctr"/>
-                </a:tc>
-                <a:extLst>
-                  <a:ext uri="{0D108BD9-81ED-4DB2-BD59-A6C34878D82A}">
-                    <a16:rowId xmlns:a16="http://schemas.microsoft.com/office/drawing/2014/main" val="493874607"/>
-                  </a:ext>
-                </a:extLst>
-              </a:tr>
-            </a:tbl>
-          </a:graphicData>
-        </a:graphic>
-      </p:graphicFrame>
+        </p:nvSpPr>
+        <p:spPr/>
+        <p:txBody>
+          <a:bodyPr/>
+          <a:lstStyle/>
+          <a:p>
+            <a:r>
+              <a:rPr kumimoji="1" lang="en-US" altLang="zh-CN" dirty="0" err="1"/>
+              <a:t>javap</a:t>
+            </a:r>
+            <a:endParaRPr kumimoji="1" lang="en-US" altLang="zh-CN" dirty="0"/>
+          </a:p>
+          <a:p>
+            <a:r>
+              <a:rPr kumimoji="1" lang="en-US" altLang="zh-CN" dirty="0"/>
+              <a:t>hex</a:t>
+            </a:r>
+            <a:endParaRPr kumimoji="1" lang="zh-CN" altLang="en-US" dirty="0"/>
+          </a:p>
+        </p:txBody>
+      </p:sp>
     </p:spTree>
     <p:extLst>
       <p:ext uri="{BB962C8B-B14F-4D97-AF65-F5344CB8AC3E}">
-        <p14:creationId xmlns:p14="http://schemas.microsoft.com/office/powerpoint/2010/main" val="506604077"/>
+        <p14:creationId xmlns:p14="http://schemas.microsoft.com/office/powerpoint/2010/main" val="2799529522"/>
       </p:ext>
     </p:extLst>
   </p:cSld>
@@ -7520,6 +6851,774 @@
           <p:cNvPr id="2" name="标题 1">
             <a:extLst>
               <a:ext uri="{FF2B5EF4-FFF2-40B4-BE49-F238E27FC236}">
+                <a16:creationId xmlns:a16="http://schemas.microsoft.com/office/drawing/2014/main" id="{70E50899-A2BA-BB47-BE76-23C4D0EFC5F7}"/>
+              </a:ext>
+            </a:extLst>
+          </p:cNvPr>
+          <p:cNvSpPr>
+            <a:spLocks noGrp="1"/>
+          </p:cNvSpPr>
+          <p:nvPr>
+            <p:ph type="title"/>
+          </p:nvPr>
+        </p:nvSpPr>
+        <p:spPr>
+          <a:xfrm>
+            <a:off x="838200" y="365126"/>
+            <a:ext cx="10515600" cy="669018"/>
+          </a:xfrm>
+        </p:spPr>
+        <p:txBody>
+          <a:bodyPr>
+            <a:normAutofit fontScale="90000"/>
+          </a:bodyPr>
+          <a:lstStyle/>
+          <a:p>
+            <a:pPr algn="ctr"/>
+            <a:r>
+              <a:rPr lang="en-US" altLang="zh-CN" b="1" dirty="0"/>
+              <a:t>major versions</a:t>
+            </a:r>
+            <a:endParaRPr kumimoji="1" lang="zh-CN" altLang="en-US" dirty="0"/>
+          </a:p>
+        </p:txBody>
+      </p:sp>
+      <p:graphicFrame>
+        <p:nvGraphicFramePr>
+          <p:cNvPr id="4" name="表格 3">
+            <a:extLst>
+              <a:ext uri="{FF2B5EF4-FFF2-40B4-BE49-F238E27FC236}">
+                <a16:creationId xmlns:a16="http://schemas.microsoft.com/office/drawing/2014/main" id="{AEDEFD80-449A-EB4B-877E-19D89BD8A6DA}"/>
+              </a:ext>
+            </a:extLst>
+          </p:cNvPr>
+          <p:cNvGraphicFramePr>
+            <a:graphicFrameLocks noGrp="1"/>
+          </p:cNvGraphicFramePr>
+          <p:nvPr>
+            <p:extLst>
+              <p:ext uri="{D42A27DB-BD31-4B8C-83A1-F6EECF244321}">
+                <p14:modId xmlns:p14="http://schemas.microsoft.com/office/powerpoint/2010/main" val="2492713626"/>
+              </p:ext>
+            </p:extLst>
+          </p:nvPr>
+        </p:nvGraphicFramePr>
+        <p:xfrm>
+          <a:off x="1574801" y="1152192"/>
+          <a:ext cx="8127999" cy="5461000"/>
+        </p:xfrm>
+        <a:graphic>
+          <a:graphicData uri="http://schemas.openxmlformats.org/drawingml/2006/table">
+            <a:tbl>
+              <a:tblPr firstRow="1" bandRow="1">
+                <a:tableStyleId>{5C22544A-7EE6-4342-B048-85BDC9FD1C3A}</a:tableStyleId>
+              </a:tblPr>
+              <a:tblGrid>
+                <a:gridCol w="2709333">
+                  <a:extLst>
+                    <a:ext uri="{9D8B030D-6E8A-4147-A177-3AD203B41FA5}">
+                      <a16:colId xmlns:a16="http://schemas.microsoft.com/office/drawing/2014/main" val="23846676"/>
+                    </a:ext>
+                  </a:extLst>
+                </a:gridCol>
+                <a:gridCol w="2709333">
+                  <a:extLst>
+                    <a:ext uri="{9D8B030D-6E8A-4147-A177-3AD203B41FA5}">
+                      <a16:colId xmlns:a16="http://schemas.microsoft.com/office/drawing/2014/main" val="126732483"/>
+                    </a:ext>
+                  </a:extLst>
+                </a:gridCol>
+                <a:gridCol w="2709333">
+                  <a:extLst>
+                    <a:ext uri="{9D8B030D-6E8A-4147-A177-3AD203B41FA5}">
+                      <a16:colId xmlns:a16="http://schemas.microsoft.com/office/drawing/2014/main" val="3747913839"/>
+                    </a:ext>
+                  </a:extLst>
+                </a:gridCol>
+              </a:tblGrid>
+              <a:tr h="370840">
+                <a:tc>
+                  <a:txBody>
+                    <a:bodyPr/>
+                    <a:lstStyle/>
+                    <a:p>
+                      <a:r>
+                        <a:rPr lang="en-US" dirty="0"/>
+                        <a:t>Java SE</a:t>
+                      </a:r>
+                    </a:p>
+                  </a:txBody>
+                  <a:tcPr anchor="ctr"/>
+                </a:tc>
+                <a:tc>
+                  <a:txBody>
+                    <a:bodyPr/>
+                    <a:lstStyle/>
+                    <a:p>
+                      <a:r>
+                        <a:rPr lang="en-US"/>
+                        <a:t>Corresponding major version</a:t>
+                      </a:r>
+                    </a:p>
+                  </a:txBody>
+                  <a:tcPr anchor="ctr"/>
+                </a:tc>
+                <a:tc>
+                  <a:txBody>
+                    <a:bodyPr/>
+                    <a:lstStyle/>
+                    <a:p>
+                      <a:r>
+                        <a:rPr lang="en-US"/>
+                        <a:t>Supported major versions</a:t>
+                      </a:r>
+                    </a:p>
+                  </a:txBody>
+                  <a:tcPr anchor="ctr"/>
+                </a:tc>
+                <a:extLst>
+                  <a:ext uri="{0D108BD9-81ED-4DB2-BD59-A6C34878D82A}">
+                    <a16:rowId xmlns:a16="http://schemas.microsoft.com/office/drawing/2014/main" val="3411419135"/>
+                  </a:ext>
+                </a:extLst>
+              </a:tr>
+              <a:tr h="370840">
+                <a:tc>
+                  <a:txBody>
+                    <a:bodyPr/>
+                    <a:lstStyle/>
+                    <a:p>
+                      <a:r>
+                        <a:rPr lang="en-US" altLang="zh-CN"/>
+                        <a:t>1.0.2</a:t>
+                      </a:r>
+                    </a:p>
+                  </a:txBody>
+                  <a:tcPr anchor="ctr"/>
+                </a:tc>
+                <a:tc>
+                  <a:txBody>
+                    <a:bodyPr/>
+                    <a:lstStyle/>
+                    <a:p>
+                      <a:r>
+                        <a:rPr lang="en-US" altLang="zh-CN"/>
+                        <a:t>45</a:t>
+                      </a:r>
+                    </a:p>
+                  </a:txBody>
+                  <a:tcPr anchor="ctr"/>
+                </a:tc>
+                <a:tc>
+                  <a:txBody>
+                    <a:bodyPr/>
+                    <a:lstStyle/>
+                    <a:p>
+                      <a:r>
+                        <a:rPr lang="en-US" altLang="zh-CN"/>
+                        <a:t>45</a:t>
+                      </a:r>
+                    </a:p>
+                  </a:txBody>
+                  <a:tcPr anchor="ctr"/>
+                </a:tc>
+                <a:extLst>
+                  <a:ext uri="{0D108BD9-81ED-4DB2-BD59-A6C34878D82A}">
+                    <a16:rowId xmlns:a16="http://schemas.microsoft.com/office/drawing/2014/main" val="333952930"/>
+                  </a:ext>
+                </a:extLst>
+              </a:tr>
+              <a:tr h="370840">
+                <a:tc>
+                  <a:txBody>
+                    <a:bodyPr/>
+                    <a:lstStyle/>
+                    <a:p>
+                      <a:r>
+                        <a:rPr lang="en-US" altLang="zh-CN"/>
+                        <a:t>1.1</a:t>
+                      </a:r>
+                    </a:p>
+                  </a:txBody>
+                  <a:tcPr anchor="ctr"/>
+                </a:tc>
+                <a:tc>
+                  <a:txBody>
+                    <a:bodyPr/>
+                    <a:lstStyle/>
+                    <a:p>
+                      <a:r>
+                        <a:rPr lang="en-US" altLang="zh-CN"/>
+                        <a:t>45</a:t>
+                      </a:r>
+                    </a:p>
+                  </a:txBody>
+                  <a:tcPr anchor="ctr"/>
+                </a:tc>
+                <a:tc>
+                  <a:txBody>
+                    <a:bodyPr/>
+                    <a:lstStyle/>
+                    <a:p>
+                      <a:r>
+                        <a:rPr lang="en-US" altLang="zh-CN"/>
+                        <a:t>45</a:t>
+                      </a:r>
+                    </a:p>
+                  </a:txBody>
+                  <a:tcPr anchor="ctr"/>
+                </a:tc>
+                <a:extLst>
+                  <a:ext uri="{0D108BD9-81ED-4DB2-BD59-A6C34878D82A}">
+                    <a16:rowId xmlns:a16="http://schemas.microsoft.com/office/drawing/2014/main" val="2823171795"/>
+                  </a:ext>
+                </a:extLst>
+              </a:tr>
+              <a:tr h="370840">
+                <a:tc>
+                  <a:txBody>
+                    <a:bodyPr/>
+                    <a:lstStyle/>
+                    <a:p>
+                      <a:r>
+                        <a:rPr lang="en-US" altLang="zh-CN"/>
+                        <a:t>1.2</a:t>
+                      </a:r>
+                    </a:p>
+                  </a:txBody>
+                  <a:tcPr anchor="ctr"/>
+                </a:tc>
+                <a:tc>
+                  <a:txBody>
+                    <a:bodyPr/>
+                    <a:lstStyle/>
+                    <a:p>
+                      <a:r>
+                        <a:rPr lang="en-US" altLang="zh-CN"/>
+                        <a:t>46</a:t>
+                      </a:r>
+                    </a:p>
+                  </a:txBody>
+                  <a:tcPr anchor="ctr"/>
+                </a:tc>
+                <a:tc>
+                  <a:txBody>
+                    <a:bodyPr/>
+                    <a:lstStyle/>
+                    <a:p>
+                      <a:r>
+                        <a:rPr lang="en-US" altLang="zh-CN"/>
+                        <a:t>45 .. 46</a:t>
+                      </a:r>
+                    </a:p>
+                  </a:txBody>
+                  <a:tcPr anchor="ctr"/>
+                </a:tc>
+                <a:extLst>
+                  <a:ext uri="{0D108BD9-81ED-4DB2-BD59-A6C34878D82A}">
+                    <a16:rowId xmlns:a16="http://schemas.microsoft.com/office/drawing/2014/main" val="2518692288"/>
+                  </a:ext>
+                </a:extLst>
+              </a:tr>
+              <a:tr h="370840">
+                <a:tc>
+                  <a:txBody>
+                    <a:bodyPr/>
+                    <a:lstStyle/>
+                    <a:p>
+                      <a:r>
+                        <a:rPr lang="en-US" altLang="zh-CN"/>
+                        <a:t>1.3</a:t>
+                      </a:r>
+                    </a:p>
+                  </a:txBody>
+                  <a:tcPr anchor="ctr"/>
+                </a:tc>
+                <a:tc>
+                  <a:txBody>
+                    <a:bodyPr/>
+                    <a:lstStyle/>
+                    <a:p>
+                      <a:r>
+                        <a:rPr lang="en-US" altLang="zh-CN"/>
+                        <a:t>47</a:t>
+                      </a:r>
+                    </a:p>
+                  </a:txBody>
+                  <a:tcPr anchor="ctr"/>
+                </a:tc>
+                <a:tc>
+                  <a:txBody>
+                    <a:bodyPr/>
+                    <a:lstStyle/>
+                    <a:p>
+                      <a:r>
+                        <a:rPr lang="en-US" altLang="zh-CN"/>
+                        <a:t>45 .. 47</a:t>
+                      </a:r>
+                    </a:p>
+                  </a:txBody>
+                  <a:tcPr anchor="ctr"/>
+                </a:tc>
+                <a:extLst>
+                  <a:ext uri="{0D108BD9-81ED-4DB2-BD59-A6C34878D82A}">
+                    <a16:rowId xmlns:a16="http://schemas.microsoft.com/office/drawing/2014/main" val="3302448803"/>
+                  </a:ext>
+                </a:extLst>
+              </a:tr>
+              <a:tr h="370840">
+                <a:tc>
+                  <a:txBody>
+                    <a:bodyPr/>
+                    <a:lstStyle/>
+                    <a:p>
+                      <a:r>
+                        <a:rPr lang="en-US" altLang="zh-CN"/>
+                        <a:t>1.4</a:t>
+                      </a:r>
+                    </a:p>
+                  </a:txBody>
+                  <a:tcPr anchor="ctr"/>
+                </a:tc>
+                <a:tc>
+                  <a:txBody>
+                    <a:bodyPr/>
+                    <a:lstStyle/>
+                    <a:p>
+                      <a:r>
+                        <a:rPr lang="en-US" altLang="zh-CN"/>
+                        <a:t>48</a:t>
+                      </a:r>
+                    </a:p>
+                  </a:txBody>
+                  <a:tcPr anchor="ctr"/>
+                </a:tc>
+                <a:tc>
+                  <a:txBody>
+                    <a:bodyPr/>
+                    <a:lstStyle/>
+                    <a:p>
+                      <a:r>
+                        <a:rPr lang="en-US" altLang="zh-CN"/>
+                        <a:t>45 .. 48</a:t>
+                      </a:r>
+                    </a:p>
+                  </a:txBody>
+                  <a:tcPr anchor="ctr"/>
+                </a:tc>
+                <a:extLst>
+                  <a:ext uri="{0D108BD9-81ED-4DB2-BD59-A6C34878D82A}">
+                    <a16:rowId xmlns:a16="http://schemas.microsoft.com/office/drawing/2014/main" val="439868638"/>
+                  </a:ext>
+                </a:extLst>
+              </a:tr>
+              <a:tr h="370840">
+                <a:tc>
+                  <a:txBody>
+                    <a:bodyPr/>
+                    <a:lstStyle/>
+                    <a:p>
+                      <a:r>
+                        <a:rPr lang="en-US" altLang="zh-CN"/>
+                        <a:t>5.0</a:t>
+                      </a:r>
+                    </a:p>
+                  </a:txBody>
+                  <a:tcPr anchor="ctr"/>
+                </a:tc>
+                <a:tc>
+                  <a:txBody>
+                    <a:bodyPr/>
+                    <a:lstStyle/>
+                    <a:p>
+                      <a:r>
+                        <a:rPr lang="en-US" altLang="zh-CN"/>
+                        <a:t>49</a:t>
+                      </a:r>
+                    </a:p>
+                  </a:txBody>
+                  <a:tcPr anchor="ctr"/>
+                </a:tc>
+                <a:tc>
+                  <a:txBody>
+                    <a:bodyPr/>
+                    <a:lstStyle/>
+                    <a:p>
+                      <a:r>
+                        <a:rPr lang="en-US" altLang="zh-CN"/>
+                        <a:t>45 .. 49</a:t>
+                      </a:r>
+                    </a:p>
+                  </a:txBody>
+                  <a:tcPr anchor="ctr"/>
+                </a:tc>
+                <a:extLst>
+                  <a:ext uri="{0D108BD9-81ED-4DB2-BD59-A6C34878D82A}">
+                    <a16:rowId xmlns:a16="http://schemas.microsoft.com/office/drawing/2014/main" val="3727784309"/>
+                  </a:ext>
+                </a:extLst>
+              </a:tr>
+              <a:tr h="370840">
+                <a:tc>
+                  <a:txBody>
+                    <a:bodyPr/>
+                    <a:lstStyle/>
+                    <a:p>
+                      <a:r>
+                        <a:rPr lang="en-US" altLang="zh-CN"/>
+                        <a:t>6</a:t>
+                      </a:r>
+                    </a:p>
+                  </a:txBody>
+                  <a:tcPr anchor="ctr"/>
+                </a:tc>
+                <a:tc>
+                  <a:txBody>
+                    <a:bodyPr/>
+                    <a:lstStyle/>
+                    <a:p>
+                      <a:r>
+                        <a:rPr lang="en-US" altLang="zh-CN"/>
+                        <a:t>50</a:t>
+                      </a:r>
+                    </a:p>
+                  </a:txBody>
+                  <a:tcPr anchor="ctr"/>
+                </a:tc>
+                <a:tc>
+                  <a:txBody>
+                    <a:bodyPr/>
+                    <a:lstStyle/>
+                    <a:p>
+                      <a:r>
+                        <a:rPr lang="en-US" altLang="zh-CN"/>
+                        <a:t>45 .. 50</a:t>
+                      </a:r>
+                    </a:p>
+                  </a:txBody>
+                  <a:tcPr anchor="ctr"/>
+                </a:tc>
+                <a:extLst>
+                  <a:ext uri="{0D108BD9-81ED-4DB2-BD59-A6C34878D82A}">
+                    <a16:rowId xmlns:a16="http://schemas.microsoft.com/office/drawing/2014/main" val="1843343894"/>
+                  </a:ext>
+                </a:extLst>
+              </a:tr>
+              <a:tr h="370840">
+                <a:tc>
+                  <a:txBody>
+                    <a:bodyPr/>
+                    <a:lstStyle/>
+                    <a:p>
+                      <a:r>
+                        <a:rPr lang="en-US" altLang="zh-CN"/>
+                        <a:t>7</a:t>
+                      </a:r>
+                    </a:p>
+                  </a:txBody>
+                  <a:tcPr anchor="ctr"/>
+                </a:tc>
+                <a:tc>
+                  <a:txBody>
+                    <a:bodyPr/>
+                    <a:lstStyle/>
+                    <a:p>
+                      <a:r>
+                        <a:rPr lang="en-US" altLang="zh-CN"/>
+                        <a:t>51</a:t>
+                      </a:r>
+                    </a:p>
+                  </a:txBody>
+                  <a:tcPr anchor="ctr"/>
+                </a:tc>
+                <a:tc>
+                  <a:txBody>
+                    <a:bodyPr/>
+                    <a:lstStyle/>
+                    <a:p>
+                      <a:r>
+                        <a:rPr lang="en-US" altLang="zh-CN"/>
+                        <a:t>45 .. 51</a:t>
+                      </a:r>
+                    </a:p>
+                  </a:txBody>
+                  <a:tcPr anchor="ctr"/>
+                </a:tc>
+                <a:extLst>
+                  <a:ext uri="{0D108BD9-81ED-4DB2-BD59-A6C34878D82A}">
+                    <a16:rowId xmlns:a16="http://schemas.microsoft.com/office/drawing/2014/main" val="2095259455"/>
+                  </a:ext>
+                </a:extLst>
+              </a:tr>
+              <a:tr h="370840">
+                <a:tc>
+                  <a:txBody>
+                    <a:bodyPr/>
+                    <a:lstStyle/>
+                    <a:p>
+                      <a:r>
+                        <a:rPr lang="en-US" altLang="zh-CN"/>
+                        <a:t>8</a:t>
+                      </a:r>
+                    </a:p>
+                  </a:txBody>
+                  <a:tcPr anchor="ctr"/>
+                </a:tc>
+                <a:tc>
+                  <a:txBody>
+                    <a:bodyPr/>
+                    <a:lstStyle/>
+                    <a:p>
+                      <a:r>
+                        <a:rPr lang="en-US" altLang="zh-CN"/>
+                        <a:t>52</a:t>
+                      </a:r>
+                    </a:p>
+                  </a:txBody>
+                  <a:tcPr anchor="ctr"/>
+                </a:tc>
+                <a:tc>
+                  <a:txBody>
+                    <a:bodyPr/>
+                    <a:lstStyle/>
+                    <a:p>
+                      <a:r>
+                        <a:rPr lang="en-US" altLang="zh-CN"/>
+                        <a:t>45 .. 52</a:t>
+                      </a:r>
+                    </a:p>
+                  </a:txBody>
+                  <a:tcPr anchor="ctr"/>
+                </a:tc>
+                <a:extLst>
+                  <a:ext uri="{0D108BD9-81ED-4DB2-BD59-A6C34878D82A}">
+                    <a16:rowId xmlns:a16="http://schemas.microsoft.com/office/drawing/2014/main" val="3440492429"/>
+                  </a:ext>
+                </a:extLst>
+              </a:tr>
+              <a:tr h="370840">
+                <a:tc>
+                  <a:txBody>
+                    <a:bodyPr/>
+                    <a:lstStyle/>
+                    <a:p>
+                      <a:r>
+                        <a:rPr lang="en-US" altLang="zh-CN"/>
+                        <a:t>9</a:t>
+                      </a:r>
+                    </a:p>
+                  </a:txBody>
+                  <a:tcPr anchor="ctr"/>
+                </a:tc>
+                <a:tc>
+                  <a:txBody>
+                    <a:bodyPr/>
+                    <a:lstStyle/>
+                    <a:p>
+                      <a:r>
+                        <a:rPr lang="en-US" altLang="zh-CN"/>
+                        <a:t>53</a:t>
+                      </a:r>
+                    </a:p>
+                  </a:txBody>
+                  <a:tcPr anchor="ctr"/>
+                </a:tc>
+                <a:tc>
+                  <a:txBody>
+                    <a:bodyPr/>
+                    <a:lstStyle/>
+                    <a:p>
+                      <a:r>
+                        <a:rPr lang="en-US" altLang="zh-CN"/>
+                        <a:t>45 .. 53</a:t>
+                      </a:r>
+                    </a:p>
+                  </a:txBody>
+                  <a:tcPr anchor="ctr"/>
+                </a:tc>
+                <a:extLst>
+                  <a:ext uri="{0D108BD9-81ED-4DB2-BD59-A6C34878D82A}">
+                    <a16:rowId xmlns:a16="http://schemas.microsoft.com/office/drawing/2014/main" val="213533386"/>
+                  </a:ext>
+                </a:extLst>
+              </a:tr>
+              <a:tr h="370840">
+                <a:tc>
+                  <a:txBody>
+                    <a:bodyPr/>
+                    <a:lstStyle/>
+                    <a:p>
+                      <a:r>
+                        <a:rPr lang="en-US" altLang="zh-CN"/>
+                        <a:t>10</a:t>
+                      </a:r>
+                    </a:p>
+                  </a:txBody>
+                  <a:tcPr anchor="ctr"/>
+                </a:tc>
+                <a:tc>
+                  <a:txBody>
+                    <a:bodyPr/>
+                    <a:lstStyle/>
+                    <a:p>
+                      <a:r>
+                        <a:rPr lang="en-US" altLang="zh-CN"/>
+                        <a:t>54</a:t>
+                      </a:r>
+                    </a:p>
+                  </a:txBody>
+                  <a:tcPr anchor="ctr"/>
+                </a:tc>
+                <a:tc>
+                  <a:txBody>
+                    <a:bodyPr/>
+                    <a:lstStyle/>
+                    <a:p>
+                      <a:r>
+                        <a:rPr lang="en-US" altLang="zh-CN"/>
+                        <a:t>45 .. 54</a:t>
+                      </a:r>
+                    </a:p>
+                  </a:txBody>
+                  <a:tcPr anchor="ctr"/>
+                </a:tc>
+                <a:extLst>
+                  <a:ext uri="{0D108BD9-81ED-4DB2-BD59-A6C34878D82A}">
+                    <a16:rowId xmlns:a16="http://schemas.microsoft.com/office/drawing/2014/main" val="520889746"/>
+                  </a:ext>
+                </a:extLst>
+              </a:tr>
+              <a:tr h="370840">
+                <a:tc>
+                  <a:txBody>
+                    <a:bodyPr/>
+                    <a:lstStyle/>
+                    <a:p>
+                      <a:r>
+                        <a:rPr lang="en-US" altLang="zh-CN"/>
+                        <a:t>11</a:t>
+                      </a:r>
+                    </a:p>
+                  </a:txBody>
+                  <a:tcPr anchor="ctr"/>
+                </a:tc>
+                <a:tc>
+                  <a:txBody>
+                    <a:bodyPr/>
+                    <a:lstStyle/>
+                    <a:p>
+                      <a:r>
+                        <a:rPr lang="en-US" altLang="zh-CN"/>
+                        <a:t>55</a:t>
+                      </a:r>
+                    </a:p>
+                  </a:txBody>
+                  <a:tcPr anchor="ctr"/>
+                </a:tc>
+                <a:tc>
+                  <a:txBody>
+                    <a:bodyPr/>
+                    <a:lstStyle/>
+                    <a:p>
+                      <a:r>
+                        <a:rPr lang="en-US" altLang="zh-CN"/>
+                        <a:t>45 .. 55</a:t>
+                      </a:r>
+                    </a:p>
+                  </a:txBody>
+                  <a:tcPr anchor="ctr"/>
+                </a:tc>
+                <a:extLst>
+                  <a:ext uri="{0D108BD9-81ED-4DB2-BD59-A6C34878D82A}">
+                    <a16:rowId xmlns:a16="http://schemas.microsoft.com/office/drawing/2014/main" val="2844895399"/>
+                  </a:ext>
+                </a:extLst>
+              </a:tr>
+              <a:tr h="370840">
+                <a:tc>
+                  <a:txBody>
+                    <a:bodyPr/>
+                    <a:lstStyle/>
+                    <a:p>
+                      <a:r>
+                        <a:rPr lang="en-US" altLang="zh-CN"/>
+                        <a:t>12</a:t>
+                      </a:r>
+                    </a:p>
+                  </a:txBody>
+                  <a:tcPr anchor="ctr"/>
+                </a:tc>
+                <a:tc>
+                  <a:txBody>
+                    <a:bodyPr/>
+                    <a:lstStyle/>
+                    <a:p>
+                      <a:r>
+                        <a:rPr lang="en-US" altLang="zh-CN"/>
+                        <a:t>56</a:t>
+                      </a:r>
+                    </a:p>
+                  </a:txBody>
+                  <a:tcPr anchor="ctr"/>
+                </a:tc>
+                <a:tc>
+                  <a:txBody>
+                    <a:bodyPr/>
+                    <a:lstStyle/>
+                    <a:p>
+                      <a:r>
+                        <a:rPr lang="en-US" altLang="zh-CN" dirty="0"/>
+                        <a:t>45 .. 56</a:t>
+                      </a:r>
+                    </a:p>
+                  </a:txBody>
+                  <a:tcPr anchor="ctr"/>
+                </a:tc>
+                <a:extLst>
+                  <a:ext uri="{0D108BD9-81ED-4DB2-BD59-A6C34878D82A}">
+                    <a16:rowId xmlns:a16="http://schemas.microsoft.com/office/drawing/2014/main" val="493874607"/>
+                  </a:ext>
+                </a:extLst>
+              </a:tr>
+            </a:tbl>
+          </a:graphicData>
+        </a:graphic>
+      </p:graphicFrame>
+    </p:spTree>
+    <p:extLst>
+      <p:ext uri="{BB962C8B-B14F-4D97-AF65-F5344CB8AC3E}">
+        <p14:creationId xmlns:p14="http://schemas.microsoft.com/office/powerpoint/2010/main" val="506604077"/>
+      </p:ext>
+    </p:extLst>
+  </p:cSld>
+  <p:clrMapOvr>
+    <a:masterClrMapping/>
+  </p:clrMapOvr>
+</p:sld>
+</file>
+
+<file path=ppt/slides/slide21.xml><?xml version="1.0" encoding="utf-8"?>
+<p:sld xmlns:a="http://schemas.openxmlformats.org/drawingml/2006/main" xmlns:r="http://schemas.openxmlformats.org/officeDocument/2006/relationships" xmlns:p="http://schemas.openxmlformats.org/presentationml/2006/main">
+  <p:cSld>
+    <p:spTree>
+      <p:nvGrpSpPr>
+        <p:cNvPr id="1" name=""/>
+        <p:cNvGrpSpPr/>
+        <p:nvPr/>
+      </p:nvGrpSpPr>
+      <p:grpSpPr>
+        <a:xfrm>
+          <a:off x="0" y="0"/>
+          <a:ext cx="0" cy="0"/>
+          <a:chOff x="0" y="0"/>
+          <a:chExt cx="0" cy="0"/>
+        </a:xfrm>
+      </p:grpSpPr>
+      <p:sp>
+        <p:nvSpPr>
+          <p:cNvPr id="2" name="标题 1">
+            <a:extLst>
+              <a:ext uri="{FF2B5EF4-FFF2-40B4-BE49-F238E27FC236}">
                 <a16:creationId xmlns:a16="http://schemas.microsoft.com/office/drawing/2014/main" id="{3A3C402A-A596-5844-8825-CE9909445AB8}"/>
               </a:ext>
             </a:extLst>
@@ -8655,7 +8754,7 @@
 </p:sld>
 </file>
 
-<file path=ppt/slides/slide21.xml><?xml version="1.0" encoding="utf-8"?>
+<file path=ppt/slides/slide22.xml><?xml version="1.0" encoding="utf-8"?>
 <p:sld xmlns:a="http://schemas.openxmlformats.org/drawingml/2006/main" xmlns:r="http://schemas.openxmlformats.org/officeDocument/2006/relationships" xmlns:p="http://schemas.openxmlformats.org/presentationml/2006/main">
   <p:cSld>
     <p:spTree>
@@ -9713,7 +9812,7 @@
 </p:sld>
 </file>
 
-<file path=ppt/slides/slide22.xml><?xml version="1.0" encoding="utf-8"?>
+<file path=ppt/slides/slide23.xml><?xml version="1.0" encoding="utf-8"?>
 <p:sld xmlns:a="http://schemas.openxmlformats.org/drawingml/2006/main" xmlns:r="http://schemas.openxmlformats.org/officeDocument/2006/relationships" xmlns:p="http://schemas.openxmlformats.org/presentationml/2006/main">
   <p:cSld>
     <p:spTree>
@@ -10584,7 +10683,7 @@
 </p:sld>
 </file>
 
-<file path=ppt/slides/slide23.xml><?xml version="1.0" encoding="utf-8"?>
+<file path=ppt/slides/slide24.xml><?xml version="1.0" encoding="utf-8"?>
 <p:sld xmlns:a="http://schemas.openxmlformats.org/drawingml/2006/main" xmlns:r="http://schemas.openxmlformats.org/officeDocument/2006/relationships" xmlns:p="http://schemas.openxmlformats.org/presentationml/2006/main">
   <p:cSld>
     <p:spTree>
@@ -10821,7 +10920,7 @@
 </p:sld>
 </file>
 
-<file path=ppt/slides/slide24.xml><?xml version="1.0" encoding="utf-8"?>
+<file path=ppt/slides/slide25.xml><?xml version="1.0" encoding="utf-8"?>
 <p:sld xmlns:a="http://schemas.openxmlformats.org/drawingml/2006/main" xmlns:r="http://schemas.openxmlformats.org/officeDocument/2006/relationships" xmlns:p="http://schemas.openxmlformats.org/presentationml/2006/main">
   <p:cSld>
     <p:spTree>
@@ -11445,204 +11544,6 @@
 </p:sld>
 </file>
 
-<file path=ppt/slides/slide25.xml><?xml version="1.0" encoding="utf-8"?>
-<p:sld xmlns:a="http://schemas.openxmlformats.org/drawingml/2006/main" xmlns:r="http://schemas.openxmlformats.org/officeDocument/2006/relationships" xmlns:p="http://schemas.openxmlformats.org/presentationml/2006/main">
-  <p:cSld>
-    <p:spTree>
-      <p:nvGrpSpPr>
-        <p:cNvPr id="1" name=""/>
-        <p:cNvGrpSpPr/>
-        <p:nvPr/>
-      </p:nvGrpSpPr>
-      <p:grpSpPr>
-        <a:xfrm>
-          <a:off x="0" y="0"/>
-          <a:ext cx="0" cy="0"/>
-          <a:chOff x="0" y="0"/>
-          <a:chExt cx="0" cy="0"/>
-        </a:xfrm>
-      </p:grpSpPr>
-      <p:sp>
-        <p:nvSpPr>
-          <p:cNvPr id="2" name="标题 1">
-            <a:extLst>
-              <a:ext uri="{FF2B5EF4-FFF2-40B4-BE49-F238E27FC236}">
-                <a16:creationId xmlns:a16="http://schemas.microsoft.com/office/drawing/2014/main" id="{70B7F31C-0EAE-FB40-9E7C-86AAAD5EFAC9}"/>
-              </a:ext>
-            </a:extLst>
-          </p:cNvPr>
-          <p:cNvSpPr>
-            <a:spLocks noGrp="1"/>
-          </p:cNvSpPr>
-          <p:nvPr>
-            <p:ph type="title"/>
-          </p:nvPr>
-        </p:nvSpPr>
-        <p:spPr/>
-        <p:txBody>
-          <a:bodyPr/>
-          <a:lstStyle/>
-          <a:p>
-            <a:pPr algn="ctr"/>
-            <a:r>
-              <a:rPr kumimoji="1" lang="zh-CN" altLang="en-US" dirty="0"/>
-              <a:t>垃圾收集器</a:t>
-            </a:r>
-          </a:p>
-        </p:txBody>
-      </p:sp>
-      <p:sp>
-        <p:nvSpPr>
-          <p:cNvPr id="3" name="内容占位符 2">
-            <a:extLst>
-              <a:ext uri="{FF2B5EF4-FFF2-40B4-BE49-F238E27FC236}">
-                <a16:creationId xmlns:a16="http://schemas.microsoft.com/office/drawing/2014/main" id="{3E35A2B4-91BB-094A-BCD2-76DD77CE05E4}"/>
-              </a:ext>
-            </a:extLst>
-          </p:cNvPr>
-          <p:cNvSpPr>
-            <a:spLocks noGrp="1"/>
-          </p:cNvSpPr>
-          <p:nvPr>
-            <p:ph idx="1"/>
-          </p:nvPr>
-        </p:nvSpPr>
-        <p:spPr/>
-        <p:txBody>
-          <a:bodyPr/>
-          <a:lstStyle/>
-          <a:p>
-            <a:r>
-              <a:rPr kumimoji="1" lang="en-US" altLang="zh-CN" dirty="0"/>
-              <a:t>GC</a:t>
-            </a:r>
-            <a:r>
-              <a:rPr kumimoji="1" lang="zh-CN" altLang="en-US" dirty="0"/>
-              <a:t>理论</a:t>
-            </a:r>
-            <a:endParaRPr kumimoji="1" lang="en-US" altLang="zh-CN" dirty="0"/>
-          </a:p>
-          <a:p>
-            <a:r>
-              <a:rPr kumimoji="1" lang="en-US" altLang="zh-CN" dirty="0"/>
-              <a:t>GC</a:t>
-            </a:r>
-            <a:r>
-              <a:rPr kumimoji="1" lang="zh-CN" altLang="en-US" dirty="0"/>
-              <a:t>算法</a:t>
-            </a:r>
-            <a:endParaRPr kumimoji="1" lang="en-US" altLang="zh-CN" dirty="0"/>
-          </a:p>
-          <a:p>
-            <a:r>
-              <a:rPr kumimoji="1" lang="en-US" altLang="zh-CN" dirty="0"/>
-              <a:t>CMS</a:t>
-            </a:r>
-          </a:p>
-          <a:p>
-            <a:r>
-              <a:rPr kumimoji="1" lang="en-US" altLang="zh-CN" dirty="0"/>
-              <a:t>G1</a:t>
-            </a:r>
-          </a:p>
-          <a:p>
-            <a:r>
-              <a:rPr kumimoji="1" lang="en-US" altLang="zh-CN" dirty="0"/>
-              <a:t>ZGC</a:t>
-            </a:r>
-          </a:p>
-          <a:p>
-            <a:r>
-              <a:rPr kumimoji="1" lang="zh-CN" altLang="en-US" dirty="0"/>
-              <a:t>内存泄漏</a:t>
-            </a:r>
-            <a:r>
-              <a:rPr kumimoji="1" lang="en-US" altLang="zh-CN" dirty="0"/>
-              <a:t>vs.</a:t>
-            </a:r>
-            <a:r>
-              <a:rPr kumimoji="1" lang="zh-CN" altLang="en-US" dirty="0"/>
-              <a:t>内存溢出</a:t>
-            </a:r>
-            <a:endParaRPr kumimoji="1" lang="en-US" altLang="zh-CN" dirty="0"/>
-          </a:p>
-          <a:p>
-            <a:pPr marL="0" indent="0">
-              <a:buNone/>
-            </a:pPr>
-            <a:endParaRPr kumimoji="1" lang="en-US" altLang="zh-CN" dirty="0"/>
-          </a:p>
-          <a:p>
-            <a:pPr marL="0" indent="0">
-              <a:buNone/>
-            </a:pPr>
-            <a:r>
-              <a:rPr kumimoji="1" lang="zh-CN" altLang="en-US" i="1" dirty="0">
-                <a:solidFill>
-                  <a:srgbClr val="FF0000"/>
-                </a:solidFill>
-              </a:rPr>
-              <a:t>相关课程</a:t>
-            </a:r>
-            <a:r>
-              <a:rPr kumimoji="1" lang="en-US" altLang="zh-CN" i="1" dirty="0">
-                <a:solidFill>
-                  <a:srgbClr val="FF0000"/>
-                </a:solidFill>
-              </a:rPr>
-              <a:t>: </a:t>
-            </a:r>
-            <a:r>
-              <a:rPr kumimoji="1" lang="zh-CN" altLang="en-US" i="1" dirty="0">
-                <a:solidFill>
-                  <a:srgbClr val="FF0000"/>
-                </a:solidFill>
-              </a:rPr>
-              <a:t>参考</a:t>
-            </a:r>
-            <a:r>
-              <a:rPr kumimoji="1" lang="en-US" altLang="zh-CN" i="1" dirty="0">
-                <a:solidFill>
-                  <a:srgbClr val="FF0000"/>
-                </a:solidFill>
-              </a:rPr>
-              <a:t>【GC</a:t>
-            </a:r>
-            <a:r>
-              <a:rPr kumimoji="1" lang="zh-CN" altLang="en-US" i="1" dirty="0">
-                <a:solidFill>
-                  <a:srgbClr val="FF0000"/>
-                </a:solidFill>
-              </a:rPr>
-              <a:t>专题</a:t>
-            </a:r>
-            <a:r>
-              <a:rPr kumimoji="1" lang="en-US" altLang="zh-CN" i="1" dirty="0">
-                <a:solidFill>
-                  <a:srgbClr val="FF0000"/>
-                </a:solidFill>
-              </a:rPr>
-              <a:t>】</a:t>
-            </a:r>
-          </a:p>
-          <a:p>
-            <a:endParaRPr kumimoji="1" lang="zh-CN" altLang="en-US" dirty="0"/>
-          </a:p>
-        </p:txBody>
-      </p:sp>
-    </p:spTree>
-    <p:extLst>
-      <p:ext uri="{BB962C8B-B14F-4D97-AF65-F5344CB8AC3E}">
-        <p14:creationId xmlns:p14="http://schemas.microsoft.com/office/powerpoint/2010/main" val="2540492720"/>
-      </p:ext>
-    </p:extLst>
-  </p:cSld>
-  <p:clrMapOvr>
-    <a:masterClrMapping/>
-  </p:clrMapOvr>
-</p:sld>
-</file>
-
 <file path=ppt/slides/slide26.xml><?xml version="1.0" encoding="utf-8"?>
 <p:sld xmlns:a="http://schemas.openxmlformats.org/drawingml/2006/main" xmlns:r="http://schemas.openxmlformats.org/officeDocument/2006/relationships" xmlns:p="http://schemas.openxmlformats.org/presentationml/2006/main">
   <p:cSld>
@@ -11684,7 +11585,7 @@
             <a:pPr algn="ctr"/>
             <a:r>
               <a:rPr kumimoji="1" lang="zh-CN" altLang="en-US" dirty="0"/>
-              <a:t>即时编译器</a:t>
+              <a:t>垃圾收集器</a:t>
             </a:r>
           </a:p>
         </p:txBody>
@@ -11712,6 +11613,204 @@
           <a:p>
             <a:r>
               <a:rPr kumimoji="1" lang="en-US" altLang="zh-CN" dirty="0"/>
+              <a:t>GC</a:t>
+            </a:r>
+            <a:r>
+              <a:rPr kumimoji="1" lang="zh-CN" altLang="en-US" dirty="0"/>
+              <a:t>理论</a:t>
+            </a:r>
+            <a:endParaRPr kumimoji="1" lang="en-US" altLang="zh-CN" dirty="0"/>
+          </a:p>
+          <a:p>
+            <a:r>
+              <a:rPr kumimoji="1" lang="en-US" altLang="zh-CN" dirty="0"/>
+              <a:t>GC</a:t>
+            </a:r>
+            <a:r>
+              <a:rPr kumimoji="1" lang="zh-CN" altLang="en-US" dirty="0"/>
+              <a:t>算法</a:t>
+            </a:r>
+            <a:endParaRPr kumimoji="1" lang="en-US" altLang="zh-CN" dirty="0"/>
+          </a:p>
+          <a:p>
+            <a:r>
+              <a:rPr kumimoji="1" lang="en-US" altLang="zh-CN" dirty="0"/>
+              <a:t>CMS</a:t>
+            </a:r>
+          </a:p>
+          <a:p>
+            <a:r>
+              <a:rPr kumimoji="1" lang="en-US" altLang="zh-CN" dirty="0"/>
+              <a:t>G1</a:t>
+            </a:r>
+          </a:p>
+          <a:p>
+            <a:r>
+              <a:rPr kumimoji="1" lang="en-US" altLang="zh-CN" dirty="0"/>
+              <a:t>ZGC</a:t>
+            </a:r>
+          </a:p>
+          <a:p>
+            <a:r>
+              <a:rPr kumimoji="1" lang="zh-CN" altLang="en-US" dirty="0"/>
+              <a:t>内存泄漏</a:t>
+            </a:r>
+            <a:r>
+              <a:rPr kumimoji="1" lang="en-US" altLang="zh-CN" dirty="0"/>
+              <a:t>vs.</a:t>
+            </a:r>
+            <a:r>
+              <a:rPr kumimoji="1" lang="zh-CN" altLang="en-US" dirty="0"/>
+              <a:t>内存溢出</a:t>
+            </a:r>
+            <a:endParaRPr kumimoji="1" lang="en-US" altLang="zh-CN" dirty="0"/>
+          </a:p>
+          <a:p>
+            <a:pPr marL="0" indent="0">
+              <a:buNone/>
+            </a:pPr>
+            <a:endParaRPr kumimoji="1" lang="en-US" altLang="zh-CN" dirty="0"/>
+          </a:p>
+          <a:p>
+            <a:pPr marL="0" indent="0">
+              <a:buNone/>
+            </a:pPr>
+            <a:r>
+              <a:rPr kumimoji="1" lang="zh-CN" altLang="en-US" i="1" dirty="0">
+                <a:solidFill>
+                  <a:srgbClr val="FF0000"/>
+                </a:solidFill>
+              </a:rPr>
+              <a:t>相关课程</a:t>
+            </a:r>
+            <a:r>
+              <a:rPr kumimoji="1" lang="en-US" altLang="zh-CN" i="1" dirty="0">
+                <a:solidFill>
+                  <a:srgbClr val="FF0000"/>
+                </a:solidFill>
+              </a:rPr>
+              <a:t>: </a:t>
+            </a:r>
+            <a:r>
+              <a:rPr kumimoji="1" lang="zh-CN" altLang="en-US" i="1" dirty="0">
+                <a:solidFill>
+                  <a:srgbClr val="FF0000"/>
+                </a:solidFill>
+              </a:rPr>
+              <a:t>参考</a:t>
+            </a:r>
+            <a:r>
+              <a:rPr kumimoji="1" lang="en-US" altLang="zh-CN" i="1" dirty="0">
+                <a:solidFill>
+                  <a:srgbClr val="FF0000"/>
+                </a:solidFill>
+              </a:rPr>
+              <a:t>【GC</a:t>
+            </a:r>
+            <a:r>
+              <a:rPr kumimoji="1" lang="zh-CN" altLang="en-US" i="1" dirty="0">
+                <a:solidFill>
+                  <a:srgbClr val="FF0000"/>
+                </a:solidFill>
+              </a:rPr>
+              <a:t>专题</a:t>
+            </a:r>
+            <a:r>
+              <a:rPr kumimoji="1" lang="en-US" altLang="zh-CN" i="1" dirty="0">
+                <a:solidFill>
+                  <a:srgbClr val="FF0000"/>
+                </a:solidFill>
+              </a:rPr>
+              <a:t>】</a:t>
+            </a:r>
+          </a:p>
+          <a:p>
+            <a:endParaRPr kumimoji="1" lang="zh-CN" altLang="en-US" dirty="0"/>
+          </a:p>
+        </p:txBody>
+      </p:sp>
+    </p:spTree>
+    <p:extLst>
+      <p:ext uri="{BB962C8B-B14F-4D97-AF65-F5344CB8AC3E}">
+        <p14:creationId xmlns:p14="http://schemas.microsoft.com/office/powerpoint/2010/main" val="2540492720"/>
+      </p:ext>
+    </p:extLst>
+  </p:cSld>
+  <p:clrMapOvr>
+    <a:masterClrMapping/>
+  </p:clrMapOvr>
+</p:sld>
+</file>
+
+<file path=ppt/slides/slide27.xml><?xml version="1.0" encoding="utf-8"?>
+<p:sld xmlns:a="http://schemas.openxmlformats.org/drawingml/2006/main" xmlns:r="http://schemas.openxmlformats.org/officeDocument/2006/relationships" xmlns:p="http://schemas.openxmlformats.org/presentationml/2006/main">
+  <p:cSld>
+    <p:spTree>
+      <p:nvGrpSpPr>
+        <p:cNvPr id="1" name=""/>
+        <p:cNvGrpSpPr/>
+        <p:nvPr/>
+      </p:nvGrpSpPr>
+      <p:grpSpPr>
+        <a:xfrm>
+          <a:off x="0" y="0"/>
+          <a:ext cx="0" cy="0"/>
+          <a:chOff x="0" y="0"/>
+          <a:chExt cx="0" cy="0"/>
+        </a:xfrm>
+      </p:grpSpPr>
+      <p:sp>
+        <p:nvSpPr>
+          <p:cNvPr id="2" name="标题 1">
+            <a:extLst>
+              <a:ext uri="{FF2B5EF4-FFF2-40B4-BE49-F238E27FC236}">
+                <a16:creationId xmlns:a16="http://schemas.microsoft.com/office/drawing/2014/main" id="{70B7F31C-0EAE-FB40-9E7C-86AAAD5EFAC9}"/>
+              </a:ext>
+            </a:extLst>
+          </p:cNvPr>
+          <p:cNvSpPr>
+            <a:spLocks noGrp="1"/>
+          </p:cNvSpPr>
+          <p:nvPr>
+            <p:ph type="title"/>
+          </p:nvPr>
+        </p:nvSpPr>
+        <p:spPr/>
+        <p:txBody>
+          <a:bodyPr/>
+          <a:lstStyle/>
+          <a:p>
+            <a:pPr algn="ctr"/>
+            <a:r>
+              <a:rPr kumimoji="1" lang="zh-CN" altLang="en-US" dirty="0"/>
+              <a:t>即时编译器</a:t>
+            </a:r>
+          </a:p>
+        </p:txBody>
+      </p:sp>
+      <p:sp>
+        <p:nvSpPr>
+          <p:cNvPr id="3" name="内容占位符 2">
+            <a:extLst>
+              <a:ext uri="{FF2B5EF4-FFF2-40B4-BE49-F238E27FC236}">
+                <a16:creationId xmlns:a16="http://schemas.microsoft.com/office/drawing/2014/main" id="{3E35A2B4-91BB-094A-BCD2-76DD77CE05E4}"/>
+              </a:ext>
+            </a:extLst>
+          </p:cNvPr>
+          <p:cNvSpPr>
+            <a:spLocks noGrp="1"/>
+          </p:cNvSpPr>
+          <p:nvPr>
+            <p:ph idx="1"/>
+          </p:nvPr>
+        </p:nvSpPr>
+        <p:spPr/>
+        <p:txBody>
+          <a:bodyPr/>
+          <a:lstStyle/>
+          <a:p>
+            <a:r>
+              <a:rPr kumimoji="1" lang="en-US" altLang="zh-CN" dirty="0"/>
               <a:t>Just In Time Compiler</a:t>
             </a:r>
           </a:p>
@@ -11765,7 +11864,7 @@
 </p:sld>
 </file>
 
-<file path=ppt/slides/slide27.xml><?xml version="1.0" encoding="utf-8"?>
+<file path=ppt/slides/slide28.xml><?xml version="1.0" encoding="utf-8"?>
 <p:sld xmlns:a="http://schemas.openxmlformats.org/drawingml/2006/main" xmlns:r="http://schemas.openxmlformats.org/officeDocument/2006/relationships" xmlns:p="http://schemas.openxmlformats.org/presentationml/2006/main">
   <p:cSld>
     <p:spTree>
@@ -11913,7 +12012,7 @@
 </p:sld>
 </file>
 
-<file path=ppt/slides/slide28.xml><?xml version="1.0" encoding="utf-8"?>
+<file path=ppt/slides/slide29.xml><?xml version="1.0" encoding="utf-8"?>
 <p:sld xmlns:a="http://schemas.openxmlformats.org/drawingml/2006/main" xmlns:r="http://schemas.openxmlformats.org/officeDocument/2006/relationships" xmlns:p="http://schemas.openxmlformats.org/presentationml/2006/main">
   <p:cSld>
     <p:spTree>

--- a/tiemao_2019/25_jvm_toc/01.JVM体系结构概述.pptx
+++ b/tiemao_2019/25_jvm_toc/01.JVM体系结构概述.pptx
@@ -9,31 +9,33 @@
     <p:sldId id="261" r:id="rId3"/>
     <p:sldId id="257" r:id="rId4"/>
     <p:sldId id="266" r:id="rId5"/>
-    <p:sldId id="258" r:id="rId6"/>
-    <p:sldId id="262" r:id="rId7"/>
-    <p:sldId id="268" r:id="rId8"/>
-    <p:sldId id="269" r:id="rId9"/>
-    <p:sldId id="275" r:id="rId10"/>
-    <p:sldId id="270" r:id="rId11"/>
-    <p:sldId id="271" r:id="rId12"/>
-    <p:sldId id="274" r:id="rId13"/>
-    <p:sldId id="264" r:id="rId14"/>
-    <p:sldId id="276" r:id="rId15"/>
-    <p:sldId id="277" r:id="rId16"/>
-    <p:sldId id="278" r:id="rId17"/>
-    <p:sldId id="280" r:id="rId18"/>
-    <p:sldId id="282" r:id="rId19"/>
-    <p:sldId id="289" r:id="rId20"/>
-    <p:sldId id="283" r:id="rId21"/>
-    <p:sldId id="288" r:id="rId22"/>
-    <p:sldId id="285" r:id="rId23"/>
-    <p:sldId id="286" r:id="rId24"/>
-    <p:sldId id="287" r:id="rId25"/>
-    <p:sldId id="279" r:id="rId26"/>
-    <p:sldId id="263" r:id="rId27"/>
-    <p:sldId id="265" r:id="rId28"/>
-    <p:sldId id="267" r:id="rId29"/>
-    <p:sldId id="281" r:id="rId30"/>
+    <p:sldId id="291" r:id="rId6"/>
+    <p:sldId id="258" r:id="rId7"/>
+    <p:sldId id="262" r:id="rId8"/>
+    <p:sldId id="268" r:id="rId9"/>
+    <p:sldId id="269" r:id="rId10"/>
+    <p:sldId id="275" r:id="rId11"/>
+    <p:sldId id="270" r:id="rId12"/>
+    <p:sldId id="271" r:id="rId13"/>
+    <p:sldId id="274" r:id="rId14"/>
+    <p:sldId id="264" r:id="rId15"/>
+    <p:sldId id="276" r:id="rId16"/>
+    <p:sldId id="277" r:id="rId17"/>
+    <p:sldId id="278" r:id="rId18"/>
+    <p:sldId id="280" r:id="rId19"/>
+    <p:sldId id="282" r:id="rId20"/>
+    <p:sldId id="289" r:id="rId21"/>
+    <p:sldId id="290" r:id="rId22"/>
+    <p:sldId id="283" r:id="rId23"/>
+    <p:sldId id="288" r:id="rId24"/>
+    <p:sldId id="285" r:id="rId25"/>
+    <p:sldId id="286" r:id="rId26"/>
+    <p:sldId id="287" r:id="rId27"/>
+    <p:sldId id="279" r:id="rId28"/>
+    <p:sldId id="263" r:id="rId29"/>
+    <p:sldId id="265" r:id="rId30"/>
+    <p:sldId id="267" r:id="rId31"/>
+    <p:sldId id="281" r:id="rId32"/>
   </p:sldIdLst>
   <p:sldSz cx="12192000" cy="6858000"/>
   <p:notesSz cx="6858000" cy="9144000"/>
@@ -287,7 +289,7 @@
           <a:p>
             <a:fld id="{25666818-DC9C-7C4A-B37A-0D9C16AE65CA}" type="datetimeFigureOut">
               <a:rPr kumimoji="1" lang="zh-CN" altLang="en-US" smtClean="0"/>
-              <a:t>2019/8/25</a:t>
+              <a:t>2019/8/30</a:t>
             </a:fld>
             <a:endParaRPr kumimoji="1" lang="zh-CN" altLang="en-US"/>
           </a:p>
@@ -460,7 +462,7 @@
           <a:p>
             <a:fld id="{25666818-DC9C-7C4A-B37A-0D9C16AE65CA}" type="datetimeFigureOut">
               <a:rPr kumimoji="1" lang="zh-CN" altLang="en-US" smtClean="0"/>
-              <a:t>2019/8/25</a:t>
+              <a:t>2019/8/30</a:t>
             </a:fld>
             <a:endParaRPr kumimoji="1" lang="zh-CN" altLang="en-US"/>
           </a:p>
@@ -643,7 +645,7 @@
           <a:p>
             <a:fld id="{25666818-DC9C-7C4A-B37A-0D9C16AE65CA}" type="datetimeFigureOut">
               <a:rPr kumimoji="1" lang="zh-CN" altLang="en-US" smtClean="0"/>
-              <a:t>2019/8/25</a:t>
+              <a:t>2019/8/30</a:t>
             </a:fld>
             <a:endParaRPr kumimoji="1" lang="zh-CN" altLang="en-US"/>
           </a:p>
@@ -816,7 +818,7 @@
           <a:p>
             <a:fld id="{25666818-DC9C-7C4A-B37A-0D9C16AE65CA}" type="datetimeFigureOut">
               <a:rPr kumimoji="1" lang="zh-CN" altLang="en-US" smtClean="0"/>
-              <a:t>2019/8/25</a:t>
+              <a:t>2019/8/30</a:t>
             </a:fld>
             <a:endParaRPr kumimoji="1" lang="zh-CN" altLang="en-US"/>
           </a:p>
@@ -1094,7 +1096,7 @@
           <a:p>
             <a:fld id="{25666818-DC9C-7C4A-B37A-0D9C16AE65CA}" type="datetimeFigureOut">
               <a:rPr kumimoji="1" lang="zh-CN" altLang="en-US" smtClean="0"/>
-              <a:t>2019/8/25</a:t>
+              <a:t>2019/8/30</a:t>
             </a:fld>
             <a:endParaRPr kumimoji="1" lang="zh-CN" altLang="en-US"/>
           </a:p>
@@ -1309,7 +1311,7 @@
           <a:p>
             <a:fld id="{25666818-DC9C-7C4A-B37A-0D9C16AE65CA}" type="datetimeFigureOut">
               <a:rPr kumimoji="1" lang="zh-CN" altLang="en-US" smtClean="0"/>
-              <a:t>2019/8/25</a:t>
+              <a:t>2019/8/30</a:t>
             </a:fld>
             <a:endParaRPr kumimoji="1" lang="zh-CN" altLang="en-US"/>
           </a:p>
@@ -1677,7 +1679,7 @@
           <a:p>
             <a:fld id="{25666818-DC9C-7C4A-B37A-0D9C16AE65CA}" type="datetimeFigureOut">
               <a:rPr kumimoji="1" lang="zh-CN" altLang="en-US" smtClean="0"/>
-              <a:t>2019/8/25</a:t>
+              <a:t>2019/8/30</a:t>
             </a:fld>
             <a:endParaRPr kumimoji="1" lang="zh-CN" altLang="en-US"/>
           </a:p>
@@ -1818,7 +1820,7 @@
           <a:p>
             <a:fld id="{25666818-DC9C-7C4A-B37A-0D9C16AE65CA}" type="datetimeFigureOut">
               <a:rPr kumimoji="1" lang="zh-CN" altLang="en-US" smtClean="0"/>
-              <a:t>2019/8/25</a:t>
+              <a:t>2019/8/30</a:t>
             </a:fld>
             <a:endParaRPr kumimoji="1" lang="zh-CN" altLang="en-US"/>
           </a:p>
@@ -1931,7 +1933,7 @@
           <a:p>
             <a:fld id="{25666818-DC9C-7C4A-B37A-0D9C16AE65CA}" type="datetimeFigureOut">
               <a:rPr kumimoji="1" lang="zh-CN" altLang="en-US" smtClean="0"/>
-              <a:t>2019/8/25</a:t>
+              <a:t>2019/8/30</a:t>
             </a:fld>
             <a:endParaRPr kumimoji="1" lang="zh-CN" altLang="en-US"/>
           </a:p>
@@ -2220,7 +2222,7 @@
           <a:p>
             <a:fld id="{25666818-DC9C-7C4A-B37A-0D9C16AE65CA}" type="datetimeFigureOut">
               <a:rPr kumimoji="1" lang="zh-CN" altLang="en-US" smtClean="0"/>
-              <a:t>2019/8/25</a:t>
+              <a:t>2019/8/30</a:t>
             </a:fld>
             <a:endParaRPr kumimoji="1" lang="zh-CN" altLang="en-US"/>
           </a:p>
@@ -2511,7 +2513,7 @@
           <a:p>
             <a:fld id="{25666818-DC9C-7C4A-B37A-0D9C16AE65CA}" type="datetimeFigureOut">
               <a:rPr kumimoji="1" lang="zh-CN" altLang="en-US" smtClean="0"/>
-              <a:t>2019/8/25</a:t>
+              <a:t>2019/8/30</a:t>
             </a:fld>
             <a:endParaRPr kumimoji="1" lang="zh-CN" altLang="en-US"/>
           </a:p>
@@ -2727,7 +2729,7 @@
           <a:p>
             <a:fld id="{25666818-DC9C-7C4A-B37A-0D9C16AE65CA}" type="datetimeFigureOut">
               <a:rPr kumimoji="1" lang="zh-CN" altLang="en-US" smtClean="0"/>
-              <a:t>2019/8/25</a:t>
+              <a:t>2019/8/30</a:t>
             </a:fld>
             <a:endParaRPr kumimoji="1" lang="zh-CN" altLang="en-US"/>
           </a:p>
@@ -3170,13 +3172,13 @@
               <a:t>JVM</a:t>
             </a:r>
             <a:r>
-              <a:rPr kumimoji="1" lang="zh-CN" altLang="en-US" dirty="0"/>
+              <a:rPr kumimoji="1" lang="zh-CN" altLang="en-US"/>
               <a:t>体系结构概述</a:t>
             </a:r>
             <a:br>
               <a:rPr kumimoji="1" lang="en-US" altLang="zh-CN" dirty="0"/>
             </a:br>
-            <a:endParaRPr kumimoji="1" lang="zh-CN" altLang="en-US" dirty="0"/>
+            <a:endParaRPr kumimoji="1" lang="zh-CN" altLang="en-US"/>
           </a:p>
         </p:txBody>
       </p:sp>
@@ -3207,7 +3209,7 @@
           <a:lstStyle/>
           <a:p>
             <a:r>
-              <a:rPr kumimoji="1" lang="zh-CN" altLang="en-US" dirty="0"/>
+              <a:rPr kumimoji="1" lang="zh-CN" altLang="en-US"/>
               <a:t>任富飞</a:t>
             </a:r>
             <a:r>
@@ -3215,7 +3217,7 @@
               <a:t>  &amp; </a:t>
             </a:r>
             <a:r>
-              <a:rPr kumimoji="1" lang="zh-CN" altLang="en-US" dirty="0"/>
+              <a:rPr kumimoji="1" lang="zh-CN" altLang="en-US"/>
               <a:t>冯宏</a:t>
             </a:r>
             <a:r>
@@ -3223,7 +3225,7 @@
               <a:t> @2019</a:t>
             </a:r>
             <a:r>
-              <a:rPr kumimoji="1" lang="zh-CN" altLang="en-US" dirty="0"/>
+              <a:rPr kumimoji="1" lang="zh-CN" altLang="en-US"/>
               <a:t>年</a:t>
             </a:r>
             <a:r>
@@ -3231,12 +3233,12 @@
               <a:t>08</a:t>
             </a:r>
             <a:r>
-              <a:rPr kumimoji="1" lang="zh-CN" altLang="en-US" dirty="0"/>
+              <a:rPr kumimoji="1" lang="zh-CN" altLang="en-US"/>
               <a:t>月</a:t>
             </a:r>
           </a:p>
           <a:p>
-            <a:endParaRPr kumimoji="1" lang="zh-CN" altLang="en-US" dirty="0"/>
+            <a:endParaRPr kumimoji="1" lang="zh-CN" altLang="en-US"/>
           </a:p>
         </p:txBody>
       </p:sp>
@@ -3275,6 +3277,152 @@
           <p:cNvPr id="2" name="标题 1">
             <a:extLst>
               <a:ext uri="{FF2B5EF4-FFF2-40B4-BE49-F238E27FC236}">
+                <a16:creationId xmlns:a16="http://schemas.microsoft.com/office/drawing/2014/main" id="{87CFE316-5AFF-EA4D-B279-02D721874609}"/>
+              </a:ext>
+            </a:extLst>
+          </p:cNvPr>
+          <p:cNvSpPr>
+            <a:spLocks noGrp="1"/>
+          </p:cNvSpPr>
+          <p:nvPr>
+            <p:ph type="title"/>
+          </p:nvPr>
+        </p:nvSpPr>
+        <p:spPr/>
+        <p:txBody>
+          <a:bodyPr/>
+          <a:lstStyle/>
+          <a:p>
+            <a:pPr algn="ctr"/>
+            <a:r>
+              <a:rPr kumimoji="1" lang="zh-CN" altLang="en-US"/>
+              <a:t>本地方法栈</a:t>
+            </a:r>
+          </a:p>
+        </p:txBody>
+      </p:sp>
+      <p:sp>
+        <p:nvSpPr>
+          <p:cNvPr id="3" name="内容占位符 2">
+            <a:extLst>
+              <a:ext uri="{FF2B5EF4-FFF2-40B4-BE49-F238E27FC236}">
+                <a16:creationId xmlns:a16="http://schemas.microsoft.com/office/drawing/2014/main" id="{FAE3F474-DB29-1646-B00C-B11A7559CE10}"/>
+              </a:ext>
+            </a:extLst>
+          </p:cNvPr>
+          <p:cNvSpPr>
+            <a:spLocks noGrp="1"/>
+          </p:cNvSpPr>
+          <p:nvPr>
+            <p:ph idx="1"/>
+          </p:nvPr>
+        </p:nvSpPr>
+        <p:spPr/>
+        <p:txBody>
+          <a:bodyPr/>
+          <a:lstStyle/>
+          <a:p>
+            <a:r>
+              <a:rPr kumimoji="1" lang="en-US" altLang="zh-CN" dirty="0"/>
+              <a:t>Native Method Stacks</a:t>
+            </a:r>
+          </a:p>
+          <a:p>
+            <a:r>
+              <a:rPr kumimoji="1" lang="en-US" altLang="zh-CN" dirty="0"/>
+              <a:t>"C stacks"</a:t>
+            </a:r>
+          </a:p>
+          <a:p>
+            <a:r>
+              <a:rPr kumimoji="1" lang="en-US" altLang="zh-CN" dirty="0"/>
+              <a:t>per Thread</a:t>
+            </a:r>
+          </a:p>
+          <a:p>
+            <a:r>
+              <a:rPr kumimoji="1" lang="en-US" altLang="zh-CN" dirty="0"/>
+              <a:t>JNI</a:t>
+            </a:r>
+            <a:r>
+              <a:rPr kumimoji="1" lang="zh-CN" altLang="en-US" dirty="0"/>
+              <a:t>方法</a:t>
+            </a:r>
+          </a:p>
+          <a:p>
+            <a:r>
+              <a:rPr kumimoji="1" lang="en-US" altLang="zh-CN" dirty="0"/>
+              <a:t>fixed or dynamically </a:t>
+            </a:r>
+          </a:p>
+          <a:p>
+            <a:r>
+              <a:rPr kumimoji="1" lang="en-US" altLang="zh-CN" dirty="0"/>
+              <a:t>StackOverflowError</a:t>
+            </a:r>
+          </a:p>
+          <a:p>
+            <a:r>
+              <a:rPr kumimoji="1" lang="en-US" altLang="zh-CN" dirty="0"/>
+              <a:t>OutOfMemoryError</a:t>
+            </a:r>
+          </a:p>
+          <a:p>
+            <a:r>
+              <a:rPr kumimoji="1" lang="en-US" altLang="zh-CN" i="1" dirty="0">
+                <a:solidFill>
+                  <a:srgbClr val="FF0000"/>
+                </a:solidFill>
+              </a:rPr>
+              <a:t>JVM</a:t>
+            </a:r>
+            <a:r>
+              <a:rPr kumimoji="1" lang="zh-CN" altLang="en-US" i="1" dirty="0">
+                <a:solidFill>
+                  <a:srgbClr val="FF0000"/>
+                </a:solidFill>
+              </a:rPr>
+              <a:t>规范并未强制要求实现</a:t>
+            </a:r>
+            <a:endParaRPr kumimoji="1" lang="zh-CN" altLang="en-US" dirty="0"/>
+          </a:p>
+        </p:txBody>
+      </p:sp>
+    </p:spTree>
+    <p:extLst>
+      <p:ext uri="{BB962C8B-B14F-4D97-AF65-F5344CB8AC3E}">
+        <p14:creationId xmlns:p14="http://schemas.microsoft.com/office/powerpoint/2010/main" val="2448577871"/>
+      </p:ext>
+    </p:extLst>
+  </p:cSld>
+  <p:clrMapOvr>
+    <a:masterClrMapping/>
+  </p:clrMapOvr>
+</p:sld>
+</file>
+
+<file path=ppt/slides/slide11.xml><?xml version="1.0" encoding="utf-8"?>
+<p:sld xmlns:a="http://schemas.openxmlformats.org/drawingml/2006/main" xmlns:r="http://schemas.openxmlformats.org/officeDocument/2006/relationships" xmlns:p="http://schemas.openxmlformats.org/presentationml/2006/main">
+  <p:cSld>
+    <p:spTree>
+      <p:nvGrpSpPr>
+        <p:cNvPr id="1" name=""/>
+        <p:cNvGrpSpPr/>
+        <p:nvPr/>
+      </p:nvGrpSpPr>
+      <p:grpSpPr>
+        <a:xfrm>
+          <a:off x="0" y="0"/>
+          <a:ext cx="0" cy="0"/>
+          <a:chOff x="0" y="0"/>
+          <a:chExt cx="0" cy="0"/>
+        </a:xfrm>
+      </p:grpSpPr>
+      <p:sp>
+        <p:nvSpPr>
+          <p:cNvPr id="2" name="标题 1">
+            <a:extLst>
+              <a:ext uri="{FF2B5EF4-FFF2-40B4-BE49-F238E27FC236}">
                 <a16:creationId xmlns:a16="http://schemas.microsoft.com/office/drawing/2014/main" id="{3A9F496F-D17A-AF4D-9DF2-3793B5A6468B}"/>
               </a:ext>
             </a:extLst>
@@ -3374,10 +3522,9 @@
           </a:p>
           <a:p>
             <a:r>
-              <a:rPr kumimoji="1" lang="en-US" altLang="zh-CN" dirty="0" err="1"/>
+              <a:rPr kumimoji="1" lang="en-US" altLang="zh-CN" dirty="0"/>
               <a:t>OutOfMemoryError</a:t>
             </a:r>
-            <a:endParaRPr kumimoji="1" lang="en-US" altLang="zh-CN" dirty="0"/>
           </a:p>
           <a:p>
             <a:r>
@@ -3747,7 +3894,7 @@
             <a:p>
               <a:pPr algn="ctr"/>
               <a:r>
-                <a:rPr kumimoji="1" lang="zh-CN" altLang="en-US" sz="1400" dirty="0"/>
+                <a:rPr kumimoji="1" lang="zh-CN" altLang="en-US" sz="1400"/>
                 <a:t>新生代</a:t>
               </a:r>
               <a:endParaRPr kumimoji="1" lang="en-US" altLang="zh-CN" sz="1400" dirty="0"/>
@@ -3898,7 +4045,7 @@
             <a:p>
               <a:pPr algn="ctr"/>
               <a:r>
-                <a:rPr kumimoji="1" lang="zh-CN" altLang="en-US" sz="1400" dirty="0"/>
+                <a:rPr kumimoji="1" lang="zh-CN" altLang="en-US" sz="1400"/>
                 <a:t>老年代</a:t>
               </a:r>
               <a:endParaRPr kumimoji="1" lang="en-US" altLang="zh-CN" sz="1400" dirty="0"/>
@@ -3909,7 +4056,7 @@
                 <a:rPr kumimoji="1" lang="en-US" altLang="zh-CN" sz="1400" dirty="0"/>
                 <a:t>Old-gen</a:t>
               </a:r>
-              <a:endParaRPr kumimoji="1" lang="zh-CN" altLang="en-US" sz="1400" dirty="0"/>
+              <a:endParaRPr kumimoji="1" lang="zh-CN" altLang="en-US" sz="1400"/>
             </a:p>
           </p:txBody>
         </p:sp>
@@ -3957,7 +4104,7 @@
                 <a:rPr kumimoji="1" lang="en-US" altLang="zh-CN" sz="1200" dirty="0"/>
                 <a:t>TLAB</a:t>
               </a:r>
-              <a:endParaRPr kumimoji="1" lang="zh-CN" altLang="en-US" sz="1200" dirty="0"/>
+              <a:endParaRPr kumimoji="1" lang="zh-CN" altLang="en-US" sz="1200"/>
             </a:p>
           </p:txBody>
         </p:sp>
@@ -4005,7 +4152,7 @@
                 <a:rPr kumimoji="1" lang="en-US" altLang="zh-CN" sz="1200" dirty="0"/>
                 <a:t>TLAB</a:t>
               </a:r>
-              <a:endParaRPr kumimoji="1" lang="zh-CN" altLang="en-US" sz="1200" dirty="0"/>
+              <a:endParaRPr kumimoji="1" lang="zh-CN" altLang="en-US" sz="1200"/>
             </a:p>
           </p:txBody>
         </p:sp>
@@ -4023,7 +4170,7 @@
 </p:sld>
 </file>
 
-<file path=ppt/slides/slide11.xml><?xml version="1.0" encoding="utf-8"?>
+<file path=ppt/slides/slide12.xml><?xml version="1.0" encoding="utf-8"?>
 <p:sld xmlns:a="http://schemas.openxmlformats.org/drawingml/2006/main" xmlns:r="http://schemas.openxmlformats.org/officeDocument/2006/relationships" xmlns:p="http://schemas.openxmlformats.org/presentationml/2006/main">
   <p:cSld>
     <p:spTree>
@@ -4063,7 +4210,7 @@
           <a:p>
             <a:pPr algn="ctr"/>
             <a:r>
-              <a:rPr kumimoji="1" lang="en-US" altLang="zh-CN" dirty="0" err="1"/>
+              <a:rPr kumimoji="1" lang="en-US" altLang="zh-CN" dirty="0"/>
               <a:t>MetaSpace</a:t>
             </a:r>
             <a:endParaRPr kumimoji="1" lang="zh-CN" altLang="en-US" dirty="0"/>
@@ -4092,7 +4239,7 @@
           <a:lstStyle/>
           <a:p>
             <a:r>
-              <a:rPr kumimoji="1" lang="zh-CN" altLang="en-US" dirty="0"/>
+              <a:rPr kumimoji="1" lang="zh-CN" altLang="en-US"/>
               <a:t>非堆</a:t>
             </a:r>
             <a:r>
@@ -4102,14 +4249,14 @@
           </a:p>
           <a:p>
             <a:r>
-              <a:rPr kumimoji="1" lang="zh-CN" altLang="en-US" dirty="0"/>
+              <a:rPr kumimoji="1" lang="zh-CN" altLang="en-US"/>
               <a:t>方法区</a:t>
             </a:r>
             <a:endParaRPr kumimoji="1" lang="en-US" altLang="zh-CN" dirty="0"/>
           </a:p>
           <a:p>
             <a:r>
-              <a:rPr kumimoji="1" lang="zh-CN" altLang="en-US" dirty="0"/>
+              <a:rPr kumimoji="1" lang="zh-CN" altLang="en-US"/>
               <a:t>运行时常量池</a:t>
             </a:r>
             <a:endParaRPr kumimoji="1" lang="en-US" altLang="zh-CN" dirty="0"/>
@@ -4125,7 +4272,7 @@
               <a:rPr kumimoji="1" lang="en-US" altLang="zh-CN" dirty="0"/>
               <a:t>Code Cache</a:t>
             </a:r>
-            <a:endParaRPr kumimoji="1" lang="zh-CN" altLang="en-US" dirty="0"/>
+            <a:endParaRPr kumimoji="1" lang="zh-CN" altLang="en-US"/>
           </a:p>
         </p:txBody>
       </p:sp>
@@ -4343,7 +4490,7 @@
                 <a:rPr kumimoji="1" lang="en-US" altLang="zh-CN" sz="1400" dirty="0"/>
                 <a:t>Compressed Class Space </a:t>
               </a:r>
-              <a:endParaRPr kumimoji="1" lang="zh-CN" altLang="en-US" sz="1400" dirty="0"/>
+              <a:endParaRPr kumimoji="1" lang="zh-CN" altLang="en-US" sz="1400"/>
             </a:p>
           </p:txBody>
         </p:sp>
@@ -4480,7 +4627,7 @@
                 <a:t>             </a:t>
               </a:r>
               <a:r>
-                <a:rPr kumimoji="1" lang="zh-CN" altLang="en-US" sz="1400" dirty="0"/>
+                <a:rPr kumimoji="1" lang="zh-CN" altLang="en-US" sz="1400"/>
                 <a:t>方法区</a:t>
               </a:r>
             </a:p>
@@ -4535,7 +4682,7 @@
                 </a:rPr>
                 <a:t>JIT</a:t>
               </a:r>
-              <a:endParaRPr kumimoji="1" lang="zh-CN" altLang="en-US" sz="1400" dirty="0">
+              <a:endParaRPr kumimoji="1" lang="zh-CN" altLang="en-US" sz="1400">
                 <a:solidFill>
                   <a:schemeClr val="bg1"/>
                 </a:solidFill>
@@ -4606,7 +4753,7 @@
 </p:sld>
 </file>
 
-<file path=ppt/slides/slide12.xml><?xml version="1.0" encoding="utf-8"?>
+<file path=ppt/slides/slide13.xml><?xml version="1.0" encoding="utf-8"?>
 <p:sld xmlns:a="http://schemas.openxmlformats.org/drawingml/2006/main" xmlns:r="http://schemas.openxmlformats.org/officeDocument/2006/relationships" xmlns:p="http://schemas.openxmlformats.org/presentationml/2006/main">
   <p:cSld>
     <p:spTree>
@@ -4674,14 +4821,14 @@
           <a:lstStyle/>
           <a:p>
             <a:r>
-              <a:rPr lang="en-US" altLang="zh-CN" dirty="0" err="1"/>
+              <a:rPr lang="en-US" altLang="zh-CN" dirty="0"/>
               <a:t>DirectByteBuffer</a:t>
             </a:r>
             <a:endParaRPr kumimoji="1" lang="en-US" altLang="zh-CN" dirty="0"/>
           </a:p>
           <a:p>
             <a:r>
-              <a:rPr lang="en-US" altLang="zh-CN" dirty="0" err="1"/>
+              <a:rPr lang="en-US" altLang="zh-CN" dirty="0"/>
               <a:t>MappedByteBuffer</a:t>
             </a:r>
             <a:endParaRPr kumimoji="1" lang="en-US" altLang="zh-CN" dirty="0"/>
@@ -4727,7 +4874,7 @@
 </p:sld>
 </file>
 
-<file path=ppt/slides/slide13.xml><?xml version="1.0" encoding="utf-8"?>
+<file path=ppt/slides/slide14.xml><?xml version="1.0" encoding="utf-8"?>
 <p:sld xmlns:a="http://schemas.openxmlformats.org/drawingml/2006/main" xmlns:r="http://schemas.openxmlformats.org/officeDocument/2006/relationships" xmlns:p="http://schemas.openxmlformats.org/presentationml/2006/main">
   <p:cSld>
     <p:spTree>
@@ -4767,7 +4914,7 @@
           <a:p>
             <a:pPr algn="ctr"/>
             <a:r>
-              <a:rPr kumimoji="1" lang="zh-CN" altLang="en-US" dirty="0"/>
+              <a:rPr kumimoji="1" lang="zh-CN" altLang="en-US"/>
               <a:t>类加载子系统</a:t>
             </a:r>
           </a:p>
@@ -4846,7 +4993,7 @@
 </p:sld>
 </file>
 
-<file path=ppt/slides/slide14.xml><?xml version="1.0" encoding="utf-8"?>
+<file path=ppt/slides/slide15.xml><?xml version="1.0" encoding="utf-8"?>
 <p:sld xmlns:a="http://schemas.openxmlformats.org/drawingml/2006/main" xmlns:r="http://schemas.openxmlformats.org/officeDocument/2006/relationships" xmlns:p="http://schemas.openxmlformats.org/presentationml/2006/main">
   <p:cSld>
     <p:spTree>
@@ -4888,7 +5035,7 @@
               <a:rPr kumimoji="1" lang="en-US" altLang="zh-CN" dirty="0"/>
               <a:t>Class Loader</a:t>
             </a:r>
-            <a:endParaRPr kumimoji="1" lang="zh-CN" altLang="en-US" dirty="0"/>
+            <a:endParaRPr kumimoji="1" lang="zh-CN" altLang="en-US"/>
           </a:p>
         </p:txBody>
       </p:sp>
@@ -4927,16 +5074,8 @@
           </a:p>
           <a:p>
             <a:r>
-              <a:rPr lang="en-US" altLang="zh-CN" dirty="0" err="1"/>
-              <a:t>sun.misc.Launcher.ExtClassLoader</a:t>
-            </a:r>
-            <a:r>
               <a:rPr lang="en-US" altLang="zh-CN" dirty="0"/>
-              <a:t> -&gt; -</a:t>
-            </a:r>
-            <a:r>
-              <a:rPr lang="en-US" altLang="zh-CN" dirty="0" err="1"/>
-              <a:t>Djava.ext.dirs</a:t>
+              <a:t>sun.misc.Launcher.ExtClassLoader -&gt; -Djava.ext.dirs</a:t>
             </a:r>
             <a:r>
               <a:rPr lang="en-US" altLang="zh-CN" b="1" dirty="0"/>
@@ -4946,24 +5085,12 @@
           </a:p>
           <a:p>
             <a:r>
-              <a:rPr lang="en-US" altLang="zh-CN" dirty="0" err="1"/>
-              <a:t>sun.misc.Launcher.AppClassLoader</a:t>
-            </a:r>
-            <a:r>
               <a:rPr lang="en-US" altLang="zh-CN" dirty="0"/>
-              <a:t>  -&gt; </a:t>
+              <a:t>sun.misc.Launcher.AppClassLoader  -&gt; </a:t>
             </a:r>
             <a:r>
               <a:rPr lang="en-US" altLang="zh-CN" b="1" i="1" dirty="0"/>
-              <a:t>-</a:t>
-            </a:r>
-            <a:r>
-              <a:rPr lang="en-US" altLang="zh-CN" b="1" i="1" dirty="0" err="1"/>
-              <a:t>classpath</a:t>
-            </a:r>
-            <a:r>
-              <a:rPr lang="en-US" altLang="zh-CN" b="1" i="1" dirty="0"/>
-              <a:t>, -jar,</a:t>
+              <a:t>-classpath, -jar,</a:t>
             </a:r>
             <a:endParaRPr kumimoji="1" lang="en-US" altLang="zh-CN" dirty="0"/>
           </a:p>
@@ -4973,10 +5100,9 @@
               <a:t>自定义</a:t>
             </a:r>
             <a:r>
-              <a:rPr kumimoji="1" lang="en-US" altLang="zh-CN" dirty="0" err="1"/>
+              <a:rPr kumimoji="1" lang="en-US" altLang="zh-CN" dirty="0"/>
               <a:t>ClassLoader</a:t>
             </a:r>
-            <a:endParaRPr kumimoji="1" lang="en-US" altLang="zh-CN" dirty="0"/>
           </a:p>
           <a:p>
             <a:r>
@@ -5057,7 +5183,7 @@
 </p:sld>
 </file>
 
-<file path=ppt/slides/slide15.xml><?xml version="1.0" encoding="utf-8"?>
+<file path=ppt/slides/slide16.xml><?xml version="1.0" encoding="utf-8"?>
 <p:sld xmlns:a="http://schemas.openxmlformats.org/drawingml/2006/main" xmlns:r="http://schemas.openxmlformats.org/officeDocument/2006/relationships" xmlns:p="http://schemas.openxmlformats.org/presentationml/2006/main">
   <p:cSld>
     <p:spTree>
@@ -5107,12 +5233,8 @@
               <a:t>public class </a:t>
             </a:r>
             <a:r>
-              <a:rPr lang="en-US" altLang="zh-CN" sz="1400" dirty="0" err="1"/>
-              <a:t>PrintClassLoader</a:t>
-            </a:r>
-            <a:r>
               <a:rPr lang="en-US" altLang="zh-CN" sz="1400" dirty="0"/>
-              <a:t> {</a:t>
+              <a:t>PrintClassLoader {</a:t>
             </a:r>
             <a:br>
               <a:rPr lang="en-US" altLang="zh-CN" sz="1400" i="1" dirty="0"/>
@@ -5127,15 +5249,7 @@
             </a:r>
             <a:r>
               <a:rPr lang="en-US" altLang="zh-CN" sz="1400" dirty="0"/>
-              <a:t>main(String[] </a:t>
-            </a:r>
-            <a:r>
-              <a:rPr lang="en-US" altLang="zh-CN" sz="1400" dirty="0" err="1"/>
-              <a:t>args</a:t>
-            </a:r>
-            <a:r>
-              <a:rPr lang="en-US" altLang="zh-CN" sz="1400" dirty="0"/>
-              <a:t>) {</a:t>
+              <a:t>main(String[] args) {</a:t>
             </a:r>
             <a:br>
               <a:rPr lang="en-US" altLang="zh-CN" sz="1400" dirty="0"/>
@@ -5156,32 +5270,24 @@
               <a:t>        </a:t>
             </a:r>
             <a:r>
-              <a:rPr lang="en-US" altLang="zh-CN" sz="1400" dirty="0" err="1"/>
+              <a:rPr lang="en-US" altLang="zh-CN" sz="1400" dirty="0"/>
               <a:t>System.</a:t>
             </a:r>
             <a:r>
-              <a:rPr lang="en-US" altLang="zh-CN" sz="1400" b="1" i="1" dirty="0" err="1"/>
+              <a:rPr lang="en-US" altLang="zh-CN" sz="1400" b="1" i="1" dirty="0"/>
               <a:t>out</a:t>
             </a:r>
             <a:r>
-              <a:rPr lang="en-US" altLang="zh-CN" sz="1400" dirty="0" err="1"/>
-              <a:t>.println</a:t>
-            </a:r>
-            <a:r>
               <a:rPr lang="en-US" altLang="zh-CN" sz="1400" dirty="0"/>
-              <a:t>(</a:t>
+              <a:t>.println(</a:t>
             </a:r>
             <a:r>
               <a:rPr lang="en-US" altLang="zh-CN" sz="1400" b="1" dirty="0"/>
               <a:t>"</a:t>
             </a:r>
             <a:r>
-              <a:rPr lang="en-US" altLang="zh-CN" sz="1400" dirty="0" err="1"/>
-              <a:t>Object.classloader</a:t>
-            </a:r>
-            <a:r>
               <a:rPr lang="en-US" altLang="zh-CN" sz="1400" dirty="0"/>
-              <a:t>: "</a:t>
+              <a:t>Object.classloader: "</a:t>
             </a:r>
             <a:br>
               <a:rPr lang="en-US" altLang="zh-CN" sz="1400" dirty="0"/>
@@ -5192,23 +5298,15 @@
             </a:r>
             <a:r>
               <a:rPr lang="en-US" altLang="zh-CN" sz="1400" dirty="0"/>
-              <a:t>+ </a:t>
-            </a:r>
-            <a:r>
-              <a:rPr lang="en-US" altLang="zh-CN" sz="1400" dirty="0" err="1"/>
-              <a:t>Object.</a:t>
-            </a:r>
-            <a:r>
-              <a:rPr lang="en-US" altLang="zh-CN" sz="1400" b="1" dirty="0" err="1"/>
+              <a:t>+ Object.</a:t>
+            </a:r>
+            <a:r>
+              <a:rPr lang="en-US" altLang="zh-CN" sz="1400" b="1" dirty="0"/>
               <a:t>class</a:t>
             </a:r>
             <a:r>
-              <a:rPr lang="en-US" altLang="zh-CN" sz="1400" dirty="0" err="1"/>
-              <a:t>.getClassLoader</a:t>
-            </a:r>
-            <a:r>
               <a:rPr lang="en-US" altLang="zh-CN" sz="1400" dirty="0"/>
-              <a:t>());</a:t>
+              <a:t>.getClassLoader());</a:t>
             </a:r>
             <a:br>
               <a:rPr lang="en-US" altLang="zh-CN" sz="1400" dirty="0"/>
@@ -5219,11 +5317,7 @@
             </a:r>
             <a:r>
               <a:rPr lang="en-US" altLang="zh-CN" sz="1400" i="1" dirty="0"/>
-              <a:t>// </a:t>
-            </a:r>
-            <a:r>
-              <a:rPr lang="en-US" altLang="zh-CN" sz="1400" i="1" dirty="0" err="1"/>
-              <a:t>sun.misc.Launcher$AppClassLoader</a:t>
+              <a:t>// sun.misc.Launcher$AppClassLoader</a:t>
             </a:r>
             <a:br>
               <a:rPr lang="en-US" altLang="zh-CN" sz="1400" i="1" dirty="0"/>
@@ -5233,28 +5327,16 @@
               <a:t>        </a:t>
             </a:r>
             <a:r>
-              <a:rPr lang="en-US" altLang="zh-CN" sz="1400" dirty="0" err="1"/>
+              <a:rPr lang="en-US" altLang="zh-CN" sz="1400" dirty="0"/>
               <a:t>System.</a:t>
             </a:r>
             <a:r>
-              <a:rPr lang="en-US" altLang="zh-CN" sz="1400" b="1" i="1" dirty="0" err="1"/>
+              <a:rPr lang="en-US" altLang="zh-CN" sz="1400" b="1" i="1" dirty="0"/>
               <a:t>out</a:t>
             </a:r>
             <a:r>
-              <a:rPr lang="en-US" altLang="zh-CN" sz="1400" dirty="0" err="1"/>
-              <a:t>.println</a:t>
-            </a:r>
-            <a:r>
               <a:rPr lang="en-US" altLang="zh-CN" sz="1400" dirty="0"/>
-              <a:t>("</a:t>
-            </a:r>
-            <a:r>
-              <a:rPr lang="en-US" altLang="zh-CN" sz="1400" dirty="0" err="1"/>
-              <a:t>PrintClassLoader.classloader</a:t>
-            </a:r>
-            <a:r>
-              <a:rPr lang="en-US" altLang="zh-CN" sz="1400" dirty="0"/>
-              <a:t>: "</a:t>
+              <a:t>.println("PrintClassLoader.classloader: "</a:t>
             </a:r>
             <a:br>
               <a:rPr lang="en-US" altLang="zh-CN" sz="1400" dirty="0"/>
@@ -5265,54 +5347,30 @@
             </a:r>
             <a:r>
               <a:rPr lang="en-US" altLang="zh-CN" sz="1400" dirty="0"/>
-              <a:t>+ </a:t>
-            </a:r>
-            <a:r>
-              <a:rPr lang="en-US" altLang="zh-CN" sz="1400" dirty="0" err="1"/>
-              <a:t>PrintClassLoader.</a:t>
-            </a:r>
-            <a:r>
-              <a:rPr lang="en-US" altLang="zh-CN" sz="1400" b="1" dirty="0" err="1"/>
+              <a:t>+ PrintClassLoader.</a:t>
+            </a:r>
+            <a:r>
+              <a:rPr lang="en-US" altLang="zh-CN" sz="1400" b="1" dirty="0"/>
               <a:t>class</a:t>
             </a:r>
             <a:r>
-              <a:rPr lang="en-US" altLang="zh-CN" sz="1400" dirty="0" err="1"/>
-              <a:t>.getClassLoader</a:t>
-            </a:r>
-            <a:r>
               <a:rPr lang="en-US" altLang="zh-CN" sz="1400" dirty="0"/>
-              <a:t>());</a:t>
+              <a:t>.getClassLoader());</a:t>
             </a:r>
             <a:br>
               <a:rPr lang="en-US" altLang="zh-CN" sz="1400" dirty="0"/>
             </a:br>
             <a:r>
               <a:rPr lang="en-US" altLang="zh-CN" sz="1400" dirty="0"/>
-              <a:t>        </a:t>
-            </a:r>
-            <a:r>
-              <a:rPr lang="en-US" altLang="zh-CN" sz="1400" dirty="0" err="1"/>
-              <a:t>System.</a:t>
-            </a:r>
-            <a:r>
-              <a:rPr lang="en-US" altLang="zh-CN" sz="1400" b="1" i="1" dirty="0" err="1"/>
+              <a:t>        System.</a:t>
+            </a:r>
+            <a:r>
+              <a:rPr lang="en-US" altLang="zh-CN" sz="1400" b="1" i="1" dirty="0"/>
               <a:t>out</a:t>
             </a:r>
             <a:r>
-              <a:rPr lang="en-US" altLang="zh-CN" sz="1400" dirty="0" err="1"/>
-              <a:t>.println</a:t>
-            </a:r>
-            <a:r>
               <a:rPr lang="en-US" altLang="zh-CN" sz="1400" dirty="0"/>
-              <a:t>("</a:t>
-            </a:r>
-            <a:r>
-              <a:rPr lang="en-US" altLang="zh-CN" sz="1400" dirty="0" err="1"/>
-              <a:t>SystemClassLoader</a:t>
-            </a:r>
-            <a:r>
-              <a:rPr lang="en-US" altLang="zh-CN" sz="1400" dirty="0"/>
-              <a:t>: "</a:t>
+              <a:t>.println("SystemClassLoader: "</a:t>
             </a:r>
             <a:br>
               <a:rPr lang="en-US" altLang="zh-CN" sz="1400" dirty="0"/>
@@ -5323,14 +5381,10 @@
             </a:r>
             <a:r>
               <a:rPr lang="en-US" altLang="zh-CN" sz="1400" dirty="0"/>
-              <a:t>+ </a:t>
-            </a:r>
-            <a:r>
-              <a:rPr lang="en-US" altLang="zh-CN" sz="1400" dirty="0" err="1"/>
-              <a:t>ClassLoader.</a:t>
-            </a:r>
-            <a:r>
-              <a:rPr lang="en-US" altLang="zh-CN" sz="1400" i="1" dirty="0" err="1"/>
+              <a:t>+ ClassLoader.</a:t>
+            </a:r>
+            <a:r>
+              <a:rPr lang="en-US" altLang="zh-CN" sz="1400" i="1" dirty="0"/>
               <a:t>getSystemClassLoader</a:t>
             </a:r>
             <a:r>
@@ -5346,11 +5400,7 @@
             </a:r>
             <a:r>
               <a:rPr lang="en-US" altLang="zh-CN" sz="1400" i="1" dirty="0"/>
-              <a:t>// </a:t>
-            </a:r>
-            <a:r>
-              <a:rPr lang="en-US" altLang="zh-CN" sz="1400" i="1" dirty="0" err="1"/>
-              <a:t>sun.misc.Launcher$ExtClassLoader</a:t>
+              <a:t>// sun.misc.Launcher$ExtClassLoader</a:t>
             </a:r>
             <a:br>
               <a:rPr lang="en-US" altLang="zh-CN" sz="1400" i="1" dirty="0"/>
@@ -5360,28 +5410,16 @@
               <a:t>        </a:t>
             </a:r>
             <a:r>
-              <a:rPr lang="en-US" altLang="zh-CN" sz="1400" dirty="0" err="1"/>
+              <a:rPr lang="en-US" altLang="zh-CN" sz="1400" dirty="0"/>
               <a:t>System.</a:t>
             </a:r>
             <a:r>
-              <a:rPr lang="en-US" altLang="zh-CN" sz="1400" b="1" i="1" dirty="0" err="1"/>
+              <a:rPr lang="en-US" altLang="zh-CN" sz="1400" b="1" i="1" dirty="0"/>
               <a:t>out</a:t>
             </a:r>
             <a:r>
-              <a:rPr lang="en-US" altLang="zh-CN" sz="1400" dirty="0" err="1"/>
-              <a:t>.println</a:t>
-            </a:r>
-            <a:r>
               <a:rPr lang="en-US" altLang="zh-CN" sz="1400" dirty="0"/>
-              <a:t>("</a:t>
-            </a:r>
-            <a:r>
-              <a:rPr lang="en-US" altLang="zh-CN" sz="1400" dirty="0" err="1"/>
-              <a:t>PrintClassLoader.classloader.parent</a:t>
-            </a:r>
-            <a:r>
-              <a:rPr lang="en-US" altLang="zh-CN" sz="1400" dirty="0"/>
-              <a:t>: "</a:t>
+              <a:t>.println("PrintClassLoader.classloader.parent: "</a:t>
             </a:r>
             <a:br>
               <a:rPr lang="en-US" altLang="zh-CN" sz="1400" dirty="0"/>
@@ -5392,31 +5430,15 @@
             </a:r>
             <a:r>
               <a:rPr lang="en-US" altLang="zh-CN" sz="1400" dirty="0"/>
-              <a:t>+ </a:t>
-            </a:r>
-            <a:r>
-              <a:rPr lang="en-US" altLang="zh-CN" sz="1400" dirty="0" err="1"/>
-              <a:t>PrintClassLoader.</a:t>
-            </a:r>
-            <a:r>
-              <a:rPr lang="en-US" altLang="zh-CN" sz="1400" b="1" dirty="0" err="1"/>
+              <a:t>+ PrintClassLoader.</a:t>
+            </a:r>
+            <a:r>
+              <a:rPr lang="en-US" altLang="zh-CN" sz="1400" b="1" dirty="0"/>
               <a:t>class</a:t>
             </a:r>
             <a:r>
-              <a:rPr lang="en-US" altLang="zh-CN" sz="1400" dirty="0" err="1"/>
-              <a:t>.getClassLoader</a:t>
-            </a:r>
-            <a:r>
               <a:rPr lang="en-US" altLang="zh-CN" sz="1400" dirty="0"/>
-              <a:t>().</a:t>
-            </a:r>
-            <a:r>
-              <a:rPr lang="en-US" altLang="zh-CN" sz="1400" dirty="0" err="1"/>
-              <a:t>getParent</a:t>
-            </a:r>
-            <a:r>
-              <a:rPr lang="en-US" altLang="zh-CN" sz="1400" dirty="0"/>
-              <a:t>());</a:t>
+              <a:t>.getClassLoader().getParent());</a:t>
             </a:r>
             <a:br>
               <a:rPr lang="en-US" altLang="zh-CN" sz="1400" dirty="0"/>
@@ -5464,14 +5486,14 @@
           <a:p>
             <a:pPr algn="ctr"/>
             <a:r>
-              <a:rPr kumimoji="1" lang="zh-CN" altLang="en-US" dirty="0"/>
+              <a:rPr kumimoji="1" lang="zh-CN" altLang="en-US"/>
               <a:t>打印</a:t>
             </a:r>
             <a:r>
               <a:rPr kumimoji="1" lang="en-US" altLang="zh-CN" dirty="0"/>
               <a:t> Class Loader</a:t>
             </a:r>
-            <a:endParaRPr kumimoji="1" lang="zh-CN" altLang="en-US" dirty="0"/>
+            <a:endParaRPr kumimoji="1" lang="zh-CN" altLang="en-US"/>
           </a:p>
         </p:txBody>
       </p:sp>
@@ -5488,7 +5510,7 @@
 </p:sld>
 </file>
 
-<file path=ppt/slides/slide16.xml><?xml version="1.0" encoding="utf-8"?>
+<file path=ppt/slides/slide17.xml><?xml version="1.0" encoding="utf-8"?>
 <p:sld xmlns:a="http://schemas.openxmlformats.org/drawingml/2006/main" xmlns:r="http://schemas.openxmlformats.org/officeDocument/2006/relationships" xmlns:p="http://schemas.openxmlformats.org/presentationml/2006/main">
   <p:cSld>
     <p:spTree>
@@ -5538,12 +5560,8 @@
               <a:t>import </a:t>
             </a:r>
             <a:r>
-              <a:rPr lang="en-US" altLang="zh-CN" sz="1200" dirty="0" err="1"/>
-              <a:t>java.io</a:t>
-            </a:r>
-            <a:r>
               <a:rPr lang="en-US" altLang="zh-CN" sz="1200" dirty="0"/>
-              <a:t>.*;</a:t>
+              <a:t>java.io.*;</a:t>
             </a:r>
             <a:br>
               <a:rPr lang="en-US" altLang="zh-CN" sz="1200" dirty="0"/>
@@ -5553,24 +5571,16 @@
               <a:t>public class </a:t>
             </a:r>
             <a:r>
-              <a:rPr lang="en-US" altLang="zh-CN" sz="1200" dirty="0" err="1"/>
-              <a:t>HbClassLoader</a:t>
-            </a:r>
-            <a:r>
               <a:rPr lang="en-US" altLang="zh-CN" sz="1200" dirty="0"/>
-              <a:t> </a:t>
+              <a:t>HbClassLoader </a:t>
             </a:r>
             <a:r>
               <a:rPr lang="en-US" altLang="zh-CN" sz="1200" b="1" dirty="0"/>
               <a:t>extends </a:t>
             </a:r>
             <a:r>
-              <a:rPr lang="en-US" altLang="zh-CN" sz="1200" dirty="0" err="1"/>
-              <a:t>ClassLoader</a:t>
-            </a:r>
-            <a:r>
               <a:rPr lang="en-US" altLang="zh-CN" sz="1200" dirty="0"/>
-              <a:t> {</a:t>
+              <a:t>ClassLoader {</a:t>
             </a:r>
             <a:br>
               <a:rPr lang="en-US" altLang="zh-CN" sz="1200" dirty="0"/>
@@ -5592,27 +5602,15 @@
             </a:r>
             <a:r>
               <a:rPr lang="en-US" altLang="zh-CN" sz="1200" dirty="0"/>
-              <a:t>Class </a:t>
-            </a:r>
-            <a:r>
-              <a:rPr lang="en-US" altLang="zh-CN" sz="1200" dirty="0" err="1"/>
-              <a:t>findClass</a:t>
-            </a:r>
-            <a:r>
-              <a:rPr lang="en-US" altLang="zh-CN" sz="1200" dirty="0"/>
-              <a:t>(String name) </a:t>
+              <a:t>Class findClass(String name) </a:t>
             </a:r>
             <a:r>
               <a:rPr lang="en-US" altLang="zh-CN" sz="1200" b="1" dirty="0"/>
               <a:t>throws </a:t>
             </a:r>
             <a:r>
-              <a:rPr lang="en-US" altLang="zh-CN" sz="1200" dirty="0" err="1"/>
-              <a:t>ClassNotFoundException</a:t>
-            </a:r>
-            <a:r>
               <a:rPr lang="en-US" altLang="zh-CN" sz="1200" dirty="0"/>
-              <a:t> {</a:t>
+              <a:t>ClassNotFoundException {</a:t>
             </a:r>
             <a:br>
               <a:rPr lang="en-US" altLang="zh-CN" sz="1200" dirty="0"/>
@@ -5627,15 +5625,7 @@
             </a:r>
             <a:r>
               <a:rPr lang="en-US" altLang="zh-CN" sz="1200" dirty="0"/>
-              <a:t>[] b = </a:t>
-            </a:r>
-            <a:r>
-              <a:rPr lang="en-US" altLang="zh-CN" sz="1200" dirty="0" err="1"/>
-              <a:t>loadClassFromFile</a:t>
-            </a:r>
-            <a:r>
-              <a:rPr lang="en-US" altLang="zh-CN" sz="1200" dirty="0"/>
-              <a:t>(name);</a:t>
+              <a:t>[] b = loadClassFromFile(name);</a:t>
             </a:r>
             <a:br>
               <a:rPr lang="en-US" altLang="zh-CN" sz="1200" dirty="0"/>
@@ -5649,19 +5639,11 @@
               <a:t>return </a:t>
             </a:r>
             <a:r>
-              <a:rPr lang="en-US" altLang="zh-CN" sz="1200" dirty="0" err="1"/>
-              <a:t>defineClass</a:t>
-            </a:r>
-            <a:r>
               <a:rPr lang="en-US" altLang="zh-CN" sz="1200" dirty="0"/>
-              <a:t>(name, b, 0, </a:t>
-            </a:r>
-            <a:r>
-              <a:rPr lang="en-US" altLang="zh-CN" sz="1200" dirty="0" err="1"/>
-              <a:t>b.</a:t>
-            </a:r>
-            <a:r>
-              <a:rPr lang="en-US" altLang="zh-CN" sz="1200" b="1" dirty="0" err="1"/>
+              <a:t>defineClass(name, b, 0, b.</a:t>
+            </a:r>
+            <a:r>
+              <a:rPr lang="en-US" altLang="zh-CN" sz="1200" b="1" dirty="0"/>
               <a:t>length</a:t>
             </a:r>
             <a:r>
@@ -5688,23 +5670,7 @@
             </a:r>
             <a:r>
               <a:rPr lang="en-US" altLang="zh-CN" sz="1200" dirty="0"/>
-              <a:t>[] </a:t>
-            </a:r>
-            <a:r>
-              <a:rPr lang="en-US" altLang="zh-CN" sz="1200" dirty="0" err="1"/>
-              <a:t>loadClassFromFile</a:t>
-            </a:r>
-            <a:r>
-              <a:rPr lang="en-US" altLang="zh-CN" sz="1200" dirty="0"/>
-              <a:t>(String </a:t>
-            </a:r>
-            <a:r>
-              <a:rPr lang="en-US" altLang="zh-CN" sz="1200" dirty="0" err="1"/>
-              <a:t>className</a:t>
-            </a:r>
-            <a:r>
-              <a:rPr lang="en-US" altLang="zh-CN" sz="1200" dirty="0"/>
-              <a:t>) {</a:t>
+              <a:t>[] loadClassFromFile(String className) {</a:t>
             </a:r>
             <a:br>
               <a:rPr lang="en-US" altLang="zh-CN" sz="1200" dirty="0"/>
@@ -5748,59 +5714,15 @@
               <a:t>        </a:t>
             </a:r>
             <a:r>
-              <a:rPr lang="en-US" altLang="zh-CN" sz="1200" dirty="0" err="1"/>
-              <a:t>InputStream</a:t>
-            </a:r>
-            <a:r>
               <a:rPr lang="en-US" altLang="zh-CN" sz="1200" dirty="0"/>
-              <a:t> </a:t>
-            </a:r>
-            <a:r>
-              <a:rPr lang="en-US" altLang="zh-CN" sz="1200" dirty="0" err="1"/>
-              <a:t>inputStream</a:t>
-            </a:r>
-            <a:r>
-              <a:rPr lang="en-US" altLang="zh-CN" sz="1200" dirty="0"/>
-              <a:t> = </a:t>
-            </a:r>
-            <a:r>
-              <a:rPr lang="en-US" altLang="zh-CN" sz="1200" dirty="0" err="1"/>
-              <a:t>getClass</a:t>
-            </a:r>
-            <a:r>
-              <a:rPr lang="en-US" altLang="zh-CN" sz="1200" dirty="0"/>
-              <a:t>().</a:t>
-            </a:r>
-            <a:r>
-              <a:rPr lang="en-US" altLang="zh-CN" sz="1200" dirty="0" err="1"/>
-              <a:t>getClassLoader</a:t>
-            </a:r>
-            <a:r>
-              <a:rPr lang="en-US" altLang="zh-CN" sz="1200" dirty="0"/>
-              <a:t>().</a:t>
-            </a:r>
-            <a:r>
-              <a:rPr lang="en-US" altLang="zh-CN" sz="1200" dirty="0" err="1"/>
-              <a:t>getResourceAsStream</a:t>
-            </a:r>
-            <a:r>
-              <a:rPr lang="en-US" altLang="zh-CN" sz="1200" dirty="0"/>
-              <a:t>(</a:t>
+              <a:t>InputStream inputStream = getClass().getClassLoader().getResourceAsStream(</a:t>
             </a:r>
             <a:br>
               <a:rPr lang="en-US" altLang="zh-CN" sz="1200" dirty="0"/>
             </a:br>
             <a:r>
               <a:rPr lang="en-US" altLang="zh-CN" sz="1200" dirty="0"/>
-              <a:t>                </a:t>
-            </a:r>
-            <a:r>
-              <a:rPr lang="en-US" altLang="zh-CN" sz="1200" dirty="0" err="1"/>
-              <a:t>className.replace</a:t>
-            </a:r>
-            <a:r>
-              <a:rPr lang="en-US" altLang="zh-CN" sz="1200" dirty="0"/>
-              <a:t>(</a:t>
+              <a:t>                className.replace(</a:t>
             </a:r>
             <a:r>
               <a:rPr lang="en-US" altLang="zh-CN" sz="1200" b="1" dirty="0"/>
@@ -5808,14 +5730,10 @@
             </a:r>
             <a:r>
               <a:rPr lang="en-US" altLang="zh-CN" sz="1200" dirty="0"/>
-              <a:t>, </a:t>
-            </a:r>
-            <a:r>
-              <a:rPr lang="en-US" altLang="zh-CN" sz="1200" dirty="0" err="1"/>
-              <a:t>File.</a:t>
-            </a:r>
-            <a:r>
-              <a:rPr lang="en-US" altLang="zh-CN" sz="1200" b="1" i="1" dirty="0" err="1"/>
+              <a:t>, File.</a:t>
+            </a:r>
+            <a:r>
+              <a:rPr lang="en-US" altLang="zh-CN" sz="1200" b="1" i="1" dirty="0"/>
               <a:t>separatorChar</a:t>
             </a:r>
             <a:r>
@@ -5835,35 +5753,15 @@
             </a:br>
             <a:r>
               <a:rPr lang="en-US" altLang="zh-CN" sz="1200" dirty="0"/>
-              <a:t>        </a:t>
-            </a:r>
-            <a:r>
-              <a:rPr lang="en-US" altLang="zh-CN" sz="1200" dirty="0" err="1"/>
-              <a:t>ByteArrayOutputStream</a:t>
-            </a:r>
-            <a:r>
-              <a:rPr lang="en-US" altLang="zh-CN" sz="1200" dirty="0"/>
-              <a:t> </a:t>
-            </a:r>
-            <a:r>
-              <a:rPr lang="en-US" altLang="zh-CN" sz="1200" dirty="0" err="1"/>
-              <a:t>byteStream</a:t>
-            </a:r>
-            <a:r>
-              <a:rPr lang="en-US" altLang="zh-CN" sz="1200" dirty="0"/>
-              <a:t> = </a:t>
+              <a:t>        ByteArrayOutputStream byteStream = </a:t>
             </a:r>
             <a:r>
               <a:rPr lang="en-US" altLang="zh-CN" sz="1200" b="1" dirty="0"/>
               <a:t>new </a:t>
             </a:r>
             <a:r>
-              <a:rPr lang="en-US" altLang="zh-CN" sz="1200" dirty="0" err="1"/>
-              <a:t>ByteArrayOutputStream</a:t>
-            </a:r>
-            <a:r>
               <a:rPr lang="en-US" altLang="zh-CN" sz="1200" dirty="0"/>
-              <a:t>();</a:t>
+              <a:t>ByteArrayOutputStream();</a:t>
             </a:r>
             <a:br>
               <a:rPr lang="en-US" altLang="zh-CN" sz="1200" dirty="0"/>
@@ -5888,20 +5786,12 @@
               <a:t>            </a:t>
             </a:r>
             <a:r>
-              <a:rPr lang="en-US" altLang="zh-CN" sz="1200" b="1" dirty="0" err="1"/>
-              <a:t>int</a:t>
-            </a:r>
-            <a:r>
               <a:rPr lang="en-US" altLang="zh-CN" sz="1200" b="1" dirty="0"/>
-              <a:t> </a:t>
-            </a:r>
-            <a:r>
-              <a:rPr lang="en-US" altLang="zh-CN" sz="1200" dirty="0" err="1"/>
-              <a:t>nextValue</a:t>
+              <a:t>int </a:t>
             </a:r>
             <a:r>
               <a:rPr lang="en-US" altLang="zh-CN" sz="1200" dirty="0"/>
-              <a:t> = 0;</a:t>
+              <a:t>nextValue = 0;</a:t>
             </a:r>
             <a:br>
               <a:rPr lang="en-US" altLang="zh-CN" sz="1200" dirty="0"/>
@@ -5916,46 +5806,14 @@
             </a:r>
             <a:r>
               <a:rPr lang="en-US" altLang="zh-CN" sz="1200" dirty="0"/>
-              <a:t>((</a:t>
-            </a:r>
-            <a:r>
-              <a:rPr lang="en-US" altLang="zh-CN" sz="1200" dirty="0" err="1"/>
-              <a:t>nextValue</a:t>
-            </a:r>
-            <a:r>
-              <a:rPr lang="en-US" altLang="zh-CN" sz="1200" dirty="0"/>
-              <a:t> = </a:t>
-            </a:r>
-            <a:r>
-              <a:rPr lang="en-US" altLang="zh-CN" sz="1200" dirty="0" err="1"/>
-              <a:t>inputStream.read</a:t>
-            </a:r>
-            <a:r>
-              <a:rPr lang="en-US" altLang="zh-CN" sz="1200" dirty="0"/>
-              <a:t>()) != -1) {</a:t>
+              <a:t>((nextValue = inputStream.read()) != -1) {</a:t>
             </a:r>
             <a:br>
               <a:rPr lang="en-US" altLang="zh-CN" sz="1200" dirty="0"/>
             </a:br>
             <a:r>
               <a:rPr lang="en-US" altLang="zh-CN" sz="1200" dirty="0"/>
-              <a:t>                </a:t>
-            </a:r>
-            <a:r>
-              <a:rPr lang="en-US" altLang="zh-CN" sz="1200" dirty="0" err="1"/>
-              <a:t>byteStream.write</a:t>
-            </a:r>
-            <a:r>
-              <a:rPr lang="en-US" altLang="zh-CN" sz="1200" dirty="0"/>
-              <a:t>(</a:t>
-            </a:r>
-            <a:r>
-              <a:rPr lang="en-US" altLang="zh-CN" sz="1200" dirty="0" err="1"/>
-              <a:t>nextValue</a:t>
-            </a:r>
-            <a:r>
-              <a:rPr lang="en-US" altLang="zh-CN" sz="1200" dirty="0"/>
-              <a:t>);</a:t>
+              <a:t>                byteStream.write(nextValue);</a:t>
             </a:r>
             <a:br>
               <a:rPr lang="en-US" altLang="zh-CN" sz="1200" dirty="0"/>
@@ -5977,30 +5835,14 @@
             </a:r>
             <a:r>
               <a:rPr lang="en-US" altLang="zh-CN" sz="1200" dirty="0"/>
-              <a:t>(</a:t>
-            </a:r>
-            <a:r>
-              <a:rPr lang="en-US" altLang="zh-CN" sz="1200" dirty="0" err="1"/>
-              <a:t>IOException</a:t>
-            </a:r>
-            <a:r>
-              <a:rPr lang="en-US" altLang="zh-CN" sz="1200" dirty="0"/>
-              <a:t> e) {</a:t>
+              <a:t>(IOException e) {</a:t>
             </a:r>
             <a:br>
               <a:rPr lang="en-US" altLang="zh-CN" sz="1200" dirty="0"/>
             </a:br>
             <a:r>
               <a:rPr lang="en-US" altLang="zh-CN" sz="1200" dirty="0"/>
-              <a:t>            </a:t>
-            </a:r>
-            <a:r>
-              <a:rPr lang="en-US" altLang="zh-CN" sz="1200" dirty="0" err="1"/>
-              <a:t>e.printStackTrace</a:t>
-            </a:r>
-            <a:r>
-              <a:rPr lang="en-US" altLang="zh-CN" sz="1200" dirty="0"/>
-              <a:t>();</a:t>
+              <a:t>            e.printStackTrace();</a:t>
             </a:r>
             <a:br>
               <a:rPr lang="en-US" altLang="zh-CN" sz="1200" dirty="0"/>
@@ -6022,15 +5864,7 @@
             </a:r>
             <a:r>
               <a:rPr lang="en-US" altLang="zh-CN" sz="1200" dirty="0"/>
-              <a:t>[] buffer = </a:t>
-            </a:r>
-            <a:r>
-              <a:rPr lang="en-US" altLang="zh-CN" sz="1200" dirty="0" err="1"/>
-              <a:t>byteStream.toByteArray</a:t>
-            </a:r>
-            <a:r>
-              <a:rPr lang="en-US" altLang="zh-CN" sz="1200" dirty="0"/>
-              <a:t>();</a:t>
+              <a:t>[] buffer = byteStream.toByteArray();</a:t>
             </a:r>
             <a:br>
               <a:rPr lang="en-US" altLang="zh-CN" sz="1200" dirty="0"/>
@@ -6093,14 +5927,14 @@
           <a:p>
             <a:pPr algn="ctr"/>
             <a:r>
-              <a:rPr kumimoji="1" lang="zh-CN" altLang="en-US" dirty="0"/>
+              <a:rPr kumimoji="1" lang="zh-CN" altLang="en-US"/>
               <a:t>自定义</a:t>
             </a:r>
             <a:r>
               <a:rPr kumimoji="1" lang="en-US" altLang="zh-CN" dirty="0"/>
               <a:t> Class Loader</a:t>
             </a:r>
-            <a:endParaRPr kumimoji="1" lang="zh-CN" altLang="en-US" dirty="0"/>
+            <a:endParaRPr kumimoji="1" lang="zh-CN" altLang="en-US"/>
           </a:p>
         </p:txBody>
       </p:sp>
@@ -6117,7 +5951,7 @@
 </p:sld>
 </file>
 
-<file path=ppt/slides/slide17.xml><?xml version="1.0" encoding="utf-8"?>
+<file path=ppt/slides/slide18.xml><?xml version="1.0" encoding="utf-8"?>
 <p:sld xmlns:a="http://schemas.openxmlformats.org/drawingml/2006/main" xmlns:r="http://schemas.openxmlformats.org/officeDocument/2006/relationships" xmlns:p="http://schemas.openxmlformats.org/presentationml/2006/main">
   <p:cSld>
     <p:spTree>
@@ -6161,7 +5995,7 @@
               <a:t>class file </a:t>
             </a:r>
             <a:r>
-              <a:rPr kumimoji="1" lang="zh-CN" altLang="en-US" dirty="0"/>
+              <a:rPr kumimoji="1" lang="zh-CN" altLang="en-US"/>
               <a:t>格式</a:t>
             </a:r>
           </a:p>
@@ -6191,7 +6025,7 @@
           <a:lstStyle/>
           <a:p>
             <a:r>
-              <a:rPr kumimoji="1" lang="en-US" altLang="zh-CN" dirty="0" err="1"/>
+              <a:rPr kumimoji="1" lang="en-US" altLang="zh-CN" dirty="0"/>
               <a:t>ClassFile</a:t>
             </a:r>
             <a:r>
@@ -6277,7 +6111,7 @@
 </p:sld>
 </file>
 
-<file path=ppt/slides/slide18.xml><?xml version="1.0" encoding="utf-8"?>
+<file path=ppt/slides/slide19.xml><?xml version="1.0" encoding="utf-8"?>
 <p:sld xmlns:a="http://schemas.openxmlformats.org/drawingml/2006/main" xmlns:r="http://schemas.openxmlformats.org/officeDocument/2006/relationships" xmlns:p="http://schemas.openxmlformats.org/presentationml/2006/main">
   <p:cSld>
     <p:spTree>
@@ -6317,7 +6151,7 @@
           <a:p>
             <a:pPr algn="ctr"/>
             <a:r>
-              <a:rPr kumimoji="1" lang="en-US" altLang="zh-CN" dirty="0" err="1"/>
+              <a:rPr kumimoji="1" lang="en-US" altLang="zh-CN" dirty="0"/>
               <a:t>ClassFile</a:t>
             </a:r>
             <a:r>
@@ -6356,12 +6190,8 @@
           <a:lstStyle/>
           <a:p>
             <a:r>
-              <a:rPr kumimoji="1" lang="en-US" altLang="zh-CN" dirty="0" err="1"/>
-              <a:t>ClassFile</a:t>
-            </a:r>
-            <a:r>
               <a:rPr kumimoji="1" lang="en-US" altLang="zh-CN" dirty="0"/>
-              <a:t> {</a:t>
+              <a:t>ClassFile {</a:t>
             </a:r>
           </a:p>
           <a:p>
@@ -6373,243 +6203,91 @@
           <a:p>
             <a:r>
               <a:rPr kumimoji="1" lang="en-US" altLang="zh-CN" dirty="0"/>
-              <a:t>    u2                 </a:t>
-            </a:r>
-            <a:r>
-              <a:rPr kumimoji="1" lang="en-US" altLang="zh-CN" dirty="0" err="1"/>
-              <a:t>minor_version</a:t>
-            </a:r>
+              <a:t>    u2                 minor_version;</a:t>
+            </a:r>
+          </a:p>
+          <a:p>
             <a:r>
               <a:rPr kumimoji="1" lang="en-US" altLang="zh-CN" dirty="0"/>
-              <a:t>;</a:t>
+              <a:t>    u2                 major_version;</a:t>
             </a:r>
           </a:p>
           <a:p>
             <a:r>
               <a:rPr kumimoji="1" lang="en-US" altLang="zh-CN" dirty="0"/>
-              <a:t>    u2                 </a:t>
-            </a:r>
-            <a:r>
-              <a:rPr kumimoji="1" lang="en-US" altLang="zh-CN" dirty="0" err="1"/>
-              <a:t>major_version</a:t>
-            </a:r>
+              <a:t>    u2                 constant_pool_count;</a:t>
+            </a:r>
+          </a:p>
+          <a:p>
             <a:r>
               <a:rPr kumimoji="1" lang="en-US" altLang="zh-CN" dirty="0"/>
-              <a:t>;</a:t>
+              <a:t>    cp_info          constant_pool[constant_pool_count-1];</a:t>
             </a:r>
           </a:p>
           <a:p>
             <a:r>
               <a:rPr kumimoji="1" lang="en-US" altLang="zh-CN" dirty="0"/>
-              <a:t>    u2                 </a:t>
-            </a:r>
-            <a:r>
-              <a:rPr kumimoji="1" lang="en-US" altLang="zh-CN" dirty="0" err="1"/>
-              <a:t>constant_pool_count</a:t>
-            </a:r>
+              <a:t>    u2                 access_flags;</a:t>
+            </a:r>
+          </a:p>
+          <a:p>
             <a:r>
               <a:rPr kumimoji="1" lang="en-US" altLang="zh-CN" dirty="0"/>
-              <a:t>;</a:t>
+              <a:t>    u2                 this_class;</a:t>
             </a:r>
           </a:p>
           <a:p>
             <a:r>
               <a:rPr kumimoji="1" lang="en-US" altLang="zh-CN" dirty="0"/>
-              <a:t>    </a:t>
-            </a:r>
-            <a:r>
-              <a:rPr kumimoji="1" lang="en-US" altLang="zh-CN" dirty="0" err="1"/>
-              <a:t>cp_info</a:t>
-            </a:r>
+              <a:t>    u2                 super_class;</a:t>
+            </a:r>
+          </a:p>
+          <a:p>
             <a:r>
               <a:rPr kumimoji="1" lang="en-US" altLang="zh-CN" dirty="0"/>
-              <a:t>          </a:t>
-            </a:r>
-            <a:r>
-              <a:rPr kumimoji="1" lang="en-US" altLang="zh-CN" dirty="0" err="1"/>
-              <a:t>constant_pool</a:t>
-            </a:r>
+              <a:t>    u2                 interfaces_count;</a:t>
+            </a:r>
+          </a:p>
+          <a:p>
             <a:r>
               <a:rPr kumimoji="1" lang="en-US" altLang="zh-CN" dirty="0"/>
-              <a:t>[constant_pool_count-1];</a:t>
+              <a:t>    u2                 interfaces[interfaces_count];</a:t>
             </a:r>
           </a:p>
           <a:p>
             <a:r>
               <a:rPr kumimoji="1" lang="en-US" altLang="zh-CN" dirty="0"/>
-              <a:t>    u2                 </a:t>
-            </a:r>
-            <a:r>
-              <a:rPr kumimoji="1" lang="en-US" altLang="zh-CN" dirty="0" err="1"/>
-              <a:t>access_flags</a:t>
-            </a:r>
+              <a:t>    u2                 fields_count;</a:t>
+            </a:r>
+          </a:p>
+          <a:p>
             <a:r>
               <a:rPr kumimoji="1" lang="en-US" altLang="zh-CN" dirty="0"/>
-              <a:t>;</a:t>
+              <a:t>    field_info       fields[fields_count];</a:t>
             </a:r>
           </a:p>
           <a:p>
             <a:r>
               <a:rPr kumimoji="1" lang="en-US" altLang="zh-CN" dirty="0"/>
-              <a:t>    u2                 </a:t>
-            </a:r>
-            <a:r>
-              <a:rPr kumimoji="1" lang="en-US" altLang="zh-CN" dirty="0" err="1"/>
-              <a:t>this_class</a:t>
-            </a:r>
+              <a:t>    u2                 methods_count;</a:t>
+            </a:r>
+          </a:p>
+          <a:p>
             <a:r>
               <a:rPr kumimoji="1" lang="en-US" altLang="zh-CN" dirty="0"/>
-              <a:t>;</a:t>
+              <a:t>    method_info        methods[methods_count];</a:t>
             </a:r>
           </a:p>
           <a:p>
             <a:r>
               <a:rPr kumimoji="1" lang="en-US" altLang="zh-CN" dirty="0"/>
-              <a:t>    u2                 </a:t>
-            </a:r>
-            <a:r>
-              <a:rPr kumimoji="1" lang="en-US" altLang="zh-CN" dirty="0" err="1"/>
-              <a:t>super_class</a:t>
-            </a:r>
+              <a:t>    u2                 attributes_count;</a:t>
+            </a:r>
+          </a:p>
+          <a:p>
             <a:r>
               <a:rPr kumimoji="1" lang="en-US" altLang="zh-CN" dirty="0"/>
-              <a:t>;</a:t>
-            </a:r>
-          </a:p>
-          <a:p>
-            <a:r>
-              <a:rPr kumimoji="1" lang="en-US" altLang="zh-CN" dirty="0"/>
-              <a:t>    u2                 </a:t>
-            </a:r>
-            <a:r>
-              <a:rPr kumimoji="1" lang="en-US" altLang="zh-CN" dirty="0" err="1"/>
-              <a:t>interfaces_count</a:t>
-            </a:r>
-            <a:r>
-              <a:rPr kumimoji="1" lang="en-US" altLang="zh-CN" dirty="0"/>
-              <a:t>;</a:t>
-            </a:r>
-          </a:p>
-          <a:p>
-            <a:r>
-              <a:rPr kumimoji="1" lang="en-US" altLang="zh-CN" dirty="0"/>
-              <a:t>    u2                 interfaces[</a:t>
-            </a:r>
-            <a:r>
-              <a:rPr kumimoji="1" lang="en-US" altLang="zh-CN" dirty="0" err="1"/>
-              <a:t>interfaces_count</a:t>
-            </a:r>
-            <a:r>
-              <a:rPr kumimoji="1" lang="en-US" altLang="zh-CN" dirty="0"/>
-              <a:t>];</a:t>
-            </a:r>
-          </a:p>
-          <a:p>
-            <a:r>
-              <a:rPr kumimoji="1" lang="en-US" altLang="zh-CN" dirty="0"/>
-              <a:t>    u2                 </a:t>
-            </a:r>
-            <a:r>
-              <a:rPr kumimoji="1" lang="en-US" altLang="zh-CN" dirty="0" err="1"/>
-              <a:t>fields_count</a:t>
-            </a:r>
-            <a:r>
-              <a:rPr kumimoji="1" lang="en-US" altLang="zh-CN" dirty="0"/>
-              <a:t>;</a:t>
-            </a:r>
-          </a:p>
-          <a:p>
-            <a:r>
-              <a:rPr kumimoji="1" lang="en-US" altLang="zh-CN" dirty="0"/>
-              <a:t>    </a:t>
-            </a:r>
-            <a:r>
-              <a:rPr kumimoji="1" lang="en-US" altLang="zh-CN" dirty="0" err="1"/>
-              <a:t>field_info</a:t>
-            </a:r>
-            <a:r>
-              <a:rPr kumimoji="1" lang="en-US" altLang="zh-CN" dirty="0"/>
-              <a:t>       fields[</a:t>
-            </a:r>
-            <a:r>
-              <a:rPr kumimoji="1" lang="en-US" altLang="zh-CN" dirty="0" err="1"/>
-              <a:t>fields_count</a:t>
-            </a:r>
-            <a:r>
-              <a:rPr kumimoji="1" lang="en-US" altLang="zh-CN" dirty="0"/>
-              <a:t>];</a:t>
-            </a:r>
-          </a:p>
-          <a:p>
-            <a:r>
-              <a:rPr kumimoji="1" lang="en-US" altLang="zh-CN" dirty="0"/>
-              <a:t>    u2                 </a:t>
-            </a:r>
-            <a:r>
-              <a:rPr kumimoji="1" lang="en-US" altLang="zh-CN" dirty="0" err="1"/>
-              <a:t>methods_count</a:t>
-            </a:r>
-            <a:r>
-              <a:rPr kumimoji="1" lang="en-US" altLang="zh-CN" dirty="0"/>
-              <a:t>;</a:t>
-            </a:r>
-          </a:p>
-          <a:p>
-            <a:r>
-              <a:rPr kumimoji="1" lang="en-US" altLang="zh-CN" dirty="0"/>
-              <a:t>    </a:t>
-            </a:r>
-            <a:r>
-              <a:rPr kumimoji="1" lang="en-US" altLang="zh-CN" dirty="0" err="1"/>
-              <a:t>method_info</a:t>
-            </a:r>
-            <a:r>
-              <a:rPr kumimoji="1" lang="en-US" altLang="zh-CN" dirty="0"/>
-              <a:t>        methods[</a:t>
-            </a:r>
-            <a:r>
-              <a:rPr kumimoji="1" lang="en-US" altLang="zh-CN" dirty="0" err="1"/>
-              <a:t>methods_count</a:t>
-            </a:r>
-            <a:r>
-              <a:rPr kumimoji="1" lang="en-US" altLang="zh-CN" dirty="0"/>
-              <a:t>];</a:t>
-            </a:r>
-          </a:p>
-          <a:p>
-            <a:r>
-              <a:rPr kumimoji="1" lang="en-US" altLang="zh-CN" dirty="0"/>
-              <a:t>    u2                 </a:t>
-            </a:r>
-            <a:r>
-              <a:rPr kumimoji="1" lang="en-US" altLang="zh-CN" dirty="0" err="1"/>
-              <a:t>attributes_count</a:t>
-            </a:r>
-            <a:r>
-              <a:rPr kumimoji="1" lang="en-US" altLang="zh-CN" dirty="0"/>
-              <a:t>;</a:t>
-            </a:r>
-          </a:p>
-          <a:p>
-            <a:r>
-              <a:rPr kumimoji="1" lang="en-US" altLang="zh-CN" dirty="0"/>
-              <a:t>    </a:t>
-            </a:r>
-            <a:r>
-              <a:rPr kumimoji="1" lang="en-US" altLang="zh-CN" dirty="0" err="1"/>
-              <a:t>attribute_info</a:t>
-            </a:r>
-            <a:r>
-              <a:rPr kumimoji="1" lang="en-US" altLang="zh-CN" dirty="0"/>
-              <a:t>     attributes[</a:t>
-            </a:r>
-            <a:r>
-              <a:rPr kumimoji="1" lang="en-US" altLang="zh-CN" dirty="0" err="1"/>
-              <a:t>attributes_count</a:t>
-            </a:r>
-            <a:r>
-              <a:rPr kumimoji="1" lang="en-US" altLang="zh-CN" dirty="0"/>
-              <a:t>];</a:t>
+              <a:t>    attribute_info     attributes[attributes_count];</a:t>
             </a:r>
           </a:p>
           <a:p>
@@ -6625,104 +6303,6 @@
     <p:extLst>
       <p:ext uri="{BB962C8B-B14F-4D97-AF65-F5344CB8AC3E}">
         <p14:creationId xmlns:p14="http://schemas.microsoft.com/office/powerpoint/2010/main" val="3930191956"/>
-      </p:ext>
-    </p:extLst>
-  </p:cSld>
-  <p:clrMapOvr>
-    <a:masterClrMapping/>
-  </p:clrMapOvr>
-</p:sld>
-</file>
-
-<file path=ppt/slides/slide19.xml><?xml version="1.0" encoding="utf-8"?>
-<p:sld xmlns:a="http://schemas.openxmlformats.org/drawingml/2006/main" xmlns:r="http://schemas.openxmlformats.org/officeDocument/2006/relationships" xmlns:p="http://schemas.openxmlformats.org/presentationml/2006/main">
-  <p:cSld>
-    <p:spTree>
-      <p:nvGrpSpPr>
-        <p:cNvPr id="1" name=""/>
-        <p:cNvGrpSpPr/>
-        <p:nvPr/>
-      </p:nvGrpSpPr>
-      <p:grpSpPr>
-        <a:xfrm>
-          <a:off x="0" y="0"/>
-          <a:ext cx="0" cy="0"/>
-          <a:chOff x="0" y="0"/>
-          <a:chExt cx="0" cy="0"/>
-        </a:xfrm>
-      </p:grpSpPr>
-      <p:sp>
-        <p:nvSpPr>
-          <p:cNvPr id="2" name="标题 1">
-            <a:extLst>
-              <a:ext uri="{FF2B5EF4-FFF2-40B4-BE49-F238E27FC236}">
-                <a16:creationId xmlns:a16="http://schemas.microsoft.com/office/drawing/2014/main" id="{6E5AB74D-4686-804F-B2F8-5D612C80747D}"/>
-              </a:ext>
-            </a:extLst>
-          </p:cNvPr>
-          <p:cNvSpPr>
-            <a:spLocks noGrp="1"/>
-          </p:cNvSpPr>
-          <p:nvPr>
-            <p:ph type="title"/>
-          </p:nvPr>
-        </p:nvSpPr>
-        <p:spPr/>
-        <p:txBody>
-          <a:bodyPr/>
-          <a:lstStyle/>
-          <a:p>
-            <a:r>
-              <a:rPr kumimoji="1" lang="en-US" altLang="zh-CN" dirty="0"/>
-              <a:t>class</a:t>
-            </a:r>
-            <a:r>
-              <a:rPr kumimoji="1" lang="zh-CN" altLang="en-US" dirty="0"/>
-              <a:t>文件示例</a:t>
-            </a:r>
-          </a:p>
-        </p:txBody>
-      </p:sp>
-      <p:sp>
-        <p:nvSpPr>
-          <p:cNvPr id="3" name="内容占位符 2">
-            <a:extLst>
-              <a:ext uri="{FF2B5EF4-FFF2-40B4-BE49-F238E27FC236}">
-                <a16:creationId xmlns:a16="http://schemas.microsoft.com/office/drawing/2014/main" id="{13D22A40-26F0-FD47-9FE2-74323A0FEC0D}"/>
-              </a:ext>
-            </a:extLst>
-          </p:cNvPr>
-          <p:cNvSpPr>
-            <a:spLocks noGrp="1"/>
-          </p:cNvSpPr>
-          <p:nvPr>
-            <p:ph idx="1"/>
-          </p:nvPr>
-        </p:nvSpPr>
-        <p:spPr/>
-        <p:txBody>
-          <a:bodyPr/>
-          <a:lstStyle/>
-          <a:p>
-            <a:r>
-              <a:rPr kumimoji="1" lang="en-US" altLang="zh-CN" dirty="0" err="1"/>
-              <a:t>javap</a:t>
-            </a:r>
-            <a:endParaRPr kumimoji="1" lang="en-US" altLang="zh-CN" dirty="0"/>
-          </a:p>
-          <a:p>
-            <a:r>
-              <a:rPr kumimoji="1" lang="en-US" altLang="zh-CN" dirty="0"/>
-              <a:t>hex</a:t>
-            </a:r>
-            <a:endParaRPr kumimoji="1" lang="zh-CN" altLang="en-US" dirty="0"/>
-          </a:p>
-        </p:txBody>
-      </p:sp>
-    </p:spTree>
-    <p:extLst>
-      <p:ext uri="{BB962C8B-B14F-4D97-AF65-F5344CB8AC3E}">
-        <p14:creationId xmlns:p14="http://schemas.microsoft.com/office/powerpoint/2010/main" val="2799529522"/>
       </p:ext>
     </p:extLst>
   </p:cSld>
@@ -6810,7 +6390,7 @@
               <a:t>Hotspot JVM </a:t>
             </a:r>
             <a:r>
-              <a:rPr kumimoji="1" lang="zh-CN" altLang="en-US" dirty="0"/>
+              <a:rPr kumimoji="1" lang="zh-CN" altLang="en-US"/>
               <a:t>架构</a:t>
             </a:r>
           </a:p>
@@ -6830,6 +6410,1421 @@
 </file>
 
 <file path=ppt/slides/slide20.xml><?xml version="1.0" encoding="utf-8"?>
+<p:sld xmlns:a="http://schemas.openxmlformats.org/drawingml/2006/main" xmlns:r="http://schemas.openxmlformats.org/officeDocument/2006/relationships" xmlns:p="http://schemas.openxmlformats.org/presentationml/2006/main">
+  <p:cSld>
+    <p:spTree>
+      <p:nvGrpSpPr>
+        <p:cNvPr id="1" name=""/>
+        <p:cNvGrpSpPr/>
+        <p:nvPr/>
+      </p:nvGrpSpPr>
+      <p:grpSpPr>
+        <a:xfrm>
+          <a:off x="0" y="0"/>
+          <a:ext cx="0" cy="0"/>
+          <a:chOff x="0" y="0"/>
+          <a:chExt cx="0" cy="0"/>
+        </a:xfrm>
+      </p:grpSpPr>
+      <p:sp>
+        <p:nvSpPr>
+          <p:cNvPr id="2" name="标题 1">
+            <a:extLst>
+              <a:ext uri="{FF2B5EF4-FFF2-40B4-BE49-F238E27FC236}">
+                <a16:creationId xmlns:a16="http://schemas.microsoft.com/office/drawing/2014/main" id="{6E5AB74D-4686-804F-B2F8-5D612C80747D}"/>
+              </a:ext>
+            </a:extLst>
+          </p:cNvPr>
+          <p:cNvSpPr>
+            <a:spLocks noGrp="1"/>
+          </p:cNvSpPr>
+          <p:nvPr>
+            <p:ph type="title"/>
+          </p:nvPr>
+        </p:nvSpPr>
+        <p:spPr/>
+        <p:txBody>
+          <a:bodyPr/>
+          <a:lstStyle/>
+          <a:p>
+            <a:r>
+              <a:rPr kumimoji="1" lang="en-US" altLang="zh-CN" dirty="0"/>
+              <a:t>class</a:t>
+            </a:r>
+            <a:r>
+              <a:rPr kumimoji="1" lang="zh-CN" altLang="en-US"/>
+              <a:t>文件示例</a:t>
+            </a:r>
+          </a:p>
+        </p:txBody>
+      </p:sp>
+      <p:sp>
+        <p:nvSpPr>
+          <p:cNvPr id="3" name="内容占位符 2">
+            <a:extLst>
+              <a:ext uri="{FF2B5EF4-FFF2-40B4-BE49-F238E27FC236}">
+                <a16:creationId xmlns:a16="http://schemas.microsoft.com/office/drawing/2014/main" id="{13D22A40-26F0-FD47-9FE2-74323A0FEC0D}"/>
+              </a:ext>
+            </a:extLst>
+          </p:cNvPr>
+          <p:cNvSpPr>
+            <a:spLocks noGrp="1"/>
+          </p:cNvSpPr>
+          <p:nvPr>
+            <p:ph idx="1"/>
+          </p:nvPr>
+        </p:nvSpPr>
+        <p:spPr/>
+        <p:txBody>
+          <a:bodyPr/>
+          <a:lstStyle/>
+          <a:p>
+            <a:r>
+              <a:rPr kumimoji="1" lang="en-US" altLang="zh-CN" dirty="0"/>
+              <a:t>javap</a:t>
+            </a:r>
+          </a:p>
+          <a:p>
+            <a:r>
+              <a:rPr kumimoji="1" lang="en-US" altLang="zh-CN" dirty="0"/>
+              <a:t>hex</a:t>
+            </a:r>
+            <a:endParaRPr kumimoji="1" lang="zh-CN" altLang="en-US" dirty="0"/>
+          </a:p>
+        </p:txBody>
+      </p:sp>
+      <p:graphicFrame>
+        <p:nvGraphicFramePr>
+          <p:cNvPr id="4" name="表格 3">
+            <a:extLst>
+              <a:ext uri="{FF2B5EF4-FFF2-40B4-BE49-F238E27FC236}">
+                <a16:creationId xmlns:a16="http://schemas.microsoft.com/office/drawing/2014/main" id="{DDF0AE23-7FC4-CA49-AB15-1E0D6C44726D}"/>
+              </a:ext>
+            </a:extLst>
+          </p:cNvPr>
+          <p:cNvGraphicFramePr>
+            <a:graphicFrameLocks noGrp="1"/>
+          </p:cNvGraphicFramePr>
+          <p:nvPr>
+            <p:extLst>
+              <p:ext uri="{D42A27DB-BD31-4B8C-83A1-F6EECF244321}">
+                <p14:modId xmlns:p14="http://schemas.microsoft.com/office/powerpoint/2010/main" val="2435647748"/>
+              </p:ext>
+            </p:extLst>
+          </p:nvPr>
+        </p:nvGraphicFramePr>
+        <p:xfrm>
+          <a:off x="5014686" y="1027906"/>
+          <a:ext cx="6339114" cy="5582920"/>
+        </p:xfrm>
+        <a:graphic>
+          <a:graphicData uri="http://schemas.openxmlformats.org/drawingml/2006/table">
+            <a:tbl>
+              <a:tblPr firstRow="1" bandRow="1">
+                <a:tableStyleId>{5C22544A-7EE6-4342-B048-85BDC9FD1C3A}</a:tableStyleId>
+              </a:tblPr>
+              <a:tblGrid>
+                <a:gridCol w="6339114">
+                  <a:extLst>
+                    <a:ext uri="{9D8B030D-6E8A-4147-A177-3AD203B41FA5}">
+                      <a16:colId xmlns:a16="http://schemas.microsoft.com/office/drawing/2014/main" val="2477226662"/>
+                    </a:ext>
+                  </a:extLst>
+                </a:gridCol>
+              </a:tblGrid>
+              <a:tr h="370840">
+                <a:tc>
+                  <a:txBody>
+                    <a:bodyPr/>
+                    <a:lstStyle/>
+                    <a:p>
+                      <a:pPr marL="0" marR="0" lvl="0" indent="0" algn="l" defTabSz="914400" rtl="0" eaLnBrk="1" fontAlgn="auto" latinLnBrk="0" hangingPunct="1">
+                        <a:lnSpc>
+                          <a:spcPct val="100000"/>
+                        </a:lnSpc>
+                        <a:spcBef>
+                          <a:spcPts val="0"/>
+                        </a:spcBef>
+                        <a:spcAft>
+                          <a:spcPts val="0"/>
+                        </a:spcAft>
+                        <a:buClrTx/>
+                        <a:buSzTx/>
+                        <a:buFontTx/>
+                        <a:buNone/>
+                        <a:tabLst/>
+                        <a:defRPr/>
+                      </a:pPr>
+                      <a:r>
+                        <a:rPr lang="en-US" altLang="zh-CN" sz="1800" b="1" kern="1200" dirty="0">
+                          <a:solidFill>
+                            <a:schemeClr val="lt1"/>
+                          </a:solidFill>
+                          <a:effectLst/>
+                          <a:latin typeface="+mn-lt"/>
+                          <a:ea typeface="+mn-ea"/>
+                          <a:cs typeface="+mn-cs"/>
+                        </a:rPr>
+                        <a:t>javap -c -l com/hb/HelloWorld</a:t>
+                      </a:r>
+                    </a:p>
+                  </a:txBody>
+                  <a:tcPr/>
+                </a:tc>
+                <a:extLst>
+                  <a:ext uri="{0D108BD9-81ED-4DB2-BD59-A6C34878D82A}">
+                    <a16:rowId xmlns:a16="http://schemas.microsoft.com/office/drawing/2014/main" val="2637056568"/>
+                  </a:ext>
+                </a:extLst>
+              </a:tr>
+              <a:tr h="370840">
+                <a:tc>
+                  <a:txBody>
+                    <a:bodyPr/>
+                    <a:lstStyle/>
+                    <a:p>
+                      <a:r>
+                        <a:rPr lang="en-US" altLang="zh-CN" sz="1200" kern="1200" dirty="0">
+                          <a:solidFill>
+                            <a:schemeClr val="dk1"/>
+                          </a:solidFill>
+                          <a:effectLst/>
+                          <a:latin typeface="+mn-lt"/>
+                          <a:ea typeface="+mn-ea"/>
+                          <a:cs typeface="+mn-cs"/>
+                        </a:rPr>
+                        <a:t>Compiled from "HelloWorld.java"</a:t>
+                      </a:r>
+                    </a:p>
+                    <a:p>
+                      <a:r>
+                        <a:rPr lang="en-US" altLang="zh-CN" sz="1200" kern="1200" dirty="0">
+                          <a:solidFill>
+                            <a:schemeClr val="dk1"/>
+                          </a:solidFill>
+                          <a:effectLst/>
+                          <a:latin typeface="+mn-lt"/>
+                          <a:ea typeface="+mn-ea"/>
+                          <a:cs typeface="+mn-cs"/>
+                        </a:rPr>
+                        <a:t>public class com.hb.HelloWorld {</a:t>
+                      </a:r>
+                    </a:p>
+                    <a:p>
+                      <a:r>
+                        <a:rPr lang="en-US" altLang="zh-CN" sz="1200" kern="1200" dirty="0">
+                          <a:solidFill>
+                            <a:schemeClr val="dk1"/>
+                          </a:solidFill>
+                          <a:effectLst/>
+                          <a:latin typeface="+mn-lt"/>
+                          <a:ea typeface="+mn-ea"/>
+                          <a:cs typeface="+mn-cs"/>
+                        </a:rPr>
+                        <a:t>  public com.hb.HelloWorld();</a:t>
+                      </a:r>
+                    </a:p>
+                    <a:p>
+                      <a:r>
+                        <a:rPr lang="en-US" altLang="zh-CN" sz="1200" kern="1200" dirty="0">
+                          <a:solidFill>
+                            <a:schemeClr val="dk1"/>
+                          </a:solidFill>
+                          <a:effectLst/>
+                          <a:latin typeface="+mn-lt"/>
+                          <a:ea typeface="+mn-ea"/>
+                          <a:cs typeface="+mn-cs"/>
+                        </a:rPr>
+                        <a:t>    Code:</a:t>
+                      </a:r>
+                    </a:p>
+                    <a:p>
+                      <a:r>
+                        <a:rPr lang="en-US" altLang="zh-CN" sz="1200" kern="1200" dirty="0">
+                          <a:solidFill>
+                            <a:schemeClr val="dk1"/>
+                          </a:solidFill>
+                          <a:effectLst/>
+                          <a:latin typeface="+mn-lt"/>
+                          <a:ea typeface="+mn-ea"/>
+                          <a:cs typeface="+mn-cs"/>
+                        </a:rPr>
+                        <a:t>       0: aload_0</a:t>
+                      </a:r>
+                    </a:p>
+                    <a:p>
+                      <a:r>
+                        <a:rPr lang="en-US" altLang="zh-CN" sz="1200" kern="1200" dirty="0">
+                          <a:solidFill>
+                            <a:schemeClr val="dk1"/>
+                          </a:solidFill>
+                          <a:effectLst/>
+                          <a:latin typeface="+mn-lt"/>
+                          <a:ea typeface="+mn-ea"/>
+                          <a:cs typeface="+mn-cs"/>
+                        </a:rPr>
+                        <a:t>       1: invokespecial #1                  // Method java/lang/Object."&lt;init&gt;":()V</a:t>
+                      </a:r>
+                    </a:p>
+                    <a:p>
+                      <a:r>
+                        <a:rPr lang="en-US" altLang="zh-CN" sz="1200" kern="1200" dirty="0">
+                          <a:solidFill>
+                            <a:schemeClr val="dk1"/>
+                          </a:solidFill>
+                          <a:effectLst/>
+                          <a:latin typeface="+mn-lt"/>
+                          <a:ea typeface="+mn-ea"/>
+                          <a:cs typeface="+mn-cs"/>
+                        </a:rPr>
+                        <a:t>       4: return</a:t>
+                      </a:r>
+                    </a:p>
+                    <a:p>
+                      <a:r>
+                        <a:rPr lang="en-US" altLang="zh-CN" sz="1200" kern="1200" dirty="0">
+                          <a:solidFill>
+                            <a:schemeClr val="dk1"/>
+                          </a:solidFill>
+                          <a:effectLst/>
+                          <a:latin typeface="+mn-lt"/>
+                          <a:ea typeface="+mn-ea"/>
+                          <a:cs typeface="+mn-cs"/>
+                        </a:rPr>
+                        <a:t>    LineNumberTable:</a:t>
+                      </a:r>
+                    </a:p>
+                    <a:p>
+                      <a:r>
+                        <a:rPr lang="en-US" altLang="zh-CN" sz="1200" kern="1200" dirty="0">
+                          <a:solidFill>
+                            <a:schemeClr val="dk1"/>
+                          </a:solidFill>
+                          <a:effectLst/>
+                          <a:latin typeface="+mn-lt"/>
+                          <a:ea typeface="+mn-ea"/>
+                          <a:cs typeface="+mn-cs"/>
+                        </a:rPr>
+                        <a:t>      line 4: 0</a:t>
+                      </a:r>
+                    </a:p>
+                    <a:p>
+                      <a:r>
+                        <a:rPr lang="en-US" altLang="zh-CN" sz="1200" kern="1200" dirty="0">
+                          <a:solidFill>
+                            <a:schemeClr val="dk1"/>
+                          </a:solidFill>
+                          <a:effectLst/>
+                          <a:latin typeface="+mn-lt"/>
+                          <a:ea typeface="+mn-ea"/>
+                          <a:cs typeface="+mn-cs"/>
+                        </a:rPr>
+                        <a:t>    LocalVariableTable:</a:t>
+                      </a:r>
+                    </a:p>
+                    <a:p>
+                      <a:r>
+                        <a:rPr lang="en-US" altLang="zh-CN" sz="1200" kern="1200" dirty="0">
+                          <a:solidFill>
+                            <a:schemeClr val="dk1"/>
+                          </a:solidFill>
+                          <a:effectLst/>
+                          <a:latin typeface="+mn-lt"/>
+                          <a:ea typeface="+mn-ea"/>
+                          <a:cs typeface="+mn-cs"/>
+                        </a:rPr>
+                        <a:t>      Start  Length  Slot  Name   Signature</a:t>
+                      </a:r>
+                    </a:p>
+                    <a:p>
+                      <a:r>
+                        <a:rPr lang="en-US" altLang="zh-CN" sz="1200" kern="1200" dirty="0">
+                          <a:solidFill>
+                            <a:schemeClr val="dk1"/>
+                          </a:solidFill>
+                          <a:effectLst/>
+                          <a:latin typeface="+mn-lt"/>
+                          <a:ea typeface="+mn-ea"/>
+                          <a:cs typeface="+mn-cs"/>
+                        </a:rPr>
+                        <a:t>          0       5     0  this   Lcom/hb/HelloWorld;</a:t>
+                      </a:r>
+                    </a:p>
+                    <a:p>
+                      <a:br>
+                        <a:rPr lang="en-US" altLang="zh-CN" sz="1200" kern="1200" dirty="0">
+                          <a:solidFill>
+                            <a:schemeClr val="dk1"/>
+                          </a:solidFill>
+                          <a:effectLst/>
+                          <a:latin typeface="+mn-lt"/>
+                          <a:ea typeface="+mn-ea"/>
+                          <a:cs typeface="+mn-cs"/>
+                        </a:rPr>
+                      </a:br>
+                      <a:endParaRPr lang="en-US" altLang="zh-CN" sz="1200" kern="1200" dirty="0">
+                        <a:solidFill>
+                          <a:schemeClr val="dk1"/>
+                        </a:solidFill>
+                        <a:effectLst/>
+                        <a:latin typeface="+mn-lt"/>
+                        <a:ea typeface="+mn-ea"/>
+                        <a:cs typeface="+mn-cs"/>
+                      </a:endParaRPr>
+                    </a:p>
+                    <a:p>
+                      <a:r>
+                        <a:rPr lang="en-US" altLang="zh-CN" sz="1200" kern="1200" dirty="0">
+                          <a:solidFill>
+                            <a:schemeClr val="dk1"/>
+                          </a:solidFill>
+                          <a:effectLst/>
+                          <a:latin typeface="+mn-lt"/>
+                          <a:ea typeface="+mn-ea"/>
+                          <a:cs typeface="+mn-cs"/>
+                        </a:rPr>
+                        <a:t>  public void sayHello();</a:t>
+                      </a:r>
+                    </a:p>
+                    <a:p>
+                      <a:r>
+                        <a:rPr lang="en-US" altLang="zh-CN" sz="1200" kern="1200" dirty="0">
+                          <a:solidFill>
+                            <a:schemeClr val="dk1"/>
+                          </a:solidFill>
+                          <a:effectLst/>
+                          <a:latin typeface="+mn-lt"/>
+                          <a:ea typeface="+mn-ea"/>
+                          <a:cs typeface="+mn-cs"/>
+                        </a:rPr>
+                        <a:t>    Code:</a:t>
+                      </a:r>
+                    </a:p>
+                    <a:p>
+                      <a:r>
+                        <a:rPr lang="en-US" altLang="zh-CN" sz="1200" kern="1200" dirty="0">
+                          <a:solidFill>
+                            <a:schemeClr val="dk1"/>
+                          </a:solidFill>
+                          <a:effectLst/>
+                          <a:latin typeface="+mn-lt"/>
+                          <a:ea typeface="+mn-ea"/>
+                          <a:cs typeface="+mn-cs"/>
+                        </a:rPr>
+                        <a:t>       0: getstatic     #2                     // Field java/lang/System.out:Ljava/io/PrintStream;</a:t>
+                      </a:r>
+                    </a:p>
+                    <a:p>
+                      <a:r>
+                        <a:rPr lang="en-US" altLang="zh-CN" sz="1200" kern="1200" dirty="0">
+                          <a:solidFill>
+                            <a:schemeClr val="dk1"/>
+                          </a:solidFill>
+                          <a:effectLst/>
+                          <a:latin typeface="+mn-lt"/>
+                          <a:ea typeface="+mn-ea"/>
+                          <a:cs typeface="+mn-cs"/>
+                        </a:rPr>
+                        <a:t>       3: ldc           #3                        // String Hello</a:t>
+                      </a:r>
+                    </a:p>
+                    <a:p>
+                      <a:r>
+                        <a:rPr lang="en-US" altLang="zh-CN" sz="1200" kern="1200" dirty="0">
+                          <a:solidFill>
+                            <a:schemeClr val="dk1"/>
+                          </a:solidFill>
+                          <a:effectLst/>
+                          <a:latin typeface="+mn-lt"/>
+                          <a:ea typeface="+mn-ea"/>
+                          <a:cs typeface="+mn-cs"/>
+                        </a:rPr>
+                        <a:t>       5: invokevirtual #4                  // Method java/io/PrintStream.println:(Ljava/lang/String;)V</a:t>
+                      </a:r>
+                    </a:p>
+                    <a:p>
+                      <a:r>
+                        <a:rPr lang="en-US" altLang="zh-CN" sz="1200" kern="1200" dirty="0">
+                          <a:solidFill>
+                            <a:schemeClr val="dk1"/>
+                          </a:solidFill>
+                          <a:effectLst/>
+                          <a:latin typeface="+mn-lt"/>
+                          <a:ea typeface="+mn-ea"/>
+                          <a:cs typeface="+mn-cs"/>
+                        </a:rPr>
+                        <a:t>       8: return</a:t>
+                      </a:r>
+                    </a:p>
+                    <a:p>
+                      <a:r>
+                        <a:rPr lang="en-US" altLang="zh-CN" sz="1200" kern="1200" dirty="0">
+                          <a:solidFill>
+                            <a:schemeClr val="dk1"/>
+                          </a:solidFill>
+                          <a:effectLst/>
+                          <a:latin typeface="+mn-lt"/>
+                          <a:ea typeface="+mn-ea"/>
+                          <a:cs typeface="+mn-cs"/>
+                        </a:rPr>
+                        <a:t>    LineNumberTable:</a:t>
+                      </a:r>
+                    </a:p>
+                    <a:p>
+                      <a:r>
+                        <a:rPr lang="en-US" altLang="zh-CN" sz="1200" kern="1200" dirty="0">
+                          <a:solidFill>
+                            <a:schemeClr val="dk1"/>
+                          </a:solidFill>
+                          <a:effectLst/>
+                          <a:latin typeface="+mn-lt"/>
+                          <a:ea typeface="+mn-ea"/>
+                          <a:cs typeface="+mn-cs"/>
+                        </a:rPr>
+                        <a:t>      line 7: 0</a:t>
+                      </a:r>
+                    </a:p>
+                    <a:p>
+                      <a:r>
+                        <a:rPr lang="en-US" altLang="zh-CN" sz="1200" kern="1200" dirty="0">
+                          <a:solidFill>
+                            <a:schemeClr val="dk1"/>
+                          </a:solidFill>
+                          <a:effectLst/>
+                          <a:latin typeface="+mn-lt"/>
+                          <a:ea typeface="+mn-ea"/>
+                          <a:cs typeface="+mn-cs"/>
+                        </a:rPr>
+                        <a:t>      line 8: 8</a:t>
+                      </a:r>
+                    </a:p>
+                    <a:p>
+                      <a:r>
+                        <a:rPr lang="en-US" altLang="zh-CN" sz="1200" kern="1200" dirty="0">
+                          <a:solidFill>
+                            <a:schemeClr val="dk1"/>
+                          </a:solidFill>
+                          <a:effectLst/>
+                          <a:latin typeface="+mn-lt"/>
+                          <a:ea typeface="+mn-ea"/>
+                          <a:cs typeface="+mn-cs"/>
+                        </a:rPr>
+                        <a:t>    LocalVariableTable:</a:t>
+                      </a:r>
+                    </a:p>
+                    <a:p>
+                      <a:r>
+                        <a:rPr lang="en-US" altLang="zh-CN" sz="1200" kern="1200" dirty="0">
+                          <a:solidFill>
+                            <a:schemeClr val="dk1"/>
+                          </a:solidFill>
+                          <a:effectLst/>
+                          <a:latin typeface="+mn-lt"/>
+                          <a:ea typeface="+mn-ea"/>
+                          <a:cs typeface="+mn-cs"/>
+                        </a:rPr>
+                        <a:t>      Start  Length  Slot  Name   Signature</a:t>
+                      </a:r>
+                    </a:p>
+                    <a:p>
+                      <a:r>
+                        <a:rPr lang="en-US" altLang="zh-CN" sz="1200" kern="1200" dirty="0">
+                          <a:solidFill>
+                            <a:schemeClr val="dk1"/>
+                          </a:solidFill>
+                          <a:effectLst/>
+                          <a:latin typeface="+mn-lt"/>
+                          <a:ea typeface="+mn-ea"/>
+                          <a:cs typeface="+mn-cs"/>
+                        </a:rPr>
+                        <a:t>          0       9     0  this   Lcom/hb/HelloWorld;</a:t>
+                      </a:r>
+                    </a:p>
+                    <a:p>
+                      <a:r>
+                        <a:rPr lang="en-US" altLang="zh-CN" sz="1200" kern="1200" dirty="0">
+                          <a:solidFill>
+                            <a:schemeClr val="dk1"/>
+                          </a:solidFill>
+                          <a:effectLst/>
+                          <a:latin typeface="+mn-lt"/>
+                          <a:ea typeface="+mn-ea"/>
+                          <a:cs typeface="+mn-cs"/>
+                        </a:rPr>
+                        <a:t>}</a:t>
+                      </a:r>
+                    </a:p>
+                    <a:p>
+                      <a:endParaRPr lang="zh-CN" altLang="en-US" sz="1200" dirty="0"/>
+                    </a:p>
+                  </a:txBody>
+                  <a:tcPr/>
+                </a:tc>
+                <a:extLst>
+                  <a:ext uri="{0D108BD9-81ED-4DB2-BD59-A6C34878D82A}">
+                    <a16:rowId xmlns:a16="http://schemas.microsoft.com/office/drawing/2014/main" val="3015355271"/>
+                  </a:ext>
+                </a:extLst>
+              </a:tr>
+            </a:tbl>
+          </a:graphicData>
+        </a:graphic>
+      </p:graphicFrame>
+    </p:spTree>
+    <p:extLst>
+      <p:ext uri="{BB962C8B-B14F-4D97-AF65-F5344CB8AC3E}">
+        <p14:creationId xmlns:p14="http://schemas.microsoft.com/office/powerpoint/2010/main" val="2799529522"/>
+      </p:ext>
+    </p:extLst>
+  </p:cSld>
+  <p:clrMapOvr>
+    <a:masterClrMapping/>
+  </p:clrMapOvr>
+</p:sld>
+</file>
+
+<file path=ppt/slides/slide21.xml><?xml version="1.0" encoding="utf-8"?>
+<p:sld xmlns:a="http://schemas.openxmlformats.org/drawingml/2006/main" xmlns:r="http://schemas.openxmlformats.org/officeDocument/2006/relationships" xmlns:p="http://schemas.openxmlformats.org/presentationml/2006/main">
+  <p:cSld>
+    <p:spTree>
+      <p:nvGrpSpPr>
+        <p:cNvPr id="1" name=""/>
+        <p:cNvGrpSpPr/>
+        <p:nvPr/>
+      </p:nvGrpSpPr>
+      <p:grpSpPr>
+        <a:xfrm>
+          <a:off x="0" y="0"/>
+          <a:ext cx="0" cy="0"/>
+          <a:chOff x="0" y="0"/>
+          <a:chExt cx="0" cy="0"/>
+        </a:xfrm>
+      </p:grpSpPr>
+      <p:graphicFrame>
+        <p:nvGraphicFramePr>
+          <p:cNvPr id="4" name="表格 3">
+            <a:extLst>
+              <a:ext uri="{FF2B5EF4-FFF2-40B4-BE49-F238E27FC236}">
+                <a16:creationId xmlns:a16="http://schemas.microsoft.com/office/drawing/2014/main" id="{AF8BD910-F8AF-9A4D-9F82-C2A636FB150A}"/>
+              </a:ext>
+            </a:extLst>
+          </p:cNvPr>
+          <p:cNvGraphicFramePr>
+            <a:graphicFrameLocks noGrp="1"/>
+          </p:cNvGraphicFramePr>
+          <p:nvPr>
+            <p:extLst>
+              <p:ext uri="{D42A27DB-BD31-4B8C-83A1-F6EECF244321}">
+                <p14:modId xmlns:p14="http://schemas.microsoft.com/office/powerpoint/2010/main" val="3729708050"/>
+              </p:ext>
+            </p:extLst>
+          </p:nvPr>
+        </p:nvGraphicFramePr>
+        <p:xfrm>
+          <a:off x="2151743" y="77409"/>
+          <a:ext cx="5729514" cy="6512560"/>
+        </p:xfrm>
+        <a:graphic>
+          <a:graphicData uri="http://schemas.openxmlformats.org/drawingml/2006/table">
+            <a:tbl>
+              <a:tblPr firstRow="1" bandRow="1">
+                <a:tableStyleId>{5C22544A-7EE6-4342-B048-85BDC9FD1C3A}</a:tableStyleId>
+              </a:tblPr>
+              <a:tblGrid>
+                <a:gridCol w="5729514">
+                  <a:extLst>
+                    <a:ext uri="{9D8B030D-6E8A-4147-A177-3AD203B41FA5}">
+                      <a16:colId xmlns:a16="http://schemas.microsoft.com/office/drawing/2014/main" val="2477625463"/>
+                    </a:ext>
+                  </a:extLst>
+                </a:gridCol>
+              </a:tblGrid>
+              <a:tr h="370840">
+                <a:tc>
+                  <a:txBody>
+                    <a:bodyPr/>
+                    <a:lstStyle/>
+                    <a:p>
+                      <a:pPr marL="0" marR="0" lvl="0" indent="0" algn="l" defTabSz="914400" rtl="0" eaLnBrk="1" fontAlgn="auto" latinLnBrk="0" hangingPunct="1">
+                        <a:lnSpc>
+                          <a:spcPct val="100000"/>
+                        </a:lnSpc>
+                        <a:spcBef>
+                          <a:spcPts val="0"/>
+                        </a:spcBef>
+                        <a:spcAft>
+                          <a:spcPts val="0"/>
+                        </a:spcAft>
+                        <a:buClrTx/>
+                        <a:buSzTx/>
+                        <a:buFontTx/>
+                        <a:buNone/>
+                        <a:tabLst/>
+                        <a:defRPr/>
+                      </a:pPr>
+                      <a:r>
+                        <a:rPr lang="en-US" altLang="zh-CN" sz="1200" b="1" kern="1200" dirty="0">
+                          <a:solidFill>
+                            <a:schemeClr val="lt1"/>
+                          </a:solidFill>
+                          <a:effectLst/>
+                          <a:latin typeface="Songti SC" panose="02010600040101010101" pitchFamily="2" charset="-122"/>
+                          <a:ea typeface="Songti SC" panose="02010600040101010101" pitchFamily="2" charset="-122"/>
+                          <a:cs typeface="+mn-cs"/>
+                        </a:rPr>
+                        <a:t>javap -v -c -l -p com/hb/HelloWorld</a:t>
+                      </a:r>
+                    </a:p>
+                  </a:txBody>
+                  <a:tcPr/>
+                </a:tc>
+                <a:extLst>
+                  <a:ext uri="{0D108BD9-81ED-4DB2-BD59-A6C34878D82A}">
+                    <a16:rowId xmlns:a16="http://schemas.microsoft.com/office/drawing/2014/main" val="1870120088"/>
+                  </a:ext>
+                </a:extLst>
+              </a:tr>
+              <a:tr h="370840">
+                <a:tc>
+                  <a:txBody>
+                    <a:bodyPr/>
+                    <a:lstStyle/>
+                    <a:p>
+                      <a:r>
+                        <a:rPr lang="en-US" altLang="zh-CN" sz="1100" kern="1200" dirty="0">
+                          <a:solidFill>
+                            <a:schemeClr val="dk1"/>
+                          </a:solidFill>
+                          <a:effectLst/>
+                          <a:latin typeface="Songti SC" panose="02010600040101010101" pitchFamily="2" charset="-122"/>
+                          <a:ea typeface="Songti SC" panose="02010600040101010101" pitchFamily="2" charset="-122"/>
+                          <a:cs typeface="+mn-cs"/>
+                        </a:rPr>
+                        <a:t>public class com.hb.HelloWorld</a:t>
+                      </a:r>
+                    </a:p>
+                    <a:p>
+                      <a:r>
+                        <a:rPr lang="en-US" altLang="zh-CN" sz="1100" kern="1200" dirty="0">
+                          <a:solidFill>
+                            <a:schemeClr val="dk1"/>
+                          </a:solidFill>
+                          <a:effectLst/>
+                          <a:latin typeface="Songti SC" panose="02010600040101010101" pitchFamily="2" charset="-122"/>
+                          <a:ea typeface="Songti SC" panose="02010600040101010101" pitchFamily="2" charset="-122"/>
+                          <a:cs typeface="+mn-cs"/>
+                        </a:rPr>
+                        <a:t>  minor version: 0</a:t>
+                      </a:r>
+                    </a:p>
+                    <a:p>
+                      <a:r>
+                        <a:rPr lang="en-US" altLang="zh-CN" sz="1100" kern="1200" dirty="0">
+                          <a:solidFill>
+                            <a:schemeClr val="dk1"/>
+                          </a:solidFill>
+                          <a:effectLst/>
+                          <a:latin typeface="Songti SC" panose="02010600040101010101" pitchFamily="2" charset="-122"/>
+                          <a:ea typeface="Songti SC" panose="02010600040101010101" pitchFamily="2" charset="-122"/>
+                          <a:cs typeface="+mn-cs"/>
+                        </a:rPr>
+                        <a:t>  major version: 52</a:t>
+                      </a:r>
+                    </a:p>
+                    <a:p>
+                      <a:r>
+                        <a:rPr lang="en-US" altLang="zh-CN" sz="1100" kern="1200" dirty="0">
+                          <a:solidFill>
+                            <a:schemeClr val="dk1"/>
+                          </a:solidFill>
+                          <a:effectLst/>
+                          <a:latin typeface="Songti SC" panose="02010600040101010101" pitchFamily="2" charset="-122"/>
+                          <a:ea typeface="Songti SC" panose="02010600040101010101" pitchFamily="2" charset="-122"/>
+                          <a:cs typeface="+mn-cs"/>
+                        </a:rPr>
+                        <a:t>  flags: ACC_PUBLIC, ACC_SUPER</a:t>
+                      </a:r>
+                    </a:p>
+                    <a:p>
+                      <a:r>
+                        <a:rPr lang="en-US" altLang="zh-CN" sz="1100" kern="1200" dirty="0">
+                          <a:solidFill>
+                            <a:schemeClr val="dk1"/>
+                          </a:solidFill>
+                          <a:effectLst/>
+                          <a:latin typeface="Songti SC" panose="02010600040101010101" pitchFamily="2" charset="-122"/>
+                          <a:ea typeface="Songti SC" panose="02010600040101010101" pitchFamily="2" charset="-122"/>
+                          <a:cs typeface="+mn-cs"/>
+                        </a:rPr>
+                        <a:t>Constant pool:</a:t>
+                      </a:r>
+                    </a:p>
+                    <a:p>
+                      <a:r>
+                        <a:rPr lang="en-US" altLang="zh-CN" sz="1100" kern="1200" dirty="0">
+                          <a:solidFill>
+                            <a:schemeClr val="dk1"/>
+                          </a:solidFill>
+                          <a:effectLst/>
+                          <a:latin typeface="Songti SC" panose="02010600040101010101" pitchFamily="2" charset="-122"/>
+                          <a:ea typeface="Songti SC" panose="02010600040101010101" pitchFamily="2" charset="-122"/>
+                          <a:cs typeface="+mn-cs"/>
+                        </a:rPr>
+                        <a:t>   #1 = </a:t>
+                      </a:r>
+                      <a:r>
+                        <a:rPr lang="en-US" altLang="zh-CN" sz="1100" kern="1200" dirty="0" err="1">
+                          <a:solidFill>
+                            <a:schemeClr val="dk1"/>
+                          </a:solidFill>
+                          <a:effectLst/>
+                          <a:latin typeface="Songti SC" panose="02010600040101010101" pitchFamily="2" charset="-122"/>
+                          <a:ea typeface="Songti SC" panose="02010600040101010101" pitchFamily="2" charset="-122"/>
+                          <a:cs typeface="+mn-cs"/>
+                        </a:rPr>
+                        <a:t>Methodref</a:t>
+                      </a:r>
+                      <a:r>
+                        <a:rPr lang="en-US" altLang="zh-CN" sz="1100" kern="1200" dirty="0">
+                          <a:solidFill>
+                            <a:schemeClr val="dk1"/>
+                          </a:solidFill>
+                          <a:effectLst/>
+                          <a:latin typeface="Songti SC" panose="02010600040101010101" pitchFamily="2" charset="-122"/>
+                          <a:ea typeface="Songti SC" panose="02010600040101010101" pitchFamily="2" charset="-122"/>
+                          <a:cs typeface="+mn-cs"/>
+                        </a:rPr>
+                        <a:t>          #6.#17         // java/lang/Object."&lt;init&gt;":()V</a:t>
+                      </a:r>
+                    </a:p>
+                    <a:p>
+                      <a:r>
+                        <a:rPr lang="en-US" altLang="zh-CN" sz="1100" kern="1200" dirty="0">
+                          <a:solidFill>
+                            <a:schemeClr val="dk1"/>
+                          </a:solidFill>
+                          <a:effectLst/>
+                          <a:latin typeface="Songti SC" panose="02010600040101010101" pitchFamily="2" charset="-122"/>
+                          <a:ea typeface="Songti SC" panose="02010600040101010101" pitchFamily="2" charset="-122"/>
+                          <a:cs typeface="+mn-cs"/>
+                        </a:rPr>
+                        <a:t>   #2 = </a:t>
+                      </a:r>
+                      <a:r>
+                        <a:rPr lang="en-US" altLang="zh-CN" sz="1100" kern="1200" dirty="0" err="1">
+                          <a:solidFill>
+                            <a:schemeClr val="dk1"/>
+                          </a:solidFill>
+                          <a:effectLst/>
+                          <a:latin typeface="Songti SC" panose="02010600040101010101" pitchFamily="2" charset="-122"/>
+                          <a:ea typeface="Songti SC" panose="02010600040101010101" pitchFamily="2" charset="-122"/>
+                          <a:cs typeface="+mn-cs"/>
+                        </a:rPr>
+                        <a:t>Fieldref</a:t>
+                      </a:r>
+                      <a:r>
+                        <a:rPr lang="en-US" altLang="zh-CN" sz="1100" kern="1200" dirty="0">
+                          <a:solidFill>
+                            <a:schemeClr val="dk1"/>
+                          </a:solidFill>
+                          <a:effectLst/>
+                          <a:latin typeface="Songti SC" panose="02010600040101010101" pitchFamily="2" charset="-122"/>
+                          <a:ea typeface="Songti SC" panose="02010600040101010101" pitchFamily="2" charset="-122"/>
+                          <a:cs typeface="+mn-cs"/>
+                        </a:rPr>
+                        <a:t>           #18.#19        // java/lang/System.out:Ljava/io/PrintStream;</a:t>
+                      </a:r>
+                    </a:p>
+                    <a:p>
+                      <a:r>
+                        <a:rPr lang="en-US" altLang="zh-CN" sz="1100" kern="1200" dirty="0">
+                          <a:solidFill>
+                            <a:schemeClr val="dk1"/>
+                          </a:solidFill>
+                          <a:effectLst/>
+                          <a:latin typeface="Songti SC" panose="02010600040101010101" pitchFamily="2" charset="-122"/>
+                          <a:ea typeface="Songti SC" panose="02010600040101010101" pitchFamily="2" charset="-122"/>
+                          <a:cs typeface="+mn-cs"/>
+                        </a:rPr>
+                        <a:t>   #3 = String             #20            // Hello</a:t>
+                      </a:r>
+                    </a:p>
+                    <a:p>
+                      <a:r>
+                        <a:rPr lang="en-US" altLang="zh-CN" sz="1100" kern="1200" dirty="0">
+                          <a:solidFill>
+                            <a:schemeClr val="dk1"/>
+                          </a:solidFill>
+                          <a:effectLst/>
+                          <a:latin typeface="Songti SC" panose="02010600040101010101" pitchFamily="2" charset="-122"/>
+                          <a:ea typeface="Songti SC" panose="02010600040101010101" pitchFamily="2" charset="-122"/>
+                          <a:cs typeface="+mn-cs"/>
+                        </a:rPr>
+                        <a:t>   #4 = </a:t>
+                      </a:r>
+                      <a:r>
+                        <a:rPr lang="en-US" altLang="zh-CN" sz="1100" kern="1200" dirty="0" err="1">
+                          <a:solidFill>
+                            <a:schemeClr val="dk1"/>
+                          </a:solidFill>
+                          <a:effectLst/>
+                          <a:latin typeface="Songti SC" panose="02010600040101010101" pitchFamily="2" charset="-122"/>
+                          <a:ea typeface="Songti SC" panose="02010600040101010101" pitchFamily="2" charset="-122"/>
+                          <a:cs typeface="+mn-cs"/>
+                        </a:rPr>
+                        <a:t>Methodref</a:t>
+                      </a:r>
+                      <a:r>
+                        <a:rPr lang="en-US" altLang="zh-CN" sz="1100" kern="1200" dirty="0">
+                          <a:solidFill>
+                            <a:schemeClr val="dk1"/>
+                          </a:solidFill>
+                          <a:effectLst/>
+                          <a:latin typeface="Songti SC" panose="02010600040101010101" pitchFamily="2" charset="-122"/>
+                          <a:ea typeface="Songti SC" panose="02010600040101010101" pitchFamily="2" charset="-122"/>
+                          <a:cs typeface="+mn-cs"/>
+                        </a:rPr>
+                        <a:t>          #21.#22        // java/io/PrintStream.println:(Ljava/lang/String;)V</a:t>
+                      </a:r>
+                    </a:p>
+                    <a:p>
+                      <a:r>
+                        <a:rPr lang="en-US" altLang="zh-CN" sz="1100" kern="1200" dirty="0">
+                          <a:solidFill>
+                            <a:schemeClr val="dk1"/>
+                          </a:solidFill>
+                          <a:effectLst/>
+                          <a:latin typeface="Songti SC" panose="02010600040101010101" pitchFamily="2" charset="-122"/>
+                          <a:ea typeface="Songti SC" panose="02010600040101010101" pitchFamily="2" charset="-122"/>
+                          <a:cs typeface="+mn-cs"/>
+                        </a:rPr>
+                        <a:t>   #5 = Class              #23            // com/hb/HelloWorld</a:t>
+                      </a:r>
+                    </a:p>
+                    <a:p>
+                      <a:r>
+                        <a:rPr lang="en-US" altLang="zh-CN" sz="1100" kern="1200" dirty="0">
+                          <a:solidFill>
+                            <a:schemeClr val="dk1"/>
+                          </a:solidFill>
+                          <a:effectLst/>
+                          <a:latin typeface="Songti SC" panose="02010600040101010101" pitchFamily="2" charset="-122"/>
+                          <a:ea typeface="Songti SC" panose="02010600040101010101" pitchFamily="2" charset="-122"/>
+                          <a:cs typeface="+mn-cs"/>
+                        </a:rPr>
+                        <a:t>   #6 = Class              #24            // java/lang/Object</a:t>
+                      </a:r>
+                    </a:p>
+                    <a:p>
+                      <a:r>
+                        <a:rPr lang="en-US" altLang="zh-CN" sz="1100" kern="1200" dirty="0">
+                          <a:solidFill>
+                            <a:schemeClr val="dk1"/>
+                          </a:solidFill>
+                          <a:effectLst/>
+                          <a:latin typeface="Songti SC" panose="02010600040101010101" pitchFamily="2" charset="-122"/>
+                          <a:ea typeface="Songti SC" panose="02010600040101010101" pitchFamily="2" charset="-122"/>
+                          <a:cs typeface="+mn-cs"/>
+                        </a:rPr>
+                        <a:t>   #7 = Utf8               &lt;init&gt;</a:t>
+                      </a:r>
+                    </a:p>
+                    <a:p>
+                      <a:r>
+                        <a:rPr lang="en-US" altLang="zh-CN" sz="1100" kern="1200" dirty="0">
+                          <a:solidFill>
+                            <a:schemeClr val="dk1"/>
+                          </a:solidFill>
+                          <a:effectLst/>
+                          <a:latin typeface="Songti SC" panose="02010600040101010101" pitchFamily="2" charset="-122"/>
+                          <a:ea typeface="Songti SC" panose="02010600040101010101" pitchFamily="2" charset="-122"/>
+                          <a:cs typeface="+mn-cs"/>
+                        </a:rPr>
+                        <a:t>   #8 = Utf8               ()V</a:t>
+                      </a:r>
+                    </a:p>
+                    <a:p>
+                      <a:r>
+                        <a:rPr lang="en-US" altLang="zh-CN" sz="1100" kern="1200" dirty="0">
+                          <a:solidFill>
+                            <a:schemeClr val="dk1"/>
+                          </a:solidFill>
+                          <a:effectLst/>
+                          <a:latin typeface="Songti SC" panose="02010600040101010101" pitchFamily="2" charset="-122"/>
+                          <a:ea typeface="Songti SC" panose="02010600040101010101" pitchFamily="2" charset="-122"/>
+                          <a:cs typeface="+mn-cs"/>
+                        </a:rPr>
+                        <a:t>   #9 = Utf8               Code</a:t>
+                      </a:r>
+                    </a:p>
+                    <a:p>
+                      <a:r>
+                        <a:rPr lang="en-US" altLang="zh-CN" sz="1100" kern="1200" dirty="0">
+                          <a:solidFill>
+                            <a:schemeClr val="dk1"/>
+                          </a:solidFill>
+                          <a:effectLst/>
+                          <a:latin typeface="Songti SC" panose="02010600040101010101" pitchFamily="2" charset="-122"/>
+                          <a:ea typeface="Songti SC" panose="02010600040101010101" pitchFamily="2" charset="-122"/>
+                          <a:cs typeface="+mn-cs"/>
+                        </a:rPr>
+                        <a:t>  #10 = Utf8               LineNumberTable</a:t>
+                      </a:r>
+                    </a:p>
+                    <a:p>
+                      <a:r>
+                        <a:rPr lang="en-US" altLang="zh-CN" sz="1100" kern="1200" dirty="0">
+                          <a:solidFill>
+                            <a:schemeClr val="dk1"/>
+                          </a:solidFill>
+                          <a:effectLst/>
+                          <a:latin typeface="Songti SC" panose="02010600040101010101" pitchFamily="2" charset="-122"/>
+                          <a:ea typeface="Songti SC" panose="02010600040101010101" pitchFamily="2" charset="-122"/>
+                          <a:cs typeface="+mn-cs"/>
+                        </a:rPr>
+                        <a:t>  #11 = Utf8               LocalVariableTable</a:t>
+                      </a:r>
+                    </a:p>
+                    <a:p>
+                      <a:r>
+                        <a:rPr lang="en-US" altLang="zh-CN" sz="1100" kern="1200" dirty="0">
+                          <a:solidFill>
+                            <a:schemeClr val="dk1"/>
+                          </a:solidFill>
+                          <a:effectLst/>
+                          <a:latin typeface="Songti SC" panose="02010600040101010101" pitchFamily="2" charset="-122"/>
+                          <a:ea typeface="Songti SC" panose="02010600040101010101" pitchFamily="2" charset="-122"/>
+                          <a:cs typeface="+mn-cs"/>
+                        </a:rPr>
+                        <a:t>  #12 = Utf8               this</a:t>
+                      </a:r>
+                    </a:p>
+                    <a:p>
+                      <a:r>
+                        <a:rPr lang="en-US" altLang="zh-CN" sz="1100" kern="1200" dirty="0">
+                          <a:solidFill>
+                            <a:schemeClr val="dk1"/>
+                          </a:solidFill>
+                          <a:effectLst/>
+                          <a:latin typeface="Songti SC" panose="02010600040101010101" pitchFamily="2" charset="-122"/>
+                          <a:ea typeface="Songti SC" panose="02010600040101010101" pitchFamily="2" charset="-122"/>
+                          <a:cs typeface="+mn-cs"/>
+                        </a:rPr>
+                        <a:t>  #13 = Utf8               Lcom/hb/HelloWorld;</a:t>
+                      </a:r>
+                    </a:p>
+                    <a:p>
+                      <a:r>
+                        <a:rPr lang="en-US" altLang="zh-CN" sz="1100" kern="1200" dirty="0">
+                          <a:solidFill>
+                            <a:schemeClr val="dk1"/>
+                          </a:solidFill>
+                          <a:effectLst/>
+                          <a:latin typeface="Songti SC" panose="02010600040101010101" pitchFamily="2" charset="-122"/>
+                          <a:ea typeface="Songti SC" panose="02010600040101010101" pitchFamily="2" charset="-122"/>
+                          <a:cs typeface="+mn-cs"/>
+                        </a:rPr>
+                        <a:t>  #14 = Utf8               sayHello</a:t>
+                      </a:r>
+                    </a:p>
+                    <a:p>
+                      <a:r>
+                        <a:rPr lang="en-US" altLang="zh-CN" sz="1100" kern="1200" dirty="0">
+                          <a:solidFill>
+                            <a:schemeClr val="dk1"/>
+                          </a:solidFill>
+                          <a:effectLst/>
+                          <a:latin typeface="Songti SC" panose="02010600040101010101" pitchFamily="2" charset="-122"/>
+                          <a:ea typeface="Songti SC" panose="02010600040101010101" pitchFamily="2" charset="-122"/>
+                          <a:cs typeface="+mn-cs"/>
+                        </a:rPr>
+                        <a:t>  #15 = Utf8               SourceFile</a:t>
+                      </a:r>
+                    </a:p>
+                    <a:p>
+                      <a:r>
+                        <a:rPr lang="en-US" altLang="zh-CN" sz="1100" kern="1200" dirty="0">
+                          <a:solidFill>
+                            <a:schemeClr val="dk1"/>
+                          </a:solidFill>
+                          <a:effectLst/>
+                          <a:latin typeface="Songti SC" panose="02010600040101010101" pitchFamily="2" charset="-122"/>
+                          <a:ea typeface="Songti SC" panose="02010600040101010101" pitchFamily="2" charset="-122"/>
+                          <a:cs typeface="+mn-cs"/>
+                        </a:rPr>
+                        <a:t>  #16 = Utf8               HelloWorld.java</a:t>
+                      </a:r>
+                    </a:p>
+                    <a:p>
+                      <a:r>
+                        <a:rPr lang="en-US" altLang="zh-CN" sz="1100" kern="1200" dirty="0">
+                          <a:solidFill>
+                            <a:schemeClr val="dk1"/>
+                          </a:solidFill>
+                          <a:effectLst/>
+                          <a:latin typeface="Songti SC" panose="02010600040101010101" pitchFamily="2" charset="-122"/>
+                          <a:ea typeface="Songti SC" panose="02010600040101010101" pitchFamily="2" charset="-122"/>
+                          <a:cs typeface="+mn-cs"/>
+                        </a:rPr>
+                        <a:t>  #17 = </a:t>
+                      </a:r>
+                      <a:r>
+                        <a:rPr lang="en-US" altLang="zh-CN" sz="1100" kern="1200" dirty="0" err="1">
+                          <a:solidFill>
+                            <a:schemeClr val="dk1"/>
+                          </a:solidFill>
+                          <a:effectLst/>
+                          <a:latin typeface="Songti SC" panose="02010600040101010101" pitchFamily="2" charset="-122"/>
+                          <a:ea typeface="Songti SC" panose="02010600040101010101" pitchFamily="2" charset="-122"/>
+                          <a:cs typeface="+mn-cs"/>
+                        </a:rPr>
+                        <a:t>NameAndType</a:t>
+                      </a:r>
+                      <a:r>
+                        <a:rPr lang="en-US" altLang="zh-CN" sz="1100" kern="1200" dirty="0">
+                          <a:solidFill>
+                            <a:schemeClr val="dk1"/>
+                          </a:solidFill>
+                          <a:effectLst/>
+                          <a:latin typeface="Songti SC" panose="02010600040101010101" pitchFamily="2" charset="-122"/>
+                          <a:ea typeface="Songti SC" panose="02010600040101010101" pitchFamily="2" charset="-122"/>
+                          <a:cs typeface="+mn-cs"/>
+                        </a:rPr>
+                        <a:t>        #7:#8          // "&lt;init&gt;":()V</a:t>
+                      </a:r>
+                    </a:p>
+                    <a:p>
+                      <a:r>
+                        <a:rPr lang="en-US" altLang="zh-CN" sz="1100" kern="1200" dirty="0">
+                          <a:solidFill>
+                            <a:schemeClr val="dk1"/>
+                          </a:solidFill>
+                          <a:effectLst/>
+                          <a:latin typeface="Songti SC" panose="02010600040101010101" pitchFamily="2" charset="-122"/>
+                          <a:ea typeface="Songti SC" panose="02010600040101010101" pitchFamily="2" charset="-122"/>
+                          <a:cs typeface="+mn-cs"/>
+                        </a:rPr>
+                        <a:t>  #18 = Class              #25            // java/lang/System</a:t>
+                      </a:r>
+                    </a:p>
+                    <a:p>
+                      <a:r>
+                        <a:rPr lang="en-US" altLang="zh-CN" sz="1100" kern="1200" dirty="0">
+                          <a:solidFill>
+                            <a:schemeClr val="dk1"/>
+                          </a:solidFill>
+                          <a:effectLst/>
+                          <a:latin typeface="Songti SC" panose="02010600040101010101" pitchFamily="2" charset="-122"/>
+                          <a:ea typeface="Songti SC" panose="02010600040101010101" pitchFamily="2" charset="-122"/>
+                          <a:cs typeface="+mn-cs"/>
+                        </a:rPr>
+                        <a:t>  #19 = </a:t>
+                      </a:r>
+                      <a:r>
+                        <a:rPr lang="en-US" altLang="zh-CN" sz="1100" kern="1200" dirty="0" err="1">
+                          <a:solidFill>
+                            <a:schemeClr val="dk1"/>
+                          </a:solidFill>
+                          <a:effectLst/>
+                          <a:latin typeface="Songti SC" panose="02010600040101010101" pitchFamily="2" charset="-122"/>
+                          <a:ea typeface="Songti SC" panose="02010600040101010101" pitchFamily="2" charset="-122"/>
+                          <a:cs typeface="+mn-cs"/>
+                        </a:rPr>
+                        <a:t>NameAndType</a:t>
+                      </a:r>
+                      <a:r>
+                        <a:rPr lang="en-US" altLang="zh-CN" sz="1100" kern="1200" dirty="0">
+                          <a:solidFill>
+                            <a:schemeClr val="dk1"/>
+                          </a:solidFill>
+                          <a:effectLst/>
+                          <a:latin typeface="Songti SC" panose="02010600040101010101" pitchFamily="2" charset="-122"/>
+                          <a:ea typeface="Songti SC" panose="02010600040101010101" pitchFamily="2" charset="-122"/>
+                          <a:cs typeface="+mn-cs"/>
+                        </a:rPr>
+                        <a:t>        #26:#27        // </a:t>
+                      </a:r>
+                      <a:r>
+                        <a:rPr lang="en-US" altLang="zh-CN" sz="1100" kern="1200" dirty="0" err="1">
+                          <a:solidFill>
+                            <a:schemeClr val="dk1"/>
+                          </a:solidFill>
+                          <a:effectLst/>
+                          <a:latin typeface="Songti SC" panose="02010600040101010101" pitchFamily="2" charset="-122"/>
+                          <a:ea typeface="Songti SC" panose="02010600040101010101" pitchFamily="2" charset="-122"/>
+                          <a:cs typeface="+mn-cs"/>
+                        </a:rPr>
+                        <a:t>out:Ljava</a:t>
+                      </a:r>
+                      <a:r>
+                        <a:rPr lang="en-US" altLang="zh-CN" sz="1100" kern="1200" dirty="0">
+                          <a:solidFill>
+                            <a:schemeClr val="dk1"/>
+                          </a:solidFill>
+                          <a:effectLst/>
+                          <a:latin typeface="Songti SC" panose="02010600040101010101" pitchFamily="2" charset="-122"/>
+                          <a:ea typeface="Songti SC" panose="02010600040101010101" pitchFamily="2" charset="-122"/>
+                          <a:cs typeface="+mn-cs"/>
+                        </a:rPr>
+                        <a:t>/io/PrintStream;</a:t>
+                      </a:r>
+                    </a:p>
+                    <a:p>
+                      <a:r>
+                        <a:rPr lang="en-US" altLang="zh-CN" sz="1100" kern="1200" dirty="0">
+                          <a:solidFill>
+                            <a:schemeClr val="dk1"/>
+                          </a:solidFill>
+                          <a:effectLst/>
+                          <a:latin typeface="Songti SC" panose="02010600040101010101" pitchFamily="2" charset="-122"/>
+                          <a:ea typeface="Songti SC" panose="02010600040101010101" pitchFamily="2" charset="-122"/>
+                          <a:cs typeface="+mn-cs"/>
+                        </a:rPr>
+                        <a:t>  #20 = Utf8               Hello</a:t>
+                      </a:r>
+                    </a:p>
+                    <a:p>
+                      <a:r>
+                        <a:rPr lang="en-US" altLang="zh-CN" sz="1100" kern="1200" dirty="0">
+                          <a:solidFill>
+                            <a:schemeClr val="dk1"/>
+                          </a:solidFill>
+                          <a:effectLst/>
+                          <a:latin typeface="Songti SC" panose="02010600040101010101" pitchFamily="2" charset="-122"/>
+                          <a:ea typeface="Songti SC" panose="02010600040101010101" pitchFamily="2" charset="-122"/>
+                          <a:cs typeface="+mn-cs"/>
+                        </a:rPr>
+                        <a:t>  #21 = Class              #28            // java/io/PrintStream</a:t>
+                      </a:r>
+                    </a:p>
+                    <a:p>
+                      <a:r>
+                        <a:rPr lang="en-US" altLang="zh-CN" sz="1100" kern="1200" dirty="0">
+                          <a:solidFill>
+                            <a:schemeClr val="dk1"/>
+                          </a:solidFill>
+                          <a:effectLst/>
+                          <a:latin typeface="Songti SC" panose="02010600040101010101" pitchFamily="2" charset="-122"/>
+                          <a:ea typeface="Songti SC" panose="02010600040101010101" pitchFamily="2" charset="-122"/>
+                          <a:cs typeface="+mn-cs"/>
+                        </a:rPr>
+                        <a:t>  #22 = </a:t>
+                      </a:r>
+                      <a:r>
+                        <a:rPr lang="en-US" altLang="zh-CN" sz="1100" kern="1200" dirty="0" err="1">
+                          <a:solidFill>
+                            <a:schemeClr val="dk1"/>
+                          </a:solidFill>
+                          <a:effectLst/>
+                          <a:latin typeface="Songti SC" panose="02010600040101010101" pitchFamily="2" charset="-122"/>
+                          <a:ea typeface="Songti SC" panose="02010600040101010101" pitchFamily="2" charset="-122"/>
+                          <a:cs typeface="+mn-cs"/>
+                        </a:rPr>
+                        <a:t>NameAndType</a:t>
+                      </a:r>
+                      <a:r>
+                        <a:rPr lang="en-US" altLang="zh-CN" sz="1100" kern="1200" dirty="0">
+                          <a:solidFill>
+                            <a:schemeClr val="dk1"/>
+                          </a:solidFill>
+                          <a:effectLst/>
+                          <a:latin typeface="Songti SC" panose="02010600040101010101" pitchFamily="2" charset="-122"/>
+                          <a:ea typeface="Songti SC" panose="02010600040101010101" pitchFamily="2" charset="-122"/>
+                          <a:cs typeface="+mn-cs"/>
+                        </a:rPr>
+                        <a:t>        #29:#30        // </a:t>
+                      </a:r>
+                      <a:r>
+                        <a:rPr lang="en-US" altLang="zh-CN" sz="1100" kern="1200" dirty="0" err="1">
+                          <a:solidFill>
+                            <a:schemeClr val="dk1"/>
+                          </a:solidFill>
+                          <a:effectLst/>
+                          <a:latin typeface="Songti SC" panose="02010600040101010101" pitchFamily="2" charset="-122"/>
+                          <a:ea typeface="Songti SC" panose="02010600040101010101" pitchFamily="2" charset="-122"/>
+                          <a:cs typeface="+mn-cs"/>
+                        </a:rPr>
+                        <a:t>println</a:t>
+                      </a:r>
+                      <a:r>
+                        <a:rPr lang="en-US" altLang="zh-CN" sz="1100" kern="1200" dirty="0">
+                          <a:solidFill>
+                            <a:schemeClr val="dk1"/>
+                          </a:solidFill>
+                          <a:effectLst/>
+                          <a:latin typeface="Songti SC" panose="02010600040101010101" pitchFamily="2" charset="-122"/>
+                          <a:ea typeface="Songti SC" panose="02010600040101010101" pitchFamily="2" charset="-122"/>
+                          <a:cs typeface="+mn-cs"/>
+                        </a:rPr>
+                        <a:t>:(Ljava/lang/String;)V</a:t>
+                      </a:r>
+                    </a:p>
+                    <a:p>
+                      <a:r>
+                        <a:rPr lang="en-US" altLang="zh-CN" sz="1100" kern="1200" dirty="0">
+                          <a:solidFill>
+                            <a:schemeClr val="dk1"/>
+                          </a:solidFill>
+                          <a:effectLst/>
+                          <a:latin typeface="Songti SC" panose="02010600040101010101" pitchFamily="2" charset="-122"/>
+                          <a:ea typeface="Songti SC" panose="02010600040101010101" pitchFamily="2" charset="-122"/>
+                          <a:cs typeface="+mn-cs"/>
+                        </a:rPr>
+                        <a:t>  #23 = Utf8               com/hb/HelloWorld</a:t>
+                      </a:r>
+                    </a:p>
+                    <a:p>
+                      <a:r>
+                        <a:rPr lang="en-US" altLang="zh-CN" sz="1100" kern="1200" dirty="0">
+                          <a:solidFill>
+                            <a:schemeClr val="dk1"/>
+                          </a:solidFill>
+                          <a:effectLst/>
+                          <a:latin typeface="Songti SC" panose="02010600040101010101" pitchFamily="2" charset="-122"/>
+                          <a:ea typeface="Songti SC" panose="02010600040101010101" pitchFamily="2" charset="-122"/>
+                          <a:cs typeface="+mn-cs"/>
+                        </a:rPr>
+                        <a:t>  #24 = Utf8               java/lang/Object</a:t>
+                      </a:r>
+                    </a:p>
+                    <a:p>
+                      <a:r>
+                        <a:rPr lang="en-US" altLang="zh-CN" sz="1100" kern="1200" dirty="0">
+                          <a:solidFill>
+                            <a:schemeClr val="dk1"/>
+                          </a:solidFill>
+                          <a:effectLst/>
+                          <a:latin typeface="Songti SC" panose="02010600040101010101" pitchFamily="2" charset="-122"/>
+                          <a:ea typeface="Songti SC" panose="02010600040101010101" pitchFamily="2" charset="-122"/>
+                          <a:cs typeface="+mn-cs"/>
+                        </a:rPr>
+                        <a:t>  #25 = Utf8               java/lang/System</a:t>
+                      </a:r>
+                    </a:p>
+                    <a:p>
+                      <a:r>
+                        <a:rPr lang="en-US" altLang="zh-CN" sz="1100" kern="1200" dirty="0">
+                          <a:solidFill>
+                            <a:schemeClr val="dk1"/>
+                          </a:solidFill>
+                          <a:effectLst/>
+                          <a:latin typeface="Songti SC" panose="02010600040101010101" pitchFamily="2" charset="-122"/>
+                          <a:ea typeface="Songti SC" panose="02010600040101010101" pitchFamily="2" charset="-122"/>
+                          <a:cs typeface="+mn-cs"/>
+                        </a:rPr>
+                        <a:t>  #26 = Utf8               out</a:t>
+                      </a:r>
+                    </a:p>
+                    <a:p>
+                      <a:r>
+                        <a:rPr lang="en-US" altLang="zh-CN" sz="1100" kern="1200" dirty="0">
+                          <a:solidFill>
+                            <a:schemeClr val="dk1"/>
+                          </a:solidFill>
+                          <a:effectLst/>
+                          <a:latin typeface="Songti SC" panose="02010600040101010101" pitchFamily="2" charset="-122"/>
+                          <a:ea typeface="Songti SC" panose="02010600040101010101" pitchFamily="2" charset="-122"/>
+                          <a:cs typeface="+mn-cs"/>
+                        </a:rPr>
+                        <a:t>  #27 = Utf8               Ljava/io/PrintStream;</a:t>
+                      </a:r>
+                    </a:p>
+                    <a:p>
+                      <a:r>
+                        <a:rPr lang="en-US" altLang="zh-CN" sz="1100" kern="1200" dirty="0">
+                          <a:solidFill>
+                            <a:schemeClr val="dk1"/>
+                          </a:solidFill>
+                          <a:effectLst/>
+                          <a:latin typeface="Songti SC" panose="02010600040101010101" pitchFamily="2" charset="-122"/>
+                          <a:ea typeface="Songti SC" panose="02010600040101010101" pitchFamily="2" charset="-122"/>
+                          <a:cs typeface="+mn-cs"/>
+                        </a:rPr>
+                        <a:t>  #28 = Utf8               java/io/PrintStream</a:t>
+                      </a:r>
+                    </a:p>
+                    <a:p>
+                      <a:r>
+                        <a:rPr lang="en-US" altLang="zh-CN" sz="1100" kern="1200" dirty="0">
+                          <a:solidFill>
+                            <a:schemeClr val="dk1"/>
+                          </a:solidFill>
+                          <a:effectLst/>
+                          <a:latin typeface="Songti SC" panose="02010600040101010101" pitchFamily="2" charset="-122"/>
+                          <a:ea typeface="Songti SC" panose="02010600040101010101" pitchFamily="2" charset="-122"/>
+                          <a:cs typeface="+mn-cs"/>
+                        </a:rPr>
+                        <a:t>  #29 = Utf8               </a:t>
+                      </a:r>
+                      <a:r>
+                        <a:rPr lang="en-US" altLang="zh-CN" sz="1100" kern="1200" dirty="0" err="1">
+                          <a:solidFill>
+                            <a:schemeClr val="dk1"/>
+                          </a:solidFill>
+                          <a:effectLst/>
+                          <a:latin typeface="Songti SC" panose="02010600040101010101" pitchFamily="2" charset="-122"/>
+                          <a:ea typeface="Songti SC" panose="02010600040101010101" pitchFamily="2" charset="-122"/>
+                          <a:cs typeface="+mn-cs"/>
+                        </a:rPr>
+                        <a:t>println</a:t>
+                      </a:r>
+                      <a:endParaRPr lang="en-US" altLang="zh-CN" sz="1100" kern="1200" dirty="0">
+                        <a:solidFill>
+                          <a:schemeClr val="dk1"/>
+                        </a:solidFill>
+                        <a:effectLst/>
+                        <a:latin typeface="Songti SC" panose="02010600040101010101" pitchFamily="2" charset="-122"/>
+                        <a:ea typeface="Songti SC" panose="02010600040101010101" pitchFamily="2" charset="-122"/>
+                        <a:cs typeface="+mn-cs"/>
+                      </a:endParaRPr>
+                    </a:p>
+                    <a:p>
+                      <a:r>
+                        <a:rPr lang="en-US" altLang="zh-CN" sz="1100" kern="1200" dirty="0">
+                          <a:solidFill>
+                            <a:schemeClr val="dk1"/>
+                          </a:solidFill>
+                          <a:effectLst/>
+                          <a:latin typeface="Songti SC" panose="02010600040101010101" pitchFamily="2" charset="-122"/>
+                          <a:ea typeface="Songti SC" panose="02010600040101010101" pitchFamily="2" charset="-122"/>
+                          <a:cs typeface="+mn-cs"/>
+                        </a:rPr>
+                        <a:t>  #30 = Utf8               (Ljava/lang/String;)V</a:t>
+                      </a:r>
+                    </a:p>
+                    <a:p>
+                      <a:endParaRPr lang="zh-CN" altLang="en-US" sz="1200" dirty="0">
+                        <a:latin typeface="Songti SC" panose="02010600040101010101" pitchFamily="2" charset="-122"/>
+                        <a:ea typeface="Songti SC" panose="02010600040101010101" pitchFamily="2" charset="-122"/>
+                      </a:endParaRPr>
+                    </a:p>
+                  </a:txBody>
+                  <a:tcPr/>
+                </a:tc>
+                <a:extLst>
+                  <a:ext uri="{0D108BD9-81ED-4DB2-BD59-A6C34878D82A}">
+                    <a16:rowId xmlns:a16="http://schemas.microsoft.com/office/drawing/2014/main" val="1467465824"/>
+                  </a:ext>
+                </a:extLst>
+              </a:tr>
+            </a:tbl>
+          </a:graphicData>
+        </a:graphic>
+      </p:graphicFrame>
+    </p:spTree>
+    <p:extLst>
+      <p:ext uri="{BB962C8B-B14F-4D97-AF65-F5344CB8AC3E}">
+        <p14:creationId xmlns:p14="http://schemas.microsoft.com/office/powerpoint/2010/main" val="3915073783"/>
+      </p:ext>
+    </p:extLst>
+  </p:cSld>
+  <p:clrMapOvr>
+    <a:masterClrMapping/>
+  </p:clrMapOvr>
+</p:sld>
+</file>
+
+<file path=ppt/slides/slide22.xml><?xml version="1.0" encoding="utf-8"?>
 <p:sld xmlns:a="http://schemas.openxmlformats.org/drawingml/2006/main" xmlns:r="http://schemas.openxmlformats.org/officeDocument/2006/relationships" xmlns:p="http://schemas.openxmlformats.org/presentationml/2006/main">
   <p:cSld>
     <p:spTree>
@@ -6879,7 +7874,7 @@
               <a:rPr lang="en-US" altLang="zh-CN" b="1" dirty="0"/>
               <a:t>major versions</a:t>
             </a:r>
-            <a:endParaRPr kumimoji="1" lang="zh-CN" altLang="en-US" dirty="0"/>
+            <a:endParaRPr kumimoji="1" lang="zh-CN" altLang="en-US"/>
           </a:p>
         </p:txBody>
       </p:sp>
@@ -6956,7 +7951,7 @@
                     <a:lstStyle/>
                     <a:p>
                       <a:r>
-                        <a:rPr lang="en-US"/>
+                        <a:rPr lang="en-US" dirty="0"/>
                         <a:t>Corresponding major version</a:t>
                       </a:r>
                     </a:p>
@@ -6969,7 +7964,7 @@
                     <a:lstStyle/>
                     <a:p>
                       <a:r>
-                        <a:rPr lang="en-US"/>
+                        <a:rPr lang="en-US" dirty="0"/>
                         <a:t>Supported major versions</a:t>
                       </a:r>
                     </a:p>
@@ -6989,7 +7984,7 @@
                     <a:lstStyle/>
                     <a:p>
                       <a:r>
-                        <a:rPr lang="en-US" altLang="zh-CN"/>
+                        <a:rPr lang="en-US" altLang="zh-CN" dirty="0"/>
                         <a:t>1.0.2</a:t>
                       </a:r>
                     </a:p>
@@ -7002,7 +7997,7 @@
                     <a:lstStyle/>
                     <a:p>
                       <a:r>
-                        <a:rPr lang="en-US" altLang="zh-CN"/>
+                        <a:rPr lang="en-US" altLang="zh-CN" dirty="0"/>
                         <a:t>45</a:t>
                       </a:r>
                     </a:p>
@@ -7015,7 +8010,7 @@
                     <a:lstStyle/>
                     <a:p>
                       <a:r>
-                        <a:rPr lang="en-US" altLang="zh-CN"/>
+                        <a:rPr lang="en-US" altLang="zh-CN" dirty="0"/>
                         <a:t>45</a:t>
                       </a:r>
                     </a:p>
@@ -7035,7 +8030,7 @@
                     <a:lstStyle/>
                     <a:p>
                       <a:r>
-                        <a:rPr lang="en-US" altLang="zh-CN"/>
+                        <a:rPr lang="en-US" altLang="zh-CN" dirty="0"/>
                         <a:t>1.1</a:t>
                       </a:r>
                     </a:p>
@@ -7048,7 +8043,7 @@
                     <a:lstStyle/>
                     <a:p>
                       <a:r>
-                        <a:rPr lang="en-US" altLang="zh-CN"/>
+                        <a:rPr lang="en-US" altLang="zh-CN" dirty="0"/>
                         <a:t>45</a:t>
                       </a:r>
                     </a:p>
@@ -7061,7 +8056,7 @@
                     <a:lstStyle/>
                     <a:p>
                       <a:r>
-                        <a:rPr lang="en-US" altLang="zh-CN"/>
+                        <a:rPr lang="en-US" altLang="zh-CN" dirty="0"/>
                         <a:t>45</a:t>
                       </a:r>
                     </a:p>
@@ -7081,7 +8076,7 @@
                     <a:lstStyle/>
                     <a:p>
                       <a:r>
-                        <a:rPr lang="en-US" altLang="zh-CN"/>
+                        <a:rPr lang="en-US" altLang="zh-CN" dirty="0"/>
                         <a:t>1.2</a:t>
                       </a:r>
                     </a:p>
@@ -7094,7 +8089,7 @@
                     <a:lstStyle/>
                     <a:p>
                       <a:r>
-                        <a:rPr lang="en-US" altLang="zh-CN"/>
+                        <a:rPr lang="en-US" altLang="zh-CN" dirty="0"/>
                         <a:t>46</a:t>
                       </a:r>
                     </a:p>
@@ -7107,7 +8102,7 @@
                     <a:lstStyle/>
                     <a:p>
                       <a:r>
-                        <a:rPr lang="en-US" altLang="zh-CN"/>
+                        <a:rPr lang="en-US" altLang="zh-CN" dirty="0"/>
                         <a:t>45 .. 46</a:t>
                       </a:r>
                     </a:p>
@@ -7127,7 +8122,7 @@
                     <a:lstStyle/>
                     <a:p>
                       <a:r>
-                        <a:rPr lang="en-US" altLang="zh-CN"/>
+                        <a:rPr lang="en-US" altLang="zh-CN" dirty="0"/>
                         <a:t>1.3</a:t>
                       </a:r>
                     </a:p>
@@ -7140,7 +8135,7 @@
                     <a:lstStyle/>
                     <a:p>
                       <a:r>
-                        <a:rPr lang="en-US" altLang="zh-CN"/>
+                        <a:rPr lang="en-US" altLang="zh-CN" dirty="0"/>
                         <a:t>47</a:t>
                       </a:r>
                     </a:p>
@@ -7153,7 +8148,7 @@
                     <a:lstStyle/>
                     <a:p>
                       <a:r>
-                        <a:rPr lang="en-US" altLang="zh-CN"/>
+                        <a:rPr lang="en-US" altLang="zh-CN" dirty="0"/>
                         <a:t>45 .. 47</a:t>
                       </a:r>
                     </a:p>
@@ -7173,7 +8168,7 @@
                     <a:lstStyle/>
                     <a:p>
                       <a:r>
-                        <a:rPr lang="en-US" altLang="zh-CN"/>
+                        <a:rPr lang="en-US" altLang="zh-CN" dirty="0"/>
                         <a:t>1.4</a:t>
                       </a:r>
                     </a:p>
@@ -7186,7 +8181,7 @@
                     <a:lstStyle/>
                     <a:p>
                       <a:r>
-                        <a:rPr lang="en-US" altLang="zh-CN"/>
+                        <a:rPr lang="en-US" altLang="zh-CN" dirty="0"/>
                         <a:t>48</a:t>
                       </a:r>
                     </a:p>
@@ -7199,7 +8194,7 @@
                     <a:lstStyle/>
                     <a:p>
                       <a:r>
-                        <a:rPr lang="en-US" altLang="zh-CN"/>
+                        <a:rPr lang="en-US" altLang="zh-CN" dirty="0"/>
                         <a:t>45 .. 48</a:t>
                       </a:r>
                     </a:p>
@@ -7219,7 +8214,7 @@
                     <a:lstStyle/>
                     <a:p>
                       <a:r>
-                        <a:rPr lang="en-US" altLang="zh-CN"/>
+                        <a:rPr lang="en-US" altLang="zh-CN" dirty="0"/>
                         <a:t>5.0</a:t>
                       </a:r>
                     </a:p>
@@ -7232,7 +8227,7 @@
                     <a:lstStyle/>
                     <a:p>
                       <a:r>
-                        <a:rPr lang="en-US" altLang="zh-CN"/>
+                        <a:rPr lang="en-US" altLang="zh-CN" dirty="0"/>
                         <a:t>49</a:t>
                       </a:r>
                     </a:p>
@@ -7245,7 +8240,7 @@
                     <a:lstStyle/>
                     <a:p>
                       <a:r>
-                        <a:rPr lang="en-US" altLang="zh-CN"/>
+                        <a:rPr lang="en-US" altLang="zh-CN" dirty="0"/>
                         <a:t>45 .. 49</a:t>
                       </a:r>
                     </a:p>
@@ -7265,7 +8260,7 @@
                     <a:lstStyle/>
                     <a:p>
                       <a:r>
-                        <a:rPr lang="en-US" altLang="zh-CN"/>
+                        <a:rPr lang="en-US" altLang="zh-CN" dirty="0"/>
                         <a:t>6</a:t>
                       </a:r>
                     </a:p>
@@ -7278,7 +8273,7 @@
                     <a:lstStyle/>
                     <a:p>
                       <a:r>
-                        <a:rPr lang="en-US" altLang="zh-CN"/>
+                        <a:rPr lang="en-US" altLang="zh-CN" dirty="0"/>
                         <a:t>50</a:t>
                       </a:r>
                     </a:p>
@@ -7291,7 +8286,7 @@
                     <a:lstStyle/>
                     <a:p>
                       <a:r>
-                        <a:rPr lang="en-US" altLang="zh-CN"/>
+                        <a:rPr lang="en-US" altLang="zh-CN" dirty="0"/>
                         <a:t>45 .. 50</a:t>
                       </a:r>
                     </a:p>
@@ -7311,7 +8306,7 @@
                     <a:lstStyle/>
                     <a:p>
                       <a:r>
-                        <a:rPr lang="en-US" altLang="zh-CN"/>
+                        <a:rPr lang="en-US" altLang="zh-CN" dirty="0"/>
                         <a:t>7</a:t>
                       </a:r>
                     </a:p>
@@ -7324,7 +8319,7 @@
                     <a:lstStyle/>
                     <a:p>
                       <a:r>
-                        <a:rPr lang="en-US" altLang="zh-CN"/>
+                        <a:rPr lang="en-US" altLang="zh-CN" dirty="0"/>
                         <a:t>51</a:t>
                       </a:r>
                     </a:p>
@@ -7337,7 +8332,7 @@
                     <a:lstStyle/>
                     <a:p>
                       <a:r>
-                        <a:rPr lang="en-US" altLang="zh-CN"/>
+                        <a:rPr lang="en-US" altLang="zh-CN" dirty="0"/>
                         <a:t>45 .. 51</a:t>
                       </a:r>
                     </a:p>
@@ -7357,7 +8352,7 @@
                     <a:lstStyle/>
                     <a:p>
                       <a:r>
-                        <a:rPr lang="en-US" altLang="zh-CN"/>
+                        <a:rPr lang="en-US" altLang="zh-CN" dirty="0"/>
                         <a:t>8</a:t>
                       </a:r>
                     </a:p>
@@ -7370,7 +8365,7 @@
                     <a:lstStyle/>
                     <a:p>
                       <a:r>
-                        <a:rPr lang="en-US" altLang="zh-CN"/>
+                        <a:rPr lang="en-US" altLang="zh-CN" dirty="0"/>
                         <a:t>52</a:t>
                       </a:r>
                     </a:p>
@@ -7383,7 +8378,7 @@
                     <a:lstStyle/>
                     <a:p>
                       <a:r>
-                        <a:rPr lang="en-US" altLang="zh-CN"/>
+                        <a:rPr lang="en-US" altLang="zh-CN" dirty="0"/>
                         <a:t>45 .. 52</a:t>
                       </a:r>
                     </a:p>
@@ -7403,7 +8398,7 @@
                     <a:lstStyle/>
                     <a:p>
                       <a:r>
-                        <a:rPr lang="en-US" altLang="zh-CN"/>
+                        <a:rPr lang="en-US" altLang="zh-CN" dirty="0"/>
                         <a:t>9</a:t>
                       </a:r>
                     </a:p>
@@ -7416,7 +8411,7 @@
                     <a:lstStyle/>
                     <a:p>
                       <a:r>
-                        <a:rPr lang="en-US" altLang="zh-CN"/>
+                        <a:rPr lang="en-US" altLang="zh-CN" dirty="0"/>
                         <a:t>53</a:t>
                       </a:r>
                     </a:p>
@@ -7429,7 +8424,7 @@
                     <a:lstStyle/>
                     <a:p>
                       <a:r>
-                        <a:rPr lang="en-US" altLang="zh-CN"/>
+                        <a:rPr lang="en-US" altLang="zh-CN" dirty="0"/>
                         <a:t>45 .. 53</a:t>
                       </a:r>
                     </a:p>
@@ -7449,7 +8444,7 @@
                     <a:lstStyle/>
                     <a:p>
                       <a:r>
-                        <a:rPr lang="en-US" altLang="zh-CN"/>
+                        <a:rPr lang="en-US" altLang="zh-CN" dirty="0"/>
                         <a:t>10</a:t>
                       </a:r>
                     </a:p>
@@ -7462,7 +8457,7 @@
                     <a:lstStyle/>
                     <a:p>
                       <a:r>
-                        <a:rPr lang="en-US" altLang="zh-CN"/>
+                        <a:rPr lang="en-US" altLang="zh-CN" dirty="0"/>
                         <a:t>54</a:t>
                       </a:r>
                     </a:p>
@@ -7475,7 +8470,7 @@
                     <a:lstStyle/>
                     <a:p>
                       <a:r>
-                        <a:rPr lang="en-US" altLang="zh-CN"/>
+                        <a:rPr lang="en-US" altLang="zh-CN" dirty="0"/>
                         <a:t>45 .. 54</a:t>
                       </a:r>
                     </a:p>
@@ -7495,7 +8490,7 @@
                     <a:lstStyle/>
                     <a:p>
                       <a:r>
-                        <a:rPr lang="en-US" altLang="zh-CN"/>
+                        <a:rPr lang="en-US" altLang="zh-CN" dirty="0"/>
                         <a:t>11</a:t>
                       </a:r>
                     </a:p>
@@ -7508,7 +8503,7 @@
                     <a:lstStyle/>
                     <a:p>
                       <a:r>
-                        <a:rPr lang="en-US" altLang="zh-CN"/>
+                        <a:rPr lang="en-US" altLang="zh-CN" dirty="0"/>
                         <a:t>55</a:t>
                       </a:r>
                     </a:p>
@@ -7521,7 +8516,7 @@
                     <a:lstStyle/>
                     <a:p>
                       <a:r>
-                        <a:rPr lang="en-US" altLang="zh-CN"/>
+                        <a:rPr lang="en-US" altLang="zh-CN" dirty="0"/>
                         <a:t>45 .. 55</a:t>
                       </a:r>
                     </a:p>
@@ -7541,7 +8536,7 @@
                     <a:lstStyle/>
                     <a:p>
                       <a:r>
-                        <a:rPr lang="en-US" altLang="zh-CN"/>
+                        <a:rPr lang="en-US" altLang="zh-CN" dirty="0"/>
                         <a:t>12</a:t>
                       </a:r>
                     </a:p>
@@ -7554,7 +8549,7 @@
                     <a:lstStyle/>
                     <a:p>
                       <a:r>
-                        <a:rPr lang="en-US" altLang="zh-CN"/>
+                        <a:rPr lang="en-US" altLang="zh-CN" dirty="0"/>
                         <a:t>56</a:t>
                       </a:r>
                     </a:p>
@@ -7597,7 +8592,7 @@
 </p:sld>
 </file>
 
-<file path=ppt/slides/slide21.xml><?xml version="1.0" encoding="utf-8"?>
+<file path=ppt/slides/slide23.xml><?xml version="1.0" encoding="utf-8"?>
 <p:sld xmlns:a="http://schemas.openxmlformats.org/drawingml/2006/main" xmlns:r="http://schemas.openxmlformats.org/officeDocument/2006/relationships" xmlns:p="http://schemas.openxmlformats.org/presentationml/2006/main">
   <p:cSld>
     <p:spTree>
@@ -7639,7 +8634,7 @@
               <a:rPr kumimoji="1" lang="en-US" altLang="zh-CN" dirty="0"/>
               <a:t>Fields</a:t>
             </a:r>
-            <a:endParaRPr kumimoji="1" lang="zh-CN" altLang="en-US" dirty="0"/>
+            <a:endParaRPr kumimoji="1" lang="zh-CN" altLang="en-US"/>
           </a:p>
         </p:txBody>
       </p:sp>
@@ -7718,7 +8713,7 @@
                     <a:p>
                       <a:pPr algn="l" fontAlgn="ctr"/>
                       <a:r>
-                        <a:rPr lang="en-US" sz="1200" b="1" i="0" u="none" strike="noStrike">
+                        <a:rPr lang="en-US" sz="1200" b="1" i="0" u="none" strike="noStrike" dirty="0">
                           <a:solidFill>
                             <a:srgbClr val="000000"/>
                           </a:solidFill>
@@ -7746,7 +8741,7 @@
                     <a:p>
                       <a:pPr algn="l" fontAlgn="ctr"/>
                       <a:r>
-                        <a:rPr lang="en-US" sz="1000" b="0" i="0" u="none" strike="noStrike">
+                        <a:rPr lang="en-US" sz="1000" b="0" i="0" u="none" strike="noStrike" dirty="0">
                           <a:solidFill>
                             <a:srgbClr val="000000"/>
                           </a:solidFill>
@@ -7767,7 +8762,7 @@
                     <a:p>
                       <a:pPr algn="l" fontAlgn="ctr"/>
                       <a:r>
-                        <a:rPr lang="en-US" sz="1200" b="0" i="0" u="none" strike="noStrike">
+                        <a:rPr lang="en-US" sz="1200" b="0" i="0" u="none" strike="noStrike" dirty="0">
                           <a:solidFill>
                             <a:srgbClr val="000000"/>
                           </a:solidFill>
@@ -7795,7 +8790,7 @@
                     <a:p>
                       <a:pPr algn="l" fontAlgn="ctr"/>
                       <a:r>
-                        <a:rPr lang="en-US" sz="1000" b="0" i="0" u="none" strike="noStrike">
+                        <a:rPr lang="en-US" sz="1000" b="0" i="0" u="none" strike="noStrike" dirty="0">
                           <a:solidFill>
                             <a:srgbClr val="000000"/>
                           </a:solidFill>
@@ -7816,7 +8811,7 @@
                     <a:p>
                       <a:pPr algn="l" fontAlgn="ctr"/>
                       <a:r>
-                        <a:rPr lang="en-US" sz="1200" b="0" i="0" u="none" strike="noStrike">
+                        <a:rPr lang="en-US" sz="1200" b="0" i="0" u="none" strike="noStrike" dirty="0">
                           <a:solidFill>
                             <a:srgbClr val="000000"/>
                           </a:solidFill>
@@ -7844,7 +8839,7 @@
                     <a:p>
                       <a:pPr algn="l" fontAlgn="ctr"/>
                       <a:r>
-                        <a:rPr lang="en-US" sz="1000" b="0" i="0" u="none" strike="noStrike">
+                        <a:rPr lang="en-US" sz="1000" b="0" i="0" u="none" strike="noStrike" dirty="0">
                           <a:solidFill>
                             <a:srgbClr val="000000"/>
                           </a:solidFill>
@@ -7865,7 +8860,7 @@
                     <a:p>
                       <a:pPr algn="l" fontAlgn="ctr"/>
                       <a:r>
-                        <a:rPr lang="en-US" sz="1200" b="0" i="0" u="none" strike="noStrike">
+                        <a:rPr lang="en-US" sz="1200" b="0" i="0" u="none" strike="noStrike" dirty="0">
                           <a:solidFill>
                             <a:srgbClr val="000000"/>
                           </a:solidFill>
@@ -7893,7 +8888,7 @@
                     <a:p>
                       <a:pPr algn="l" fontAlgn="ctr"/>
                       <a:r>
-                        <a:rPr lang="en-US" sz="1000" b="0" i="0" u="none" strike="noStrike">
+                        <a:rPr lang="en-US" sz="1000" b="0" i="0" u="none" strike="noStrike" dirty="0">
                           <a:solidFill>
                             <a:srgbClr val="000000"/>
                           </a:solidFill>
@@ -7914,7 +8909,7 @@
                     <a:p>
                       <a:pPr algn="l" fontAlgn="ctr"/>
                       <a:r>
-                        <a:rPr lang="en-US" sz="1200" b="0" i="0" u="none" strike="noStrike">
+                        <a:rPr lang="en-US" sz="1200" b="0" i="0" u="none" strike="noStrike" dirty="0">
                           <a:solidFill>
                             <a:srgbClr val="000000"/>
                           </a:solidFill>
@@ -7942,7 +8937,7 @@
                     <a:p>
                       <a:pPr algn="l" fontAlgn="ctr"/>
                       <a:r>
-                        <a:rPr lang="en-US" sz="1000" b="0" i="0" u="none" strike="noStrike">
+                        <a:rPr lang="en-US" sz="1000" b="0" i="0" u="none" strike="noStrike" dirty="0">
                           <a:solidFill>
                             <a:srgbClr val="000000"/>
                           </a:solidFill>
@@ -7963,7 +8958,7 @@
                     <a:p>
                       <a:pPr algn="l" fontAlgn="ctr"/>
                       <a:r>
-                        <a:rPr lang="en-US" sz="1200" b="0" i="0" u="none" strike="noStrike">
+                        <a:rPr lang="en-US" sz="1200" b="0" i="0" u="none" strike="noStrike" dirty="0">
                           <a:solidFill>
                             <a:srgbClr val="000000"/>
                           </a:solidFill>
@@ -7991,7 +8986,7 @@
                     <a:p>
                       <a:pPr algn="l" fontAlgn="ctr"/>
                       <a:r>
-                        <a:rPr lang="en-US" sz="1000" b="0" i="0" u="none" strike="noStrike">
+                        <a:rPr lang="en-US" sz="1000" b="0" i="0" u="none" strike="noStrike" dirty="0">
                           <a:solidFill>
                             <a:srgbClr val="000000"/>
                           </a:solidFill>
@@ -8012,7 +9007,7 @@
                     <a:p>
                       <a:pPr algn="l" fontAlgn="ctr"/>
                       <a:r>
-                        <a:rPr lang="en-US" sz="1200" b="0" i="0" u="none" strike="noStrike">
+                        <a:rPr lang="en-US" sz="1200" b="0" i="0" u="none" strike="noStrike" dirty="0">
                           <a:solidFill>
                             <a:srgbClr val="000000"/>
                           </a:solidFill>
@@ -8040,7 +9035,7 @@
                     <a:p>
                       <a:pPr algn="l" fontAlgn="ctr"/>
                       <a:r>
-                        <a:rPr lang="en-US" sz="1000" b="0" i="0" u="none" strike="noStrike">
+                        <a:rPr lang="en-US" sz="1000" b="0" i="0" u="none" strike="noStrike" dirty="0">
                           <a:solidFill>
                             <a:srgbClr val="000000"/>
                           </a:solidFill>
@@ -8061,7 +9056,7 @@
                     <a:p>
                       <a:pPr algn="l" fontAlgn="ctr"/>
                       <a:r>
-                        <a:rPr lang="en-US" sz="1200" b="0" i="0" u="none" strike="noStrike">
+                        <a:rPr lang="en-US" sz="1200" b="0" i="0" u="none" strike="noStrike" dirty="0">
                           <a:solidFill>
                             <a:srgbClr val="000000"/>
                           </a:solidFill>
@@ -8089,7 +9084,7 @@
                     <a:p>
                       <a:pPr algn="l" fontAlgn="ctr"/>
                       <a:r>
-                        <a:rPr lang="en-US" sz="1000" b="0" i="0" u="none" strike="noStrike">
+                        <a:rPr lang="en-US" sz="1000" b="0" i="0" u="none" strike="noStrike" dirty="0">
                           <a:solidFill>
                             <a:srgbClr val="000000"/>
                           </a:solidFill>
@@ -8110,7 +9105,7 @@
                     <a:p>
                       <a:pPr algn="l" fontAlgn="ctr"/>
                       <a:r>
-                        <a:rPr lang="en-US" sz="1200" b="0" i="0" u="none" strike="noStrike">
+                        <a:rPr lang="en-US" sz="1200" b="0" i="0" u="none" strike="noStrike" dirty="0">
                           <a:solidFill>
                             <a:srgbClr val="000000"/>
                           </a:solidFill>
@@ -8138,7 +9133,7 @@
                     <a:p>
                       <a:pPr algn="l" fontAlgn="ctr"/>
                       <a:r>
-                        <a:rPr lang="en-US" sz="1000" b="0" i="0" u="none" strike="noStrike">
+                        <a:rPr lang="en-US" sz="1000" b="0" i="0" u="none" strike="noStrike" dirty="0">
                           <a:solidFill>
                             <a:srgbClr val="000000"/>
                           </a:solidFill>
@@ -8212,90 +9207,38 @@
           <a:lstStyle/>
           <a:p>
             <a:r>
-              <a:rPr lang="en-US" altLang="zh-CN" dirty="0" err="1"/>
-              <a:t>field_info</a:t>
-            </a:r>
-            <a:r>
               <a:rPr lang="en-US" altLang="zh-CN" dirty="0"/>
-              <a:t> {</a:t>
+              <a:t>field_info {</a:t>
             </a:r>
           </a:p>
           <a:p>
             <a:r>
               <a:rPr lang="en-US" altLang="zh-CN" dirty="0"/>
-              <a:t>    u2                      </a:t>
-            </a:r>
-            <a:r>
-              <a:rPr lang="en-US" altLang="zh-CN" dirty="0" err="1"/>
-              <a:t>access_flags</a:t>
-            </a:r>
+              <a:t>    u2                      access_flags;</a:t>
+            </a:r>
+          </a:p>
+          <a:p>
             <a:r>
               <a:rPr lang="en-US" altLang="zh-CN" dirty="0"/>
-              <a:t>;</a:t>
+              <a:t>    u2                      name_index;</a:t>
             </a:r>
           </a:p>
           <a:p>
             <a:r>
               <a:rPr lang="en-US" altLang="zh-CN" dirty="0"/>
-              <a:t>    u2                      </a:t>
-            </a:r>
-            <a:r>
-              <a:rPr lang="en-US" altLang="zh-CN" dirty="0" err="1"/>
-              <a:t>name_index</a:t>
-            </a:r>
+              <a:t>    u2                      descriptor_index;</a:t>
+            </a:r>
+          </a:p>
+          <a:p>
             <a:r>
               <a:rPr lang="en-US" altLang="zh-CN" dirty="0"/>
-              <a:t>;</a:t>
+              <a:t>    u2                      attributes_count;</a:t>
             </a:r>
           </a:p>
           <a:p>
             <a:r>
               <a:rPr lang="en-US" altLang="zh-CN" dirty="0"/>
-              <a:t>    u2                      </a:t>
-            </a:r>
-            <a:r>
-              <a:rPr lang="en-US" altLang="zh-CN" dirty="0" err="1"/>
-              <a:t>descriptor_index</a:t>
-            </a:r>
-            <a:r>
-              <a:rPr lang="en-US" altLang="zh-CN" dirty="0"/>
-              <a:t>;</a:t>
-            </a:r>
-          </a:p>
-          <a:p>
-            <a:r>
-              <a:rPr lang="en-US" altLang="zh-CN" dirty="0"/>
-              <a:t>    u2                      </a:t>
-            </a:r>
-            <a:r>
-              <a:rPr lang="en-US" altLang="zh-CN" dirty="0" err="1"/>
-              <a:t>attributes_count</a:t>
-            </a:r>
-            <a:r>
-              <a:rPr lang="en-US" altLang="zh-CN" dirty="0"/>
-              <a:t>;</a:t>
-            </a:r>
-          </a:p>
-          <a:p>
-            <a:r>
-              <a:rPr lang="en-US" altLang="zh-CN" dirty="0"/>
-              <a:t>    </a:t>
-            </a:r>
-            <a:r>
-              <a:rPr lang="en-US" altLang="zh-CN" dirty="0" err="1"/>
-              <a:t>attribute_info</a:t>
-            </a:r>
-            <a:r>
-              <a:rPr lang="en-US" altLang="zh-CN" dirty="0"/>
-              <a:t>     attributes[</a:t>
-            </a:r>
-            <a:r>
-              <a:rPr lang="en-US" altLang="zh-CN" dirty="0" err="1"/>
-              <a:t>attributes_count</a:t>
-            </a:r>
-            <a:r>
-              <a:rPr lang="en-US" altLang="zh-CN" dirty="0"/>
-              <a:t>];</a:t>
+              <a:t>    attribute_info     attributes[attributes_count];</a:t>
             </a:r>
           </a:p>
           <a:p>
@@ -8360,7 +9303,7 @@
                     <a:lstStyle/>
                     <a:p>
                       <a:r>
-                        <a:rPr lang="en-US" sz="1400" i="1" dirty="0" err="1"/>
+                        <a:rPr lang="en-US" sz="1400" i="1" dirty="0"/>
                         <a:t>FieldType</a:t>
                       </a:r>
                       <a:r>
@@ -8405,7 +9348,7 @@
                     <a:lstStyle/>
                     <a:p>
                       <a:r>
-                        <a:rPr lang="en-US" sz="1400"/>
+                        <a:rPr lang="en-US" sz="1400" dirty="0"/>
                         <a:t>B</a:t>
                       </a:r>
                     </a:p>
@@ -8418,7 +9361,7 @@
                     <a:lstStyle/>
                     <a:p>
                       <a:r>
-                        <a:rPr lang="en-US" sz="1400"/>
+                        <a:rPr lang="en-US" sz="1400" dirty="0"/>
                         <a:t>byte</a:t>
                       </a:r>
                     </a:p>
@@ -8438,7 +9381,7 @@
                     <a:lstStyle/>
                     <a:p>
                       <a:r>
-                        <a:rPr lang="en-US" sz="1400"/>
+                        <a:rPr lang="en-US" sz="1400" dirty="0"/>
                         <a:t>C</a:t>
                       </a:r>
                     </a:p>
@@ -8451,7 +9394,7 @@
                     <a:lstStyle/>
                     <a:p>
                       <a:r>
-                        <a:rPr lang="en-US" sz="1400"/>
+                        <a:rPr lang="en-US" sz="1400" dirty="0"/>
                         <a:t>char</a:t>
                       </a:r>
                     </a:p>
@@ -8471,7 +9414,7 @@
                     <a:lstStyle/>
                     <a:p>
                       <a:r>
-                        <a:rPr lang="en-US" sz="1400"/>
+                        <a:rPr lang="en-US" sz="1400" dirty="0"/>
                         <a:t>D</a:t>
                       </a:r>
                     </a:p>
@@ -8484,7 +9427,7 @@
                     <a:lstStyle/>
                     <a:p>
                       <a:r>
-                        <a:rPr lang="en-US" sz="1400"/>
+                        <a:rPr lang="en-US" sz="1400" dirty="0"/>
                         <a:t>double</a:t>
                       </a:r>
                     </a:p>
@@ -8504,7 +9447,7 @@
                     <a:lstStyle/>
                     <a:p>
                       <a:r>
-                        <a:rPr lang="en-US" sz="1400"/>
+                        <a:rPr lang="en-US" sz="1400" dirty="0"/>
                         <a:t>F</a:t>
                       </a:r>
                     </a:p>
@@ -8517,7 +9460,7 @@
                     <a:lstStyle/>
                     <a:p>
                       <a:r>
-                        <a:rPr lang="en-US" sz="1400"/>
+                        <a:rPr lang="en-US" sz="1400" dirty="0"/>
                         <a:t>float</a:t>
                       </a:r>
                     </a:p>
@@ -8537,7 +9480,7 @@
                     <a:lstStyle/>
                     <a:p>
                       <a:r>
-                        <a:rPr lang="en-US" sz="1400"/>
+                        <a:rPr lang="en-US" sz="1400" dirty="0"/>
                         <a:t>I</a:t>
                       </a:r>
                     </a:p>
@@ -8550,10 +9493,9 @@
                     <a:lstStyle/>
                     <a:p>
                       <a:r>
-                        <a:rPr lang="en-US" sz="1400" dirty="0" err="1"/>
+                        <a:rPr lang="en-US" sz="1400" dirty="0"/>
                         <a:t>int</a:t>
                       </a:r>
-                      <a:endParaRPr lang="en-US" sz="1400" dirty="0"/>
                     </a:p>
                   </a:txBody>
                   <a:tcPr anchor="ctr"/>
@@ -8571,7 +9513,7 @@
                     <a:lstStyle/>
                     <a:p>
                       <a:r>
-                        <a:rPr lang="en-US" sz="1400"/>
+                        <a:rPr lang="en-US" sz="1400" dirty="0"/>
                         <a:t>J</a:t>
                       </a:r>
                     </a:p>
@@ -8584,7 +9526,7 @@
                     <a:lstStyle/>
                     <a:p>
                       <a:r>
-                        <a:rPr lang="en-US" sz="1400"/>
+                        <a:rPr lang="en-US" sz="1400" dirty="0"/>
                         <a:t>long</a:t>
                       </a:r>
                     </a:p>
@@ -8604,15 +9546,15 @@
                     <a:lstStyle/>
                     <a:p>
                       <a:r>
-                        <a:rPr lang="en-US" sz="1400"/>
+                        <a:rPr lang="en-US" sz="1400" dirty="0"/>
                         <a:t>L </a:t>
                       </a:r>
                       <a:r>
-                        <a:rPr lang="en-US" sz="1400" i="1"/>
+                        <a:rPr lang="en-US" sz="1400" i="1" dirty="0"/>
                         <a:t>ClassName</a:t>
                       </a:r>
                       <a:r>
-                        <a:rPr lang="en-US" sz="1400"/>
+                        <a:rPr lang="en-US" sz="1400" dirty="0"/>
                         <a:t> ;</a:t>
                       </a:r>
                     </a:p>
@@ -8625,7 +9567,7 @@
                     <a:lstStyle/>
                     <a:p>
                       <a:r>
-                        <a:rPr lang="en-US" sz="1400"/>
+                        <a:rPr lang="en-US" sz="1400" dirty="0"/>
                         <a:t>reference</a:t>
                       </a:r>
                     </a:p>
@@ -8645,7 +9587,7 @@
                     <a:lstStyle/>
                     <a:p>
                       <a:r>
-                        <a:rPr lang="en-US" sz="1400"/>
+                        <a:rPr lang="en-US" sz="1400" dirty="0"/>
                         <a:t>S</a:t>
                       </a:r>
                     </a:p>
@@ -8658,7 +9600,7 @@
                     <a:lstStyle/>
                     <a:p>
                       <a:r>
-                        <a:rPr lang="en-US" sz="1400"/>
+                        <a:rPr lang="en-US" sz="1400" dirty="0"/>
                         <a:t>short</a:t>
                       </a:r>
                     </a:p>
@@ -8678,7 +9620,7 @@
                     <a:lstStyle/>
                     <a:p>
                       <a:r>
-                        <a:rPr lang="en-US" sz="1400"/>
+                        <a:rPr lang="en-US" sz="1400" dirty="0"/>
                         <a:t>Z</a:t>
                       </a:r>
                     </a:p>
@@ -8691,7 +9633,7 @@
                     <a:lstStyle/>
                     <a:p>
                       <a:r>
-                        <a:rPr lang="en-US" sz="1400"/>
+                        <a:rPr lang="en-US" sz="1400" dirty="0"/>
                         <a:t>boolean</a:t>
                       </a:r>
                     </a:p>
@@ -8711,7 +9653,7 @@
                     <a:lstStyle/>
                     <a:p>
                       <a:r>
-                        <a:rPr lang="en-US" altLang="zh-CN" sz="1400"/>
+                        <a:rPr lang="en-US" altLang="zh-CN" sz="1400" dirty="0"/>
                         <a:t>[</a:t>
                       </a:r>
                     </a:p>
@@ -8754,7 +9696,7 @@
 </p:sld>
 </file>
 
-<file path=ppt/slides/slide22.xml><?xml version="1.0" encoding="utf-8"?>
+<file path=ppt/slides/slide24.xml><?xml version="1.0" encoding="utf-8"?>
 <p:sld xmlns:a="http://schemas.openxmlformats.org/drawingml/2006/main" xmlns:r="http://schemas.openxmlformats.org/officeDocument/2006/relationships" xmlns:p="http://schemas.openxmlformats.org/presentationml/2006/main">
   <p:cSld>
     <p:spTree>
@@ -8798,14 +9740,14 @@
               <a:t>class file</a:t>
             </a:r>
             <a:r>
-              <a:rPr kumimoji="1" lang="zh-CN" altLang="en-US" dirty="0"/>
+              <a:rPr kumimoji="1" lang="zh-CN" altLang="en-US"/>
               <a:t>中的</a:t>
             </a:r>
             <a:r>
               <a:rPr lang="en-US" altLang="zh-CN" b="1" dirty="0"/>
               <a:t>Constant Pool</a:t>
             </a:r>
-            <a:endParaRPr kumimoji="1" lang="zh-CN" altLang="en-US" dirty="0"/>
+            <a:endParaRPr kumimoji="1" lang="zh-CN" altLang="en-US"/>
           </a:p>
         </p:txBody>
       </p:sp>
@@ -8912,7 +9854,7 @@
                     <a:p>
                       <a:pPr algn="l" fontAlgn="ctr"/>
                       <a:r>
-                        <a:rPr lang="en-US" sz="1000" b="0" i="0" u="none" strike="noStrike">
+                        <a:rPr lang="en-US" sz="1000" b="0" i="0" u="none" strike="noStrike" dirty="0">
                           <a:solidFill>
                             <a:srgbClr val="000000"/>
                           </a:solidFill>
@@ -8961,7 +9903,7 @@
                     <a:p>
                       <a:pPr algn="l" fontAlgn="ctr"/>
                       <a:r>
-                        <a:rPr lang="en-US" sz="1000" b="0" i="0" u="none" strike="noStrike">
+                        <a:rPr lang="en-US" sz="1000" b="0" i="0" u="none" strike="noStrike" dirty="0">
                           <a:solidFill>
                             <a:srgbClr val="000000"/>
                           </a:solidFill>
@@ -9010,7 +9952,7 @@
                     <a:p>
                       <a:pPr algn="l" fontAlgn="ctr"/>
                       <a:r>
-                        <a:rPr lang="en-US" sz="1000" b="0" i="0" u="none" strike="noStrike">
+                        <a:rPr lang="en-US" sz="1000" b="0" i="0" u="none" strike="noStrike" dirty="0">
                           <a:solidFill>
                             <a:srgbClr val="000000"/>
                           </a:solidFill>
@@ -9059,7 +10001,7 @@
                     <a:p>
                       <a:pPr algn="l" fontAlgn="ctr"/>
                       <a:r>
-                        <a:rPr lang="en-US" sz="1000" b="0" i="0" u="none" strike="noStrike">
+                        <a:rPr lang="en-US" sz="1000" b="0" i="0" u="none" strike="noStrike" dirty="0">
                           <a:solidFill>
                             <a:srgbClr val="000000"/>
                           </a:solidFill>
@@ -9108,7 +10050,7 @@
                     <a:p>
                       <a:pPr algn="l" fontAlgn="ctr"/>
                       <a:r>
-                        <a:rPr lang="en-US" sz="1000" b="0" i="0" u="none" strike="noStrike">
+                        <a:rPr lang="en-US" sz="1000" b="0" i="0" u="none" strike="noStrike" dirty="0">
                           <a:solidFill>
                             <a:srgbClr val="000000"/>
                           </a:solidFill>
@@ -9157,7 +10099,7 @@
                     <a:p>
                       <a:pPr algn="l" fontAlgn="ctr"/>
                       <a:r>
-                        <a:rPr lang="en-US" sz="1000" b="0" i="0" u="none" strike="noStrike">
+                        <a:rPr lang="en-US" sz="1000" b="0" i="0" u="none" strike="noStrike" dirty="0">
                           <a:solidFill>
                             <a:srgbClr val="000000"/>
                           </a:solidFill>
@@ -9206,7 +10148,7 @@
                     <a:p>
                       <a:pPr algn="l" fontAlgn="ctr"/>
                       <a:r>
-                        <a:rPr lang="en-US" sz="1000" b="0" i="0" u="none" strike="noStrike">
+                        <a:rPr lang="en-US" sz="1000" b="0" i="0" u="none" strike="noStrike" dirty="0">
                           <a:solidFill>
                             <a:srgbClr val="000000"/>
                           </a:solidFill>
@@ -9255,7 +10197,7 @@
                     <a:p>
                       <a:pPr algn="l" fontAlgn="ctr"/>
                       <a:r>
-                        <a:rPr lang="en-US" sz="1000" b="0" i="0" u="none" strike="noStrike">
+                        <a:rPr lang="en-US" sz="1000" b="0" i="0" u="none" strike="noStrike" dirty="0">
                           <a:solidFill>
                             <a:srgbClr val="000000"/>
                           </a:solidFill>
@@ -9304,7 +10246,7 @@
                     <a:p>
                       <a:pPr algn="l" fontAlgn="ctr"/>
                       <a:r>
-                        <a:rPr lang="en-US" sz="1000" b="0" i="0" u="none" strike="noStrike">
+                        <a:rPr lang="en-US" sz="1000" b="0" i="0" u="none" strike="noStrike" dirty="0">
                           <a:solidFill>
                             <a:srgbClr val="000000"/>
                           </a:solidFill>
@@ -9325,7 +10267,7 @@
                     <a:p>
                       <a:pPr algn="ctr" fontAlgn="ctr"/>
                       <a:r>
-                        <a:rPr lang="en-US" altLang="zh-CN" sz="1200" b="0" i="0" u="none" strike="noStrike">
+                        <a:rPr lang="en-US" altLang="zh-CN" sz="1200" b="0" i="0" u="none" strike="noStrike" dirty="0">
                           <a:solidFill>
                             <a:srgbClr val="000000"/>
                           </a:solidFill>
@@ -9353,7 +10295,7 @@
                     <a:p>
                       <a:pPr algn="l" fontAlgn="ctr"/>
                       <a:r>
-                        <a:rPr lang="en-US" sz="1000" b="0" i="0" u="none" strike="noStrike">
+                        <a:rPr lang="en-US" sz="1000" b="0" i="0" u="none" strike="noStrike" dirty="0">
                           <a:solidFill>
                             <a:srgbClr val="000000"/>
                           </a:solidFill>
@@ -9402,7 +10344,7 @@
                     <a:p>
                       <a:pPr algn="l" fontAlgn="ctr"/>
                       <a:r>
-                        <a:rPr lang="en-US" sz="1000" b="0" i="0" u="none" strike="noStrike">
+                        <a:rPr lang="en-US" sz="1000" b="0" i="0" u="none" strike="noStrike" dirty="0">
                           <a:solidFill>
                             <a:srgbClr val="000000"/>
                           </a:solidFill>
@@ -9451,7 +10393,7 @@
                     <a:p>
                       <a:pPr algn="l" fontAlgn="ctr"/>
                       <a:r>
-                        <a:rPr lang="en-US" sz="1000" b="0" i="0" u="none" strike="noStrike">
+                        <a:rPr lang="en-US" sz="1000" b="0" i="0" u="none" strike="noStrike" dirty="0">
                           <a:solidFill>
                             <a:srgbClr val="000000"/>
                           </a:solidFill>
@@ -9500,7 +10442,7 @@
                     <a:p>
                       <a:pPr algn="l" fontAlgn="ctr"/>
                       <a:r>
-                        <a:rPr lang="en-US" sz="1000" b="0" i="0" u="none" strike="noStrike">
+                        <a:rPr lang="en-US" sz="1000" b="0" i="0" u="none" strike="noStrike" dirty="0">
                           <a:solidFill>
                             <a:srgbClr val="000000"/>
                           </a:solidFill>
@@ -9549,7 +10491,7 @@
                     <a:p>
                       <a:pPr algn="l" fontAlgn="ctr"/>
                       <a:r>
-                        <a:rPr lang="en-US" sz="1000" b="0" i="0" u="none" strike="noStrike">
+                        <a:rPr lang="en-US" sz="1000" b="0" i="0" u="none" strike="noStrike" dirty="0">
                           <a:solidFill>
                             <a:srgbClr val="000000"/>
                           </a:solidFill>
@@ -9598,7 +10540,7 @@
                     <a:p>
                       <a:pPr algn="l" fontAlgn="ctr"/>
                       <a:r>
-                        <a:rPr lang="en-US" sz="1000" b="0" i="0" u="none" strike="noStrike">
+                        <a:rPr lang="en-US" sz="1000" b="0" i="0" u="none" strike="noStrike" dirty="0">
                           <a:solidFill>
                             <a:srgbClr val="000000"/>
                           </a:solidFill>
@@ -9647,7 +10589,7 @@
                     <a:p>
                       <a:pPr algn="l" fontAlgn="ctr"/>
                       <a:r>
-                        <a:rPr lang="en-US" sz="1000" b="0" i="0" u="none" strike="noStrike">
+                        <a:rPr lang="en-US" sz="1000" b="0" i="0" u="none" strike="noStrike" dirty="0">
                           <a:solidFill>
                             <a:srgbClr val="000000"/>
                           </a:solidFill>
@@ -9696,7 +10638,7 @@
                     <a:p>
                       <a:pPr algn="l" fontAlgn="ctr"/>
                       <a:r>
-                        <a:rPr lang="en-US" sz="1000" b="0" i="0" u="none" strike="noStrike">
+                        <a:rPr lang="en-US" sz="1000" b="0" i="0" u="none" strike="noStrike" dirty="0">
                           <a:solidFill>
                             <a:srgbClr val="000000"/>
                           </a:solidFill>
@@ -9770,12 +10712,8 @@
           <a:lstStyle/>
           <a:p>
             <a:r>
-              <a:rPr lang="en-US" altLang="zh-CN" dirty="0" err="1"/>
-              <a:t>cp_info</a:t>
-            </a:r>
-            <a:r>
               <a:rPr lang="en-US" altLang="zh-CN" dirty="0"/>
-              <a:t> {</a:t>
+              <a:t>cp_info {</a:t>
             </a:r>
           </a:p>
           <a:p>
@@ -9812,7 +10750,7 @@
 </p:sld>
 </file>
 
-<file path=ppt/slides/slide23.xml><?xml version="1.0" encoding="utf-8"?>
+<file path=ppt/slides/slide25.xml><?xml version="1.0" encoding="utf-8"?>
 <p:sld xmlns:a="http://schemas.openxmlformats.org/drawingml/2006/main" xmlns:r="http://schemas.openxmlformats.org/officeDocument/2006/relationships" xmlns:p="http://schemas.openxmlformats.org/presentationml/2006/main">
   <p:cSld>
     <p:spTree>
@@ -9855,7 +10793,7 @@
               <a:rPr lang="en-US" altLang="zh-CN" dirty="0"/>
               <a:t>Methods</a:t>
             </a:r>
-            <a:endParaRPr kumimoji="1" lang="zh-CN" altLang="en-US" dirty="0"/>
+            <a:endParaRPr kumimoji="1" lang="zh-CN" altLang="en-US"/>
           </a:p>
         </p:txBody>
       </p:sp>
@@ -9934,7 +10872,7 @@
                     <a:p>
                       <a:pPr algn="l" fontAlgn="ctr"/>
                       <a:r>
-                        <a:rPr lang="en-US" sz="1200" b="1" i="0" u="none" strike="noStrike">
+                        <a:rPr lang="en-US" sz="1200" b="1" i="0" u="none" strike="noStrike" dirty="0">
                           <a:solidFill>
                             <a:srgbClr val="000000"/>
                           </a:solidFill>
@@ -9962,7 +10900,7 @@
                     <a:p>
                       <a:pPr algn="l" fontAlgn="ctr"/>
                       <a:r>
-                        <a:rPr lang="en-US" sz="1000" b="0" i="0" u="none" strike="noStrike">
+                        <a:rPr lang="en-US" sz="1000" b="0" i="0" u="none" strike="noStrike" dirty="0">
                           <a:solidFill>
                             <a:srgbClr val="000000"/>
                           </a:solidFill>
@@ -9983,7 +10921,7 @@
                     <a:p>
                       <a:pPr algn="l" fontAlgn="ctr"/>
                       <a:r>
-                        <a:rPr lang="en-US" sz="1200" b="0" i="0" u="none" strike="noStrike">
+                        <a:rPr lang="en-US" sz="1200" b="0" i="0" u="none" strike="noStrike" dirty="0">
                           <a:solidFill>
                             <a:srgbClr val="000000"/>
                           </a:solidFill>
@@ -10011,7 +10949,7 @@
                     <a:p>
                       <a:pPr algn="l" fontAlgn="ctr"/>
                       <a:r>
-                        <a:rPr lang="en-US" sz="1000" b="0" i="0" u="none" strike="noStrike">
+                        <a:rPr lang="en-US" sz="1000" b="0" i="0" u="none" strike="noStrike" dirty="0">
                           <a:solidFill>
                             <a:srgbClr val="000000"/>
                           </a:solidFill>
@@ -10032,7 +10970,7 @@
                     <a:p>
                       <a:pPr algn="l" fontAlgn="ctr"/>
                       <a:r>
-                        <a:rPr lang="en-US" sz="1200" b="0" i="0" u="none" strike="noStrike">
+                        <a:rPr lang="en-US" sz="1200" b="0" i="0" u="none" strike="noStrike" dirty="0">
                           <a:solidFill>
                             <a:srgbClr val="000000"/>
                           </a:solidFill>
@@ -10060,7 +10998,7 @@
                     <a:p>
                       <a:pPr algn="l" fontAlgn="ctr"/>
                       <a:r>
-                        <a:rPr lang="en-US" sz="1000" b="0" i="0" u="none" strike="noStrike">
+                        <a:rPr lang="en-US" sz="1000" b="0" i="0" u="none" strike="noStrike" dirty="0">
                           <a:solidFill>
                             <a:srgbClr val="000000"/>
                           </a:solidFill>
@@ -10081,7 +11019,7 @@
                     <a:p>
                       <a:pPr algn="l" fontAlgn="ctr"/>
                       <a:r>
-                        <a:rPr lang="en-US" sz="1200" b="0" i="0" u="none" strike="noStrike">
+                        <a:rPr lang="en-US" sz="1200" b="0" i="0" u="none" strike="noStrike" dirty="0">
                           <a:solidFill>
                             <a:srgbClr val="000000"/>
                           </a:solidFill>
@@ -10109,7 +11047,7 @@
                     <a:p>
                       <a:pPr algn="l" fontAlgn="ctr"/>
                       <a:r>
-                        <a:rPr lang="en-US" sz="1000" b="0" i="0" u="none" strike="noStrike">
+                        <a:rPr lang="en-US" sz="1000" b="0" i="0" u="none" strike="noStrike" dirty="0">
                           <a:solidFill>
                             <a:srgbClr val="000000"/>
                           </a:solidFill>
@@ -10130,7 +11068,7 @@
                     <a:p>
                       <a:pPr algn="l" fontAlgn="ctr"/>
                       <a:r>
-                        <a:rPr lang="en-US" sz="1200" b="0" i="0" u="none" strike="noStrike">
+                        <a:rPr lang="en-US" sz="1200" b="0" i="0" u="none" strike="noStrike" dirty="0">
                           <a:solidFill>
                             <a:srgbClr val="000000"/>
                           </a:solidFill>
@@ -10158,7 +11096,7 @@
                     <a:p>
                       <a:pPr algn="l" fontAlgn="ctr"/>
                       <a:r>
-                        <a:rPr lang="en-US" sz="1000" b="0" i="0" u="none" strike="noStrike">
+                        <a:rPr lang="en-US" sz="1000" b="0" i="0" u="none" strike="noStrike" dirty="0">
                           <a:solidFill>
                             <a:srgbClr val="000000"/>
                           </a:solidFill>
@@ -10179,7 +11117,7 @@
                     <a:p>
                       <a:pPr algn="l" fontAlgn="ctr"/>
                       <a:r>
-                        <a:rPr lang="en-US" sz="1200" b="0" i="0" u="none" strike="noStrike">
+                        <a:rPr lang="en-US" sz="1200" b="0" i="0" u="none" strike="noStrike" dirty="0">
                           <a:solidFill>
                             <a:srgbClr val="000000"/>
                           </a:solidFill>
@@ -10207,7 +11145,7 @@
                     <a:p>
                       <a:pPr algn="l" fontAlgn="ctr"/>
                       <a:r>
-                        <a:rPr lang="en-US" sz="1000" b="0" i="0" u="none" strike="noStrike">
+                        <a:rPr lang="en-US" sz="1000" b="0" i="0" u="none" strike="noStrike" dirty="0">
                           <a:solidFill>
                             <a:srgbClr val="000000"/>
                           </a:solidFill>
@@ -10228,7 +11166,7 @@
                     <a:p>
                       <a:pPr algn="l" fontAlgn="ctr"/>
                       <a:r>
-                        <a:rPr lang="en-US" sz="1200" b="0" i="0" u="none" strike="noStrike">
+                        <a:rPr lang="en-US" sz="1200" b="0" i="0" u="none" strike="noStrike" dirty="0">
                           <a:solidFill>
                             <a:srgbClr val="000000"/>
                           </a:solidFill>
@@ -10256,7 +11194,7 @@
                     <a:p>
                       <a:pPr algn="l" fontAlgn="ctr"/>
                       <a:r>
-                        <a:rPr lang="en-US" sz="1000" b="0" i="0" u="none" strike="noStrike">
+                        <a:rPr lang="en-US" sz="1000" b="0" i="0" u="none" strike="noStrike" dirty="0">
                           <a:solidFill>
                             <a:srgbClr val="000000"/>
                           </a:solidFill>
@@ -10277,7 +11215,7 @@
                     <a:p>
                       <a:pPr algn="l" fontAlgn="ctr"/>
                       <a:r>
-                        <a:rPr lang="en-US" sz="1200" b="0" i="0" u="none" strike="noStrike">
+                        <a:rPr lang="en-US" sz="1200" b="0" i="0" u="none" strike="noStrike" dirty="0">
                           <a:solidFill>
                             <a:srgbClr val="000000"/>
                           </a:solidFill>
@@ -10305,7 +11243,7 @@
                     <a:p>
                       <a:pPr algn="l" fontAlgn="ctr"/>
                       <a:r>
-                        <a:rPr lang="en-US" sz="1000" b="0" i="0" u="none" strike="noStrike">
+                        <a:rPr lang="en-US" sz="1000" b="0" i="0" u="none" strike="noStrike" dirty="0">
                           <a:solidFill>
                             <a:srgbClr val="000000"/>
                           </a:solidFill>
@@ -10326,7 +11264,7 @@
                     <a:p>
                       <a:pPr algn="l" fontAlgn="ctr"/>
                       <a:r>
-                        <a:rPr lang="en-US" sz="1200" b="0" i="0" u="none" strike="noStrike">
+                        <a:rPr lang="en-US" sz="1200" b="0" i="0" u="none" strike="noStrike" dirty="0">
                           <a:solidFill>
                             <a:srgbClr val="000000"/>
                           </a:solidFill>
@@ -10354,7 +11292,7 @@
                     <a:p>
                       <a:pPr algn="l" fontAlgn="ctr"/>
                       <a:r>
-                        <a:rPr lang="en-US" sz="1000" b="0" i="0" u="none" strike="noStrike">
+                        <a:rPr lang="en-US" sz="1000" b="0" i="0" u="none" strike="noStrike" dirty="0">
                           <a:solidFill>
                             <a:srgbClr val="000000"/>
                           </a:solidFill>
@@ -10375,7 +11313,7 @@
                     <a:p>
                       <a:pPr algn="l" fontAlgn="ctr"/>
                       <a:r>
-                        <a:rPr lang="en-US" sz="1200" b="0" i="0" u="none" strike="noStrike">
+                        <a:rPr lang="en-US" sz="1200" b="0" i="0" u="none" strike="noStrike" dirty="0">
                           <a:solidFill>
                             <a:srgbClr val="000000"/>
                           </a:solidFill>
@@ -10403,7 +11341,7 @@
                     <a:p>
                       <a:pPr algn="l" fontAlgn="ctr"/>
                       <a:r>
-                        <a:rPr lang="en-US" sz="1000" b="0" i="0" u="none" strike="noStrike">
+                        <a:rPr lang="en-US" sz="1000" b="0" i="0" u="none" strike="noStrike" dirty="0">
                           <a:solidFill>
                             <a:srgbClr val="000000"/>
                           </a:solidFill>
@@ -10424,7 +11362,7 @@
                     <a:p>
                       <a:pPr algn="l" fontAlgn="ctr"/>
                       <a:r>
-                        <a:rPr lang="en-US" sz="1200" b="0" i="0" u="none" strike="noStrike">
+                        <a:rPr lang="en-US" sz="1200" b="0" i="0" u="none" strike="noStrike" dirty="0">
                           <a:solidFill>
                             <a:srgbClr val="000000"/>
                           </a:solidFill>
@@ -10452,7 +11390,7 @@
                     <a:p>
                       <a:pPr algn="l" fontAlgn="ctr"/>
                       <a:r>
-                        <a:rPr lang="en-US" sz="1000" b="0" i="0" u="none" strike="noStrike">
+                        <a:rPr lang="en-US" sz="1000" b="0" i="0" u="none" strike="noStrike" dirty="0">
                           <a:solidFill>
                             <a:srgbClr val="000000"/>
                           </a:solidFill>
@@ -10473,7 +11411,7 @@
                     <a:p>
                       <a:pPr algn="l" fontAlgn="ctr"/>
                       <a:r>
-                        <a:rPr lang="en-US" sz="1200" b="0" i="0" u="none" strike="noStrike">
+                        <a:rPr lang="en-US" sz="1200" b="0" i="0" u="none" strike="noStrike" dirty="0">
                           <a:solidFill>
                             <a:srgbClr val="000000"/>
                           </a:solidFill>
@@ -10501,7 +11439,7 @@
                     <a:p>
                       <a:pPr algn="l" fontAlgn="ctr"/>
                       <a:r>
-                        <a:rPr lang="en-US" sz="1000" b="0" i="0" u="none" strike="noStrike">
+                        <a:rPr lang="en-US" sz="1000" b="0" i="0" u="none" strike="noStrike" dirty="0">
                           <a:solidFill>
                             <a:srgbClr val="000000"/>
                           </a:solidFill>
@@ -10575,90 +11513,38 @@
           <a:lstStyle/>
           <a:p>
             <a:r>
-              <a:rPr lang="en-US" altLang="zh-CN" dirty="0" err="1"/>
-              <a:t>method_info</a:t>
-            </a:r>
-            <a:r>
               <a:rPr lang="en-US" altLang="zh-CN" dirty="0"/>
-              <a:t> {</a:t>
+              <a:t>method_info {</a:t>
             </a:r>
           </a:p>
           <a:p>
             <a:r>
               <a:rPr lang="en-US" altLang="zh-CN" dirty="0"/>
-              <a:t>    u2                          </a:t>
-            </a:r>
-            <a:r>
-              <a:rPr lang="en-US" altLang="zh-CN" dirty="0" err="1"/>
-              <a:t>access_flags</a:t>
-            </a:r>
+              <a:t>    u2                          access_flags;</a:t>
+            </a:r>
+          </a:p>
+          <a:p>
             <a:r>
               <a:rPr lang="en-US" altLang="zh-CN" dirty="0"/>
-              <a:t>;</a:t>
+              <a:t>    u2                          name_index;</a:t>
             </a:r>
           </a:p>
           <a:p>
             <a:r>
               <a:rPr lang="en-US" altLang="zh-CN" dirty="0"/>
-              <a:t>    u2                          </a:t>
-            </a:r>
-            <a:r>
-              <a:rPr lang="en-US" altLang="zh-CN" dirty="0" err="1"/>
-              <a:t>name_index</a:t>
-            </a:r>
+              <a:t>    u2                          descriptor_index;</a:t>
+            </a:r>
+          </a:p>
+          <a:p>
             <a:r>
               <a:rPr lang="en-US" altLang="zh-CN" dirty="0"/>
-              <a:t>;</a:t>
+              <a:t>    u2                          attributes_count;</a:t>
             </a:r>
           </a:p>
           <a:p>
             <a:r>
               <a:rPr lang="en-US" altLang="zh-CN" dirty="0"/>
-              <a:t>    u2                          </a:t>
-            </a:r>
-            <a:r>
-              <a:rPr lang="en-US" altLang="zh-CN" dirty="0" err="1"/>
-              <a:t>descriptor_index</a:t>
-            </a:r>
-            <a:r>
-              <a:rPr lang="en-US" altLang="zh-CN" dirty="0"/>
-              <a:t>;</a:t>
-            </a:r>
-          </a:p>
-          <a:p>
-            <a:r>
-              <a:rPr lang="en-US" altLang="zh-CN" dirty="0"/>
-              <a:t>    u2                          </a:t>
-            </a:r>
-            <a:r>
-              <a:rPr lang="en-US" altLang="zh-CN" dirty="0" err="1"/>
-              <a:t>attributes_count</a:t>
-            </a:r>
-            <a:r>
-              <a:rPr lang="en-US" altLang="zh-CN" dirty="0"/>
-              <a:t>;</a:t>
-            </a:r>
-          </a:p>
-          <a:p>
-            <a:r>
-              <a:rPr lang="en-US" altLang="zh-CN" dirty="0"/>
-              <a:t>    </a:t>
-            </a:r>
-            <a:r>
-              <a:rPr lang="en-US" altLang="zh-CN" dirty="0" err="1"/>
-              <a:t>attribute_info</a:t>
-            </a:r>
-            <a:r>
-              <a:rPr lang="en-US" altLang="zh-CN" dirty="0"/>
-              <a:t>         attributes[</a:t>
-            </a:r>
-            <a:r>
-              <a:rPr lang="en-US" altLang="zh-CN" dirty="0" err="1"/>
-              <a:t>attributes_count</a:t>
-            </a:r>
-            <a:r>
-              <a:rPr lang="en-US" altLang="zh-CN" dirty="0"/>
-              <a:t>];</a:t>
+              <a:t>    attribute_info         attributes[attributes_count];</a:t>
             </a:r>
           </a:p>
           <a:p>
@@ -10683,7 +11569,7 @@
 </p:sld>
 </file>
 
-<file path=ppt/slides/slide24.xml><?xml version="1.0" encoding="utf-8"?>
+<file path=ppt/slides/slide26.xml><?xml version="1.0" encoding="utf-8"?>
 <p:sld xmlns:a="http://schemas.openxmlformats.org/drawingml/2006/main" xmlns:r="http://schemas.openxmlformats.org/officeDocument/2006/relationships" xmlns:p="http://schemas.openxmlformats.org/presentationml/2006/main">
   <p:cSld>
     <p:spTree>
@@ -10726,7 +11612,7 @@
               <a:rPr lang="en-US" altLang="zh-CN" b="1" dirty="0"/>
               <a:t>Attributes</a:t>
             </a:r>
-            <a:endParaRPr kumimoji="1" lang="zh-CN" altLang="en-US" dirty="0"/>
+            <a:endParaRPr kumimoji="1" lang="zh-CN" altLang="en-US"/>
           </a:p>
         </p:txBody>
       </p:sp>
@@ -10759,54 +11645,26 @@
           <a:lstStyle/>
           <a:p>
             <a:r>
-              <a:rPr lang="en-US" altLang="zh-CN" dirty="0" err="1"/>
-              <a:t>attribute_info</a:t>
-            </a:r>
-            <a:r>
               <a:rPr lang="en-US" altLang="zh-CN" dirty="0"/>
-              <a:t> {</a:t>
+              <a:t>attribute_info {</a:t>
             </a:r>
           </a:p>
           <a:p>
             <a:r>
               <a:rPr lang="en-US" altLang="zh-CN" dirty="0"/>
-              <a:t>    u2 </a:t>
-            </a:r>
-            <a:r>
-              <a:rPr lang="en-US" altLang="zh-CN" dirty="0" err="1"/>
-              <a:t>attribute_name_index</a:t>
-            </a:r>
+              <a:t>    u2 attribute_name_index;</a:t>
+            </a:r>
+          </a:p>
+          <a:p>
             <a:r>
               <a:rPr lang="en-US" altLang="zh-CN" dirty="0"/>
-              <a:t>;</a:t>
+              <a:t>    u4 attribute_length;</a:t>
             </a:r>
           </a:p>
           <a:p>
             <a:r>
               <a:rPr lang="en-US" altLang="zh-CN" dirty="0"/>
-              <a:t>    u4 </a:t>
-            </a:r>
-            <a:r>
-              <a:rPr lang="en-US" altLang="zh-CN" dirty="0" err="1"/>
-              <a:t>attribute_length</a:t>
-            </a:r>
-            <a:r>
-              <a:rPr lang="en-US" altLang="zh-CN" dirty="0"/>
-              <a:t>;</a:t>
-            </a:r>
-          </a:p>
-          <a:p>
-            <a:r>
-              <a:rPr lang="en-US" altLang="zh-CN" dirty="0"/>
-              <a:t>    u1 info[</a:t>
-            </a:r>
-            <a:r>
-              <a:rPr lang="en-US" altLang="zh-CN" dirty="0" err="1"/>
-              <a:t>attribute_length</a:t>
-            </a:r>
-            <a:r>
-              <a:rPr lang="en-US" altLang="zh-CN" dirty="0"/>
-              <a:t>];</a:t>
+              <a:t>    u1 info[attribute_length];</a:t>
             </a:r>
           </a:p>
           <a:p>
@@ -10853,17 +11711,15 @@
           </a:p>
           <a:p>
             <a:r>
-              <a:rPr kumimoji="1" lang="en-US" altLang="zh-CN" dirty="0" err="1"/>
+              <a:rPr kumimoji="1" lang="en-US" altLang="zh-CN" dirty="0"/>
               <a:t>InnerClasses</a:t>
             </a:r>
-            <a:endParaRPr kumimoji="1" lang="en-US" altLang="zh-CN" dirty="0"/>
-          </a:p>
-          <a:p>
-            <a:r>
-              <a:rPr kumimoji="1" lang="en-US" altLang="zh-CN" dirty="0" err="1"/>
+          </a:p>
+          <a:p>
+            <a:r>
+              <a:rPr kumimoji="1" lang="en-US" altLang="zh-CN" dirty="0"/>
               <a:t>EnclosingMethod</a:t>
             </a:r>
-            <a:endParaRPr kumimoji="1" lang="en-US" altLang="zh-CN" dirty="0"/>
           </a:p>
           <a:p>
             <a:r>
@@ -10879,28 +11735,25 @@
           </a:p>
           <a:p>
             <a:r>
-              <a:rPr kumimoji="1" lang="en-US" altLang="zh-CN" dirty="0" err="1"/>
+              <a:rPr kumimoji="1" lang="en-US" altLang="zh-CN" dirty="0"/>
               <a:t>SourceFile</a:t>
             </a:r>
-            <a:endParaRPr kumimoji="1" lang="en-US" altLang="zh-CN" dirty="0"/>
-          </a:p>
-          <a:p>
-            <a:r>
-              <a:rPr kumimoji="1" lang="en-US" altLang="zh-CN" dirty="0" err="1"/>
+          </a:p>
+          <a:p>
+            <a:r>
+              <a:rPr kumimoji="1" lang="en-US" altLang="zh-CN" dirty="0"/>
               <a:t>LineNumberTable</a:t>
             </a:r>
-            <a:endParaRPr kumimoji="1" lang="en-US" altLang="zh-CN" dirty="0"/>
-          </a:p>
-          <a:p>
-            <a:r>
-              <a:rPr kumimoji="1" lang="en-US" altLang="zh-CN" dirty="0" err="1"/>
+          </a:p>
+          <a:p>
+            <a:r>
+              <a:rPr kumimoji="1" lang="en-US" altLang="zh-CN" dirty="0"/>
               <a:t>LocalVariableTable</a:t>
             </a:r>
-            <a:endParaRPr kumimoji="1" lang="en-US" altLang="zh-CN" dirty="0"/>
-          </a:p>
-          <a:p>
-            <a:r>
-              <a:rPr kumimoji="1" lang="en-US" altLang="zh-CN" dirty="0" err="1"/>
+          </a:p>
+          <a:p>
+            <a:r>
+              <a:rPr kumimoji="1" lang="en-US" altLang="zh-CN" dirty="0"/>
               <a:t>LocalVariableTypeTable</a:t>
             </a:r>
             <a:endParaRPr kumimoji="1" lang="zh-CN" altLang="en-US" dirty="0"/>
@@ -10920,7 +11773,7 @@
 </p:sld>
 </file>
 
-<file path=ppt/slides/slide25.xml><?xml version="1.0" encoding="utf-8"?>
+<file path=ppt/slides/slide27.xml><?xml version="1.0" encoding="utf-8"?>
 <p:sld xmlns:a="http://schemas.openxmlformats.org/drawingml/2006/main" xmlns:r="http://schemas.openxmlformats.org/officeDocument/2006/relationships" xmlns:p="http://schemas.openxmlformats.org/presentationml/2006/main">
   <p:cSld>
     <p:spTree>
@@ -10963,7 +11816,7 @@
               <a:rPr lang="en-US" altLang="zh-CN" b="1" dirty="0"/>
               <a:t>JVM Data Type</a:t>
             </a:r>
-            <a:endParaRPr kumimoji="1" lang="zh-CN" altLang="en-US" dirty="0"/>
+            <a:endParaRPr kumimoji="1" lang="zh-CN" altLang="en-US"/>
           </a:p>
         </p:txBody>
       </p:sp>
@@ -11027,7 +11880,7 @@
                     <a:lstStyle/>
                     <a:p>
                       <a:r>
-                        <a:rPr lang="en-US"/>
+                        <a:rPr lang="en-US" dirty="0"/>
                         <a:t>Actual type</a:t>
                       </a:r>
                     </a:p>
@@ -11040,7 +11893,7 @@
                     <a:lstStyle/>
                     <a:p>
                       <a:r>
-                        <a:rPr lang="en-US"/>
+                        <a:rPr lang="en-US" dirty="0"/>
                         <a:t>Computational type</a:t>
                       </a:r>
                     </a:p>
@@ -11053,7 +11906,7 @@
                     <a:lstStyle/>
                     <a:p>
                       <a:r>
-                        <a:rPr lang="en-US"/>
+                        <a:rPr lang="en-US" dirty="0"/>
                         <a:t>Category</a:t>
                       </a:r>
                     </a:p>
@@ -11073,7 +11926,7 @@
                     <a:lstStyle/>
                     <a:p>
                       <a:r>
-                        <a:rPr lang="en-US"/>
+                        <a:rPr lang="en-US" dirty="0"/>
                         <a:t>boolean</a:t>
                       </a:r>
                     </a:p>
@@ -11086,7 +11939,7 @@
                     <a:lstStyle/>
                     <a:p>
                       <a:r>
-                        <a:rPr lang="en-US"/>
+                        <a:rPr lang="en-US" dirty="0"/>
                         <a:t>int</a:t>
                       </a:r>
                     </a:p>
@@ -11099,7 +11952,7 @@
                     <a:lstStyle/>
                     <a:p>
                       <a:r>
-                        <a:rPr lang="en-US" altLang="zh-CN"/>
+                        <a:rPr lang="en-US" altLang="zh-CN" dirty="0"/>
                         <a:t>1</a:t>
                       </a:r>
                     </a:p>
@@ -11119,7 +11972,7 @@
                     <a:lstStyle/>
                     <a:p>
                       <a:r>
-                        <a:rPr lang="en-US"/>
+                        <a:rPr lang="en-US" dirty="0"/>
                         <a:t>byte</a:t>
                       </a:r>
                     </a:p>
@@ -11132,7 +11985,7 @@
                     <a:lstStyle/>
                     <a:p>
                       <a:r>
-                        <a:rPr lang="en-US"/>
+                        <a:rPr lang="en-US" dirty="0"/>
                         <a:t>int</a:t>
                       </a:r>
                     </a:p>
@@ -11145,7 +11998,7 @@
                     <a:lstStyle/>
                     <a:p>
                       <a:r>
-                        <a:rPr lang="en-US" altLang="zh-CN"/>
+                        <a:rPr lang="en-US" altLang="zh-CN" dirty="0"/>
                         <a:t>1</a:t>
                       </a:r>
                     </a:p>
@@ -11165,7 +12018,7 @@
                     <a:lstStyle/>
                     <a:p>
                       <a:r>
-                        <a:rPr lang="en-US"/>
+                        <a:rPr lang="en-US" dirty="0"/>
                         <a:t>char</a:t>
                       </a:r>
                     </a:p>
@@ -11178,7 +12031,7 @@
                     <a:lstStyle/>
                     <a:p>
                       <a:r>
-                        <a:rPr lang="en-US"/>
+                        <a:rPr lang="en-US" dirty="0"/>
                         <a:t>int</a:t>
                       </a:r>
                     </a:p>
@@ -11191,7 +12044,7 @@
                     <a:lstStyle/>
                     <a:p>
                       <a:r>
-                        <a:rPr lang="en-US" altLang="zh-CN"/>
+                        <a:rPr lang="en-US" altLang="zh-CN" dirty="0"/>
                         <a:t>1</a:t>
                       </a:r>
                     </a:p>
@@ -11211,7 +12064,7 @@
                     <a:lstStyle/>
                     <a:p>
                       <a:r>
-                        <a:rPr lang="en-US"/>
+                        <a:rPr lang="en-US" dirty="0"/>
                         <a:t>short</a:t>
                       </a:r>
                     </a:p>
@@ -11224,7 +12077,7 @@
                     <a:lstStyle/>
                     <a:p>
                       <a:r>
-                        <a:rPr lang="en-US"/>
+                        <a:rPr lang="en-US" dirty="0"/>
                         <a:t>int</a:t>
                       </a:r>
                     </a:p>
@@ -11237,7 +12090,7 @@
                     <a:lstStyle/>
                     <a:p>
                       <a:r>
-                        <a:rPr lang="en-US" altLang="zh-CN"/>
+                        <a:rPr lang="en-US" altLang="zh-CN" dirty="0"/>
                         <a:t>1</a:t>
                       </a:r>
                     </a:p>
@@ -11257,7 +12110,7 @@
                     <a:lstStyle/>
                     <a:p>
                       <a:r>
-                        <a:rPr lang="en-US"/>
+                        <a:rPr lang="en-US" dirty="0"/>
                         <a:t>int</a:t>
                       </a:r>
                     </a:p>
@@ -11270,7 +12123,7 @@
                     <a:lstStyle/>
                     <a:p>
                       <a:r>
-                        <a:rPr lang="en-US"/>
+                        <a:rPr lang="en-US" dirty="0"/>
                         <a:t>int</a:t>
                       </a:r>
                     </a:p>
@@ -11283,7 +12136,7 @@
                     <a:lstStyle/>
                     <a:p>
                       <a:r>
-                        <a:rPr lang="en-US" altLang="zh-CN"/>
+                        <a:rPr lang="en-US" altLang="zh-CN" dirty="0"/>
                         <a:t>1</a:t>
                       </a:r>
                     </a:p>
@@ -11303,7 +12156,7 @@
                     <a:lstStyle/>
                     <a:p>
                       <a:r>
-                        <a:rPr lang="en-US"/>
+                        <a:rPr lang="en-US" dirty="0"/>
                         <a:t>float</a:t>
                       </a:r>
                     </a:p>
@@ -11316,7 +12169,7 @@
                     <a:lstStyle/>
                     <a:p>
                       <a:r>
-                        <a:rPr lang="en-US"/>
+                        <a:rPr lang="en-US" dirty="0"/>
                         <a:t>float</a:t>
                       </a:r>
                     </a:p>
@@ -11329,7 +12182,7 @@
                     <a:lstStyle/>
                     <a:p>
                       <a:r>
-                        <a:rPr lang="en-US" altLang="zh-CN"/>
+                        <a:rPr lang="en-US" altLang="zh-CN" dirty="0"/>
                         <a:t>1</a:t>
                       </a:r>
                     </a:p>
@@ -11349,7 +12202,7 @@
                     <a:lstStyle/>
                     <a:p>
                       <a:r>
-                        <a:rPr lang="en-US"/>
+                        <a:rPr lang="en-US" dirty="0"/>
                         <a:t>reference</a:t>
                       </a:r>
                     </a:p>
@@ -11362,7 +12215,7 @@
                     <a:lstStyle/>
                     <a:p>
                       <a:r>
-                        <a:rPr lang="en-US"/>
+                        <a:rPr lang="en-US" dirty="0"/>
                         <a:t>reference</a:t>
                       </a:r>
                     </a:p>
@@ -11375,7 +12228,7 @@
                     <a:lstStyle/>
                     <a:p>
                       <a:r>
-                        <a:rPr lang="en-US" altLang="zh-CN"/>
+                        <a:rPr lang="en-US" altLang="zh-CN" dirty="0"/>
                         <a:t>1</a:t>
                       </a:r>
                     </a:p>
@@ -11395,10 +12248,9 @@
                     <a:lstStyle/>
                     <a:p>
                       <a:r>
-                        <a:rPr lang="en-US" dirty="0" err="1"/>
+                        <a:rPr lang="en-US" dirty="0"/>
                         <a:t>returnAddress</a:t>
                       </a:r>
-                      <a:endParaRPr lang="en-US" dirty="0"/>
                     </a:p>
                   </a:txBody>
                   <a:tcPr anchor="ctr"/>
@@ -11409,7 +12261,7 @@
                     <a:lstStyle/>
                     <a:p>
                       <a:r>
-                        <a:rPr lang="en-US"/>
+                        <a:rPr lang="en-US" dirty="0"/>
                         <a:t>returnAddress</a:t>
                       </a:r>
                     </a:p>
@@ -11422,7 +12274,7 @@
                     <a:lstStyle/>
                     <a:p>
                       <a:r>
-                        <a:rPr lang="en-US" altLang="zh-CN"/>
+                        <a:rPr lang="en-US" altLang="zh-CN" dirty="0"/>
                         <a:t>1</a:t>
                       </a:r>
                     </a:p>
@@ -11442,7 +12294,7 @@
                     <a:lstStyle/>
                     <a:p>
                       <a:r>
-                        <a:rPr lang="en-US"/>
+                        <a:rPr lang="en-US" dirty="0"/>
                         <a:t>long</a:t>
                       </a:r>
                     </a:p>
@@ -11455,7 +12307,7 @@
                     <a:lstStyle/>
                     <a:p>
                       <a:r>
-                        <a:rPr lang="en-US"/>
+                        <a:rPr lang="en-US" dirty="0"/>
                         <a:t>long</a:t>
                       </a:r>
                     </a:p>
@@ -11468,7 +12320,7 @@
                     <a:lstStyle/>
                     <a:p>
                       <a:r>
-                        <a:rPr lang="en-US" altLang="zh-CN"/>
+                        <a:rPr lang="en-US" altLang="zh-CN" dirty="0"/>
                         <a:t>2</a:t>
                       </a:r>
                     </a:p>
@@ -11488,7 +12340,7 @@
                     <a:lstStyle/>
                     <a:p>
                       <a:r>
-                        <a:rPr lang="en-US"/>
+                        <a:rPr lang="en-US" dirty="0"/>
                         <a:t>double</a:t>
                       </a:r>
                     </a:p>
@@ -11501,7 +12353,7 @@
                     <a:lstStyle/>
                     <a:p>
                       <a:r>
-                        <a:rPr lang="en-US"/>
+                        <a:rPr lang="en-US" dirty="0"/>
                         <a:t>double</a:t>
                       </a:r>
                     </a:p>
@@ -11544,7 +12396,7 @@
 </p:sld>
 </file>
 
-<file path=ppt/slides/slide26.xml><?xml version="1.0" encoding="utf-8"?>
+<file path=ppt/slides/slide28.xml><?xml version="1.0" encoding="utf-8"?>
 <p:sld xmlns:a="http://schemas.openxmlformats.org/drawingml/2006/main" xmlns:r="http://schemas.openxmlformats.org/officeDocument/2006/relationships" xmlns:p="http://schemas.openxmlformats.org/presentationml/2006/main">
   <p:cSld>
     <p:spTree>
@@ -11584,7 +12436,7 @@
           <a:p>
             <a:pPr algn="ctr"/>
             <a:r>
-              <a:rPr kumimoji="1" lang="zh-CN" altLang="en-US" dirty="0"/>
+              <a:rPr kumimoji="1" lang="zh-CN" altLang="en-US"/>
               <a:t>垃圾收集器</a:t>
             </a:r>
           </a:p>
@@ -11616,7 +12468,7 @@
               <a:t>GC</a:t>
             </a:r>
             <a:r>
-              <a:rPr kumimoji="1" lang="zh-CN" altLang="en-US" dirty="0"/>
+              <a:rPr kumimoji="1" lang="zh-CN" altLang="en-US"/>
               <a:t>理论</a:t>
             </a:r>
             <a:endParaRPr kumimoji="1" lang="en-US" altLang="zh-CN" dirty="0"/>
@@ -11627,7 +12479,7 @@
               <a:t>GC</a:t>
             </a:r>
             <a:r>
-              <a:rPr kumimoji="1" lang="zh-CN" altLang="en-US" dirty="0"/>
+              <a:rPr kumimoji="1" lang="zh-CN" altLang="en-US"/>
               <a:t>算法</a:t>
             </a:r>
             <a:endParaRPr kumimoji="1" lang="en-US" altLang="zh-CN" dirty="0"/>
@@ -11652,7 +12504,7 @@
           </a:p>
           <a:p>
             <a:r>
-              <a:rPr kumimoji="1" lang="zh-CN" altLang="en-US" dirty="0"/>
+              <a:rPr kumimoji="1" lang="zh-CN" altLang="en-US"/>
               <a:t>内存泄漏</a:t>
             </a:r>
             <a:r>
@@ -11660,7 +12512,7 @@
               <a:t>vs.</a:t>
             </a:r>
             <a:r>
-              <a:rPr kumimoji="1" lang="zh-CN" altLang="en-US" dirty="0"/>
+              <a:rPr kumimoji="1" lang="zh-CN" altLang="en-US"/>
               <a:t>内存溢出</a:t>
             </a:r>
             <a:endParaRPr kumimoji="1" lang="en-US" altLang="zh-CN" dirty="0"/>
@@ -11676,7 +12528,7 @@
               <a:buNone/>
             </a:pPr>
             <a:r>
-              <a:rPr kumimoji="1" lang="zh-CN" altLang="en-US" i="1" dirty="0">
+              <a:rPr kumimoji="1" lang="zh-CN" altLang="en-US" i="1">
                 <a:solidFill>
                   <a:srgbClr val="FF0000"/>
                 </a:solidFill>
@@ -11692,7 +12544,7 @@
               <a:t>: </a:t>
             </a:r>
             <a:r>
-              <a:rPr kumimoji="1" lang="zh-CN" altLang="en-US" i="1" dirty="0">
+              <a:rPr kumimoji="1" lang="zh-CN" altLang="en-US" i="1">
                 <a:solidFill>
                   <a:srgbClr val="FF0000"/>
                 </a:solidFill>
@@ -11708,7 +12560,7 @@
               <a:t>【GC</a:t>
             </a:r>
             <a:r>
-              <a:rPr kumimoji="1" lang="zh-CN" altLang="en-US" i="1" dirty="0">
+              <a:rPr kumimoji="1" lang="zh-CN" altLang="en-US" i="1">
                 <a:solidFill>
                   <a:srgbClr val="FF0000"/>
                 </a:solidFill>
@@ -11725,7 +12577,7 @@
             </a:r>
           </a:p>
           <a:p>
-            <a:endParaRPr kumimoji="1" lang="zh-CN" altLang="en-US" dirty="0"/>
+            <a:endParaRPr kumimoji="1" lang="zh-CN" altLang="en-US"/>
           </a:p>
         </p:txBody>
       </p:sp>
@@ -11742,7 +12594,7 @@
 </p:sld>
 </file>
 
-<file path=ppt/slides/slide27.xml><?xml version="1.0" encoding="utf-8"?>
+<file path=ppt/slides/slide29.xml><?xml version="1.0" encoding="utf-8"?>
 <p:sld xmlns:a="http://schemas.openxmlformats.org/drawingml/2006/main" xmlns:r="http://schemas.openxmlformats.org/officeDocument/2006/relationships" xmlns:p="http://schemas.openxmlformats.org/presentationml/2006/main">
   <p:cSld>
     <p:spTree>
@@ -11785,6 +12637,11 @@
               <a:rPr kumimoji="1" lang="zh-CN" altLang="en-US" dirty="0"/>
               <a:t>即时编译器</a:t>
             </a:r>
+            <a:r>
+              <a:rPr kumimoji="1" lang="en-US" altLang="zh-CN" dirty="0"/>
+              <a:t>(JIT)</a:t>
+            </a:r>
+            <a:endParaRPr kumimoji="1" lang="zh-CN" altLang="en-US" dirty="0"/>
           </a:p>
         </p:txBody>
       </p:sp>
@@ -11855,249 +12712,6 @@
     <p:extLst>
       <p:ext uri="{BB962C8B-B14F-4D97-AF65-F5344CB8AC3E}">
         <p14:creationId xmlns:p14="http://schemas.microsoft.com/office/powerpoint/2010/main" val="1482862408"/>
-      </p:ext>
-    </p:extLst>
-  </p:cSld>
-  <p:clrMapOvr>
-    <a:masterClrMapping/>
-  </p:clrMapOvr>
-</p:sld>
-</file>
-
-<file path=ppt/slides/slide28.xml><?xml version="1.0" encoding="utf-8"?>
-<p:sld xmlns:a="http://schemas.openxmlformats.org/drawingml/2006/main" xmlns:r="http://schemas.openxmlformats.org/officeDocument/2006/relationships" xmlns:p="http://schemas.openxmlformats.org/presentationml/2006/main">
-  <p:cSld>
-    <p:spTree>
-      <p:nvGrpSpPr>
-        <p:cNvPr id="1" name=""/>
-        <p:cNvGrpSpPr/>
-        <p:nvPr/>
-      </p:nvGrpSpPr>
-      <p:grpSpPr>
-        <a:xfrm>
-          <a:off x="0" y="0"/>
-          <a:ext cx="0" cy="0"/>
-          <a:chOff x="0" y="0"/>
-          <a:chExt cx="0" cy="0"/>
-        </a:xfrm>
-      </p:grpSpPr>
-      <p:sp>
-        <p:nvSpPr>
-          <p:cNvPr id="2" name="标题 1">
-            <a:extLst>
-              <a:ext uri="{FF2B5EF4-FFF2-40B4-BE49-F238E27FC236}">
-                <a16:creationId xmlns:a16="http://schemas.microsoft.com/office/drawing/2014/main" id="{3E52BCB0-31AA-684F-8A7F-C63BA5B9252D}"/>
-              </a:ext>
-            </a:extLst>
-          </p:cNvPr>
-          <p:cNvSpPr>
-            <a:spLocks noGrp="1"/>
-          </p:cNvSpPr>
-          <p:nvPr>
-            <p:ph type="title"/>
-          </p:nvPr>
-        </p:nvSpPr>
-        <p:spPr/>
-        <p:txBody>
-          <a:bodyPr/>
-          <a:lstStyle/>
-          <a:p>
-            <a:pPr algn="ctr"/>
-            <a:r>
-              <a:rPr kumimoji="1" lang="en-US" altLang="zh-CN" dirty="0"/>
-              <a:t>JIT</a:t>
-            </a:r>
-            <a:r>
-              <a:rPr kumimoji="1" lang="zh-CN" altLang="en-US" dirty="0"/>
-              <a:t>相关启动参数</a:t>
-            </a:r>
-          </a:p>
-        </p:txBody>
-      </p:sp>
-      <p:sp>
-        <p:nvSpPr>
-          <p:cNvPr id="3" name="内容占位符 2">
-            <a:extLst>
-              <a:ext uri="{FF2B5EF4-FFF2-40B4-BE49-F238E27FC236}">
-                <a16:creationId xmlns:a16="http://schemas.microsoft.com/office/drawing/2014/main" id="{C6FB6F84-C015-B14E-8FE7-6BB98B308C3A}"/>
-              </a:ext>
-            </a:extLst>
-          </p:cNvPr>
-          <p:cNvSpPr>
-            <a:spLocks noGrp="1"/>
-          </p:cNvSpPr>
-          <p:nvPr>
-            <p:ph idx="1"/>
-          </p:nvPr>
-        </p:nvSpPr>
-        <p:spPr/>
-        <p:txBody>
-          <a:bodyPr/>
-          <a:lstStyle/>
-          <a:p>
-            <a:pPr marL="0" indent="0">
-              <a:buNone/>
-            </a:pPr>
-            <a:r>
-              <a:rPr kumimoji="1" lang="en-US" altLang="zh-CN" dirty="0"/>
-              <a:t>-server</a:t>
-            </a:r>
-          </a:p>
-          <a:p>
-            <a:pPr marL="0" indent="0">
-              <a:buNone/>
-            </a:pPr>
-            <a:r>
-              <a:rPr kumimoji="1" lang="en-US" altLang="zh-CN" dirty="0"/>
-              <a:t>-client</a:t>
-            </a:r>
-          </a:p>
-          <a:p>
-            <a:pPr marL="0" indent="0">
-              <a:buNone/>
-            </a:pPr>
-            <a:r>
-              <a:rPr lang="en-US" altLang="zh-CN" dirty="0"/>
-              <a:t>-</a:t>
-            </a:r>
-            <a:r>
-              <a:rPr lang="en-US" altLang="zh-CN" dirty="0" err="1"/>
-              <a:t>Djava.compiler</a:t>
-            </a:r>
-            <a:r>
-              <a:rPr lang="en-US" altLang="zh-CN" dirty="0"/>
-              <a:t>=NONE</a:t>
-            </a:r>
-          </a:p>
-          <a:p>
-            <a:pPr marL="0" indent="0">
-              <a:buNone/>
-            </a:pPr>
-            <a:r>
-              <a:rPr lang="en-US" altLang="zh-CN" dirty="0"/>
-              <a:t>-XX:+</a:t>
-            </a:r>
-            <a:r>
-              <a:rPr lang="en-US" altLang="zh-CN" dirty="0" err="1"/>
-              <a:t>PrintCompilation</a:t>
-            </a:r>
-            <a:endParaRPr lang="en-US" altLang="zh-CN" dirty="0"/>
-          </a:p>
-          <a:p>
-            <a:pPr marL="0" indent="0">
-              <a:buNone/>
-            </a:pPr>
-            <a:r>
-              <a:rPr lang="en-US" altLang="zh-CN" dirty="0"/>
-              <a:t>-</a:t>
-            </a:r>
-            <a:r>
-              <a:rPr lang="en-US" altLang="zh-CN" dirty="0" err="1"/>
-              <a:t>Xint</a:t>
-            </a:r>
-            <a:endParaRPr lang="en-US" altLang="zh-CN" dirty="0"/>
-          </a:p>
-        </p:txBody>
-      </p:sp>
-    </p:spTree>
-    <p:extLst>
-      <p:ext uri="{BB962C8B-B14F-4D97-AF65-F5344CB8AC3E}">
-        <p14:creationId xmlns:p14="http://schemas.microsoft.com/office/powerpoint/2010/main" val="1361198619"/>
-      </p:ext>
-    </p:extLst>
-  </p:cSld>
-  <p:clrMapOvr>
-    <a:masterClrMapping/>
-  </p:clrMapOvr>
-</p:sld>
-</file>
-
-<file path=ppt/slides/slide29.xml><?xml version="1.0" encoding="utf-8"?>
-<p:sld xmlns:a="http://schemas.openxmlformats.org/drawingml/2006/main" xmlns:r="http://schemas.openxmlformats.org/officeDocument/2006/relationships" xmlns:p="http://schemas.openxmlformats.org/presentationml/2006/main">
-  <p:cSld>
-    <p:spTree>
-      <p:nvGrpSpPr>
-        <p:cNvPr id="1" name=""/>
-        <p:cNvGrpSpPr/>
-        <p:nvPr/>
-      </p:nvGrpSpPr>
-      <p:grpSpPr>
-        <a:xfrm>
-          <a:off x="0" y="0"/>
-          <a:ext cx="0" cy="0"/>
-          <a:chOff x="0" y="0"/>
-          <a:chExt cx="0" cy="0"/>
-        </a:xfrm>
-      </p:grpSpPr>
-      <p:sp>
-        <p:nvSpPr>
-          <p:cNvPr id="2" name="标题 1">
-            <a:extLst>
-              <a:ext uri="{FF2B5EF4-FFF2-40B4-BE49-F238E27FC236}">
-                <a16:creationId xmlns:a16="http://schemas.microsoft.com/office/drawing/2014/main" id="{92B480BF-65E5-F048-A0F2-4BCBD64955D0}"/>
-              </a:ext>
-            </a:extLst>
-          </p:cNvPr>
-          <p:cNvSpPr>
-            <a:spLocks noGrp="1"/>
-          </p:cNvSpPr>
-          <p:nvPr>
-            <p:ph type="title"/>
-          </p:nvPr>
-        </p:nvSpPr>
-        <p:spPr/>
-        <p:txBody>
-          <a:bodyPr/>
-          <a:lstStyle/>
-          <a:p>
-            <a:pPr algn="ctr"/>
-            <a:r>
-              <a:rPr kumimoji="1" lang="en-US" altLang="zh-CN" dirty="0"/>
-              <a:t>Q&amp;A</a:t>
-            </a:r>
-            <a:endParaRPr kumimoji="1" lang="zh-CN" altLang="en-US" dirty="0"/>
-          </a:p>
-        </p:txBody>
-      </p:sp>
-      <p:sp>
-        <p:nvSpPr>
-          <p:cNvPr id="3" name="内容占位符 2">
-            <a:extLst>
-              <a:ext uri="{FF2B5EF4-FFF2-40B4-BE49-F238E27FC236}">
-                <a16:creationId xmlns:a16="http://schemas.microsoft.com/office/drawing/2014/main" id="{E4B19599-2EDE-8145-9B4F-B3C1FED7B1E8}"/>
-              </a:ext>
-            </a:extLst>
-          </p:cNvPr>
-          <p:cNvSpPr>
-            <a:spLocks noGrp="1"/>
-          </p:cNvSpPr>
-          <p:nvPr>
-            <p:ph idx="1"/>
-          </p:nvPr>
-        </p:nvSpPr>
-        <p:spPr/>
-        <p:txBody>
-          <a:bodyPr/>
-          <a:lstStyle/>
-          <a:p>
-            <a:r>
-              <a:rPr kumimoji="1" lang="zh-CN" altLang="en-US" dirty="0"/>
-              <a:t>自由交流</a:t>
-            </a:r>
-            <a:endParaRPr kumimoji="1" lang="en-US" altLang="zh-CN" dirty="0"/>
-          </a:p>
-          <a:p>
-            <a:r>
-              <a:rPr kumimoji="1" lang="zh-CN" altLang="en-US" dirty="0"/>
-              <a:t>相关资料</a:t>
-            </a:r>
-          </a:p>
-        </p:txBody>
-      </p:sp>
-    </p:spTree>
-    <p:extLst>
-      <p:ext uri="{BB962C8B-B14F-4D97-AF65-F5344CB8AC3E}">
-        <p14:creationId xmlns:p14="http://schemas.microsoft.com/office/powerpoint/2010/main" val="1267030625"/>
       </p:ext>
     </p:extLst>
   </p:cSld>
@@ -12151,7 +12765,7 @@
               <a:t>JVM </a:t>
             </a:r>
             <a:r>
-              <a:rPr kumimoji="1" lang="zh-CN" altLang="en-US" dirty="0"/>
+              <a:rPr kumimoji="1" lang="zh-CN" altLang="en-US"/>
               <a:t>体系结构</a:t>
             </a:r>
           </a:p>
@@ -12228,6 +12842,231 @@
     <p:extLst>
       <p:ext uri="{BB962C8B-B14F-4D97-AF65-F5344CB8AC3E}">
         <p14:creationId xmlns:p14="http://schemas.microsoft.com/office/powerpoint/2010/main" val="2388965462"/>
+      </p:ext>
+    </p:extLst>
+  </p:cSld>
+  <p:clrMapOvr>
+    <a:masterClrMapping/>
+  </p:clrMapOvr>
+</p:sld>
+</file>
+
+<file path=ppt/slides/slide30.xml><?xml version="1.0" encoding="utf-8"?>
+<p:sld xmlns:a="http://schemas.openxmlformats.org/drawingml/2006/main" xmlns:r="http://schemas.openxmlformats.org/officeDocument/2006/relationships" xmlns:p="http://schemas.openxmlformats.org/presentationml/2006/main">
+  <p:cSld>
+    <p:spTree>
+      <p:nvGrpSpPr>
+        <p:cNvPr id="1" name=""/>
+        <p:cNvGrpSpPr/>
+        <p:nvPr/>
+      </p:nvGrpSpPr>
+      <p:grpSpPr>
+        <a:xfrm>
+          <a:off x="0" y="0"/>
+          <a:ext cx="0" cy="0"/>
+          <a:chOff x="0" y="0"/>
+          <a:chExt cx="0" cy="0"/>
+        </a:xfrm>
+      </p:grpSpPr>
+      <p:sp>
+        <p:nvSpPr>
+          <p:cNvPr id="2" name="标题 1">
+            <a:extLst>
+              <a:ext uri="{FF2B5EF4-FFF2-40B4-BE49-F238E27FC236}">
+                <a16:creationId xmlns:a16="http://schemas.microsoft.com/office/drawing/2014/main" id="{3E52BCB0-31AA-684F-8A7F-C63BA5B9252D}"/>
+              </a:ext>
+            </a:extLst>
+          </p:cNvPr>
+          <p:cNvSpPr>
+            <a:spLocks noGrp="1"/>
+          </p:cNvSpPr>
+          <p:nvPr>
+            <p:ph type="title"/>
+          </p:nvPr>
+        </p:nvSpPr>
+        <p:spPr/>
+        <p:txBody>
+          <a:bodyPr/>
+          <a:lstStyle/>
+          <a:p>
+            <a:pPr algn="ctr"/>
+            <a:r>
+              <a:rPr kumimoji="1" lang="en-US" altLang="zh-CN" dirty="0"/>
+              <a:t>JIT</a:t>
+            </a:r>
+            <a:r>
+              <a:rPr kumimoji="1" lang="zh-CN" altLang="en-US"/>
+              <a:t>相关启动参数</a:t>
+            </a:r>
+          </a:p>
+        </p:txBody>
+      </p:sp>
+      <p:sp>
+        <p:nvSpPr>
+          <p:cNvPr id="3" name="内容占位符 2">
+            <a:extLst>
+              <a:ext uri="{FF2B5EF4-FFF2-40B4-BE49-F238E27FC236}">
+                <a16:creationId xmlns:a16="http://schemas.microsoft.com/office/drawing/2014/main" id="{C6FB6F84-C015-B14E-8FE7-6BB98B308C3A}"/>
+              </a:ext>
+            </a:extLst>
+          </p:cNvPr>
+          <p:cNvSpPr>
+            <a:spLocks noGrp="1"/>
+          </p:cNvSpPr>
+          <p:nvPr>
+            <p:ph idx="1"/>
+          </p:nvPr>
+        </p:nvSpPr>
+        <p:spPr/>
+        <p:txBody>
+          <a:bodyPr/>
+          <a:lstStyle/>
+          <a:p>
+            <a:pPr marL="0" indent="0">
+              <a:buNone/>
+            </a:pPr>
+            <a:r>
+              <a:rPr kumimoji="1" lang="en-US" altLang="zh-CN" dirty="0"/>
+              <a:t>-server</a:t>
+            </a:r>
+          </a:p>
+          <a:p>
+            <a:pPr marL="0" indent="0">
+              <a:buNone/>
+            </a:pPr>
+            <a:r>
+              <a:rPr kumimoji="1" lang="en-US" altLang="zh-CN" dirty="0"/>
+              <a:t>-client</a:t>
+            </a:r>
+          </a:p>
+          <a:p>
+            <a:pPr marL="0" indent="0">
+              <a:buNone/>
+            </a:pPr>
+            <a:r>
+              <a:rPr lang="en-US" altLang="zh-CN" dirty="0"/>
+              <a:t>-Djava.compiler=NONE</a:t>
+            </a:r>
+          </a:p>
+          <a:p>
+            <a:pPr marL="0" indent="0">
+              <a:buNone/>
+            </a:pPr>
+            <a:r>
+              <a:rPr lang="en-US" altLang="zh-CN" dirty="0"/>
+              <a:t>-XX:+PrintCompilation</a:t>
+            </a:r>
+          </a:p>
+          <a:p>
+            <a:pPr marL="0" indent="0">
+              <a:buNone/>
+            </a:pPr>
+            <a:r>
+              <a:rPr lang="en-US" altLang="zh-CN" dirty="0"/>
+              <a:t>-Xint</a:t>
+            </a:r>
+          </a:p>
+        </p:txBody>
+      </p:sp>
+    </p:spTree>
+    <p:extLst>
+      <p:ext uri="{BB962C8B-B14F-4D97-AF65-F5344CB8AC3E}">
+        <p14:creationId xmlns:p14="http://schemas.microsoft.com/office/powerpoint/2010/main" val="1361198619"/>
+      </p:ext>
+    </p:extLst>
+  </p:cSld>
+  <p:clrMapOvr>
+    <a:masterClrMapping/>
+  </p:clrMapOvr>
+</p:sld>
+</file>
+
+<file path=ppt/slides/slide31.xml><?xml version="1.0" encoding="utf-8"?>
+<p:sld xmlns:a="http://schemas.openxmlformats.org/drawingml/2006/main" xmlns:r="http://schemas.openxmlformats.org/officeDocument/2006/relationships" xmlns:p="http://schemas.openxmlformats.org/presentationml/2006/main">
+  <p:cSld>
+    <p:spTree>
+      <p:nvGrpSpPr>
+        <p:cNvPr id="1" name=""/>
+        <p:cNvGrpSpPr/>
+        <p:nvPr/>
+      </p:nvGrpSpPr>
+      <p:grpSpPr>
+        <a:xfrm>
+          <a:off x="0" y="0"/>
+          <a:ext cx="0" cy="0"/>
+          <a:chOff x="0" y="0"/>
+          <a:chExt cx="0" cy="0"/>
+        </a:xfrm>
+      </p:grpSpPr>
+      <p:sp>
+        <p:nvSpPr>
+          <p:cNvPr id="2" name="标题 1">
+            <a:extLst>
+              <a:ext uri="{FF2B5EF4-FFF2-40B4-BE49-F238E27FC236}">
+                <a16:creationId xmlns:a16="http://schemas.microsoft.com/office/drawing/2014/main" id="{92B480BF-65E5-F048-A0F2-4BCBD64955D0}"/>
+              </a:ext>
+            </a:extLst>
+          </p:cNvPr>
+          <p:cNvSpPr>
+            <a:spLocks noGrp="1"/>
+          </p:cNvSpPr>
+          <p:nvPr>
+            <p:ph type="title"/>
+          </p:nvPr>
+        </p:nvSpPr>
+        <p:spPr/>
+        <p:txBody>
+          <a:bodyPr/>
+          <a:lstStyle/>
+          <a:p>
+            <a:pPr algn="ctr"/>
+            <a:r>
+              <a:rPr kumimoji="1" lang="en-US" altLang="zh-CN" dirty="0"/>
+              <a:t>Q&amp;A</a:t>
+            </a:r>
+            <a:endParaRPr kumimoji="1" lang="zh-CN" altLang="en-US"/>
+          </a:p>
+        </p:txBody>
+      </p:sp>
+      <p:sp>
+        <p:nvSpPr>
+          <p:cNvPr id="3" name="内容占位符 2">
+            <a:extLst>
+              <a:ext uri="{FF2B5EF4-FFF2-40B4-BE49-F238E27FC236}">
+                <a16:creationId xmlns:a16="http://schemas.microsoft.com/office/drawing/2014/main" id="{E4B19599-2EDE-8145-9B4F-B3C1FED7B1E8}"/>
+              </a:ext>
+            </a:extLst>
+          </p:cNvPr>
+          <p:cNvSpPr>
+            <a:spLocks noGrp="1"/>
+          </p:cNvSpPr>
+          <p:nvPr>
+            <p:ph idx="1"/>
+          </p:nvPr>
+        </p:nvSpPr>
+        <p:spPr/>
+        <p:txBody>
+          <a:bodyPr/>
+          <a:lstStyle/>
+          <a:p>
+            <a:r>
+              <a:rPr kumimoji="1" lang="zh-CN" altLang="en-US"/>
+              <a:t>自由交流</a:t>
+            </a:r>
+            <a:endParaRPr kumimoji="1" lang="en-US" altLang="zh-CN" dirty="0"/>
+          </a:p>
+          <a:p>
+            <a:r>
+              <a:rPr kumimoji="1" lang="zh-CN" altLang="en-US"/>
+              <a:t>相关资料</a:t>
+            </a:r>
+          </a:p>
+        </p:txBody>
+      </p:sp>
+    </p:spTree>
+    <p:extLst>
+      <p:ext uri="{BB962C8B-B14F-4D97-AF65-F5344CB8AC3E}">
+        <p14:creationId xmlns:p14="http://schemas.microsoft.com/office/powerpoint/2010/main" val="1267030625"/>
       </p:ext>
     </p:extLst>
   </p:cSld>
@@ -12277,7 +13116,7 @@
           <a:p>
             <a:pPr algn="ctr"/>
             <a:r>
-              <a:rPr kumimoji="1" lang="zh-CN" altLang="en-US" dirty="0"/>
+              <a:rPr kumimoji="1" lang="zh-CN" altLang="en-US"/>
               <a:t>相关术语</a:t>
             </a:r>
           </a:p>
@@ -12316,7 +13155,7 @@
           </a:p>
           <a:p>
             <a:r>
-              <a:rPr kumimoji="1" lang="zh-CN" altLang="en-US" dirty="0"/>
+              <a:rPr kumimoji="1" lang="zh-CN" altLang="en-US"/>
               <a:t>讨论</a:t>
             </a:r>
             <a:r>
@@ -12324,7 +13163,7 @@
               <a:t>: Vendor</a:t>
             </a:r>
             <a:r>
-              <a:rPr kumimoji="1" lang="zh-CN" altLang="en-US" dirty="0"/>
+              <a:rPr kumimoji="1" lang="zh-CN" altLang="en-US"/>
               <a:t>有哪些</a:t>
             </a:r>
             <a:r>
@@ -12337,7 +13176,7 @@
               <a:rPr kumimoji="1" lang="en-US" altLang="zh-CN" dirty="0"/>
               <a:t>JVM Languages</a:t>
             </a:r>
-            <a:endParaRPr kumimoji="1" lang="zh-CN" altLang="en-US" dirty="0"/>
+            <a:endParaRPr kumimoji="1" lang="zh-CN" altLang="en-US"/>
           </a:p>
         </p:txBody>
       </p:sp>
@@ -12436,6 +13275,153 @@
           <p:cNvPr id="2" name="标题 1">
             <a:extLst>
               <a:ext uri="{FF2B5EF4-FFF2-40B4-BE49-F238E27FC236}">
+                <a16:creationId xmlns:a16="http://schemas.microsoft.com/office/drawing/2014/main" id="{9B89C183-BCEA-AC4C-A720-1F347350C8A7}"/>
+              </a:ext>
+            </a:extLst>
+          </p:cNvPr>
+          <p:cNvSpPr>
+            <a:spLocks noGrp="1"/>
+          </p:cNvSpPr>
+          <p:nvPr>
+            <p:ph type="title"/>
+          </p:nvPr>
+        </p:nvSpPr>
+        <p:spPr>
+          <a:xfrm>
+            <a:off x="261258" y="2113416"/>
+            <a:ext cx="2307771" cy="2203903"/>
+          </a:xfrm>
+        </p:spPr>
+        <p:txBody>
+          <a:bodyPr>
+            <a:normAutofit/>
+          </a:bodyPr>
+          <a:lstStyle/>
+          <a:p>
+            <a:pPr algn="ctr"/>
+            <a:r>
+              <a:rPr kumimoji="1" lang="en-US" altLang="zh-CN" dirty="0"/>
+              <a:t>Java</a:t>
+            </a:r>
+            <a:br>
+              <a:rPr kumimoji="1" lang="en-US" altLang="zh-CN" dirty="0"/>
+            </a:br>
+            <a:r>
+              <a:rPr kumimoji="1" lang="zh-CN" altLang="en-US" dirty="0"/>
+              <a:t>体系</a:t>
+            </a:r>
+            <a:br>
+              <a:rPr kumimoji="1" lang="en-US" altLang="zh-CN" dirty="0"/>
+            </a:br>
+            <a:r>
+              <a:rPr kumimoji="1" lang="zh-CN" altLang="en-US" dirty="0"/>
+              <a:t>结构</a:t>
+            </a:r>
+          </a:p>
+        </p:txBody>
+      </p:sp>
+      <p:pic>
+        <p:nvPicPr>
+          <p:cNvPr id="5" name="内容占位符 4">
+            <a:extLst>
+              <a:ext uri="{FF2B5EF4-FFF2-40B4-BE49-F238E27FC236}">
+                <a16:creationId xmlns:a16="http://schemas.microsoft.com/office/drawing/2014/main" id="{29F4BC35-96DD-3C4A-A9A6-D32580D2FC01}"/>
+              </a:ext>
+            </a:extLst>
+          </p:cNvPr>
+          <p:cNvPicPr>
+            <a:picLocks noGrp="1" noChangeAspect="1"/>
+          </p:cNvPicPr>
+          <p:nvPr>
+            <p:ph idx="1"/>
+          </p:nvPr>
+        </p:nvPicPr>
+        <p:blipFill>
+          <a:blip r:embed="rId2"/>
+          <a:stretch>
+            <a:fillRect/>
+          </a:stretch>
+        </p:blipFill>
+        <p:spPr>
+          <a:xfrm>
+            <a:off x="2710543" y="309449"/>
+            <a:ext cx="8757408" cy="5811838"/>
+          </a:xfrm>
+        </p:spPr>
+      </p:pic>
+      <p:sp>
+        <p:nvSpPr>
+          <p:cNvPr id="6" name="文本框 5">
+            <a:extLst>
+              <a:ext uri="{FF2B5EF4-FFF2-40B4-BE49-F238E27FC236}">
+                <a16:creationId xmlns:a16="http://schemas.microsoft.com/office/drawing/2014/main" id="{94DA2CAB-B2A4-5843-B7A7-0495718C9F63}"/>
+              </a:ext>
+            </a:extLst>
+          </p:cNvPr>
+          <p:cNvSpPr txBox="1"/>
+          <p:nvPr/>
+        </p:nvSpPr>
+        <p:spPr>
+          <a:xfrm>
+            <a:off x="2710543" y="6124803"/>
+            <a:ext cx="6052457" cy="369332"/>
+          </a:xfrm>
+          <a:prstGeom prst="rect">
+            <a:avLst/>
+          </a:prstGeom>
+          <a:noFill/>
+        </p:spPr>
+        <p:txBody>
+          <a:bodyPr wrap="square" rtlCol="0">
+            <a:spAutoFit/>
+          </a:bodyPr>
+          <a:lstStyle/>
+          <a:p>
+            <a:r>
+              <a:rPr lang="en-US" altLang="zh-CN" dirty="0">
+                <a:hlinkClick r:id="rId3"/>
+              </a:rPr>
+              <a:t>https://docs.oracle.com/javase/8/docs/index.html</a:t>
+            </a:r>
+            <a:endParaRPr kumimoji="1" lang="zh-CN" altLang="en-US" dirty="0"/>
+          </a:p>
+        </p:txBody>
+      </p:sp>
+    </p:spTree>
+    <p:extLst>
+      <p:ext uri="{BB962C8B-B14F-4D97-AF65-F5344CB8AC3E}">
+        <p14:creationId xmlns:p14="http://schemas.microsoft.com/office/powerpoint/2010/main" val="1472702370"/>
+      </p:ext>
+    </p:extLst>
+  </p:cSld>
+  <p:clrMapOvr>
+    <a:masterClrMapping/>
+  </p:clrMapOvr>
+</p:sld>
+</file>
+
+<file path=ppt/slides/slide6.xml><?xml version="1.0" encoding="utf-8"?>
+<p:sld xmlns:a="http://schemas.openxmlformats.org/drawingml/2006/main" xmlns:r="http://schemas.openxmlformats.org/officeDocument/2006/relationships" xmlns:p="http://schemas.openxmlformats.org/presentationml/2006/main">
+  <p:cSld>
+    <p:spTree>
+      <p:nvGrpSpPr>
+        <p:cNvPr id="1" name=""/>
+        <p:cNvGrpSpPr/>
+        <p:nvPr/>
+      </p:nvGrpSpPr>
+      <p:grpSpPr>
+        <a:xfrm>
+          <a:off x="0" y="0"/>
+          <a:ext cx="0" cy="0"/>
+          <a:chOff x="0" y="0"/>
+          <a:chExt cx="0" cy="0"/>
+        </a:xfrm>
+      </p:grpSpPr>
+      <p:sp>
+        <p:nvSpPr>
+          <p:cNvPr id="2" name="标题 1">
+            <a:extLst>
+              <a:ext uri="{FF2B5EF4-FFF2-40B4-BE49-F238E27FC236}">
                 <a16:creationId xmlns:a16="http://schemas.microsoft.com/office/drawing/2014/main" id="{2993C27A-6089-F24B-B450-3B7EAC998EA2}"/>
               </a:ext>
             </a:extLst>
@@ -12454,7 +13440,7 @@
           <a:p>
             <a:pPr algn="ctr"/>
             <a:r>
-              <a:rPr kumimoji="1" lang="zh-CN" altLang="en-US" dirty="0"/>
+              <a:rPr kumimoji="1" lang="zh-CN" altLang="en-US"/>
               <a:t>运行时数据区</a:t>
             </a:r>
           </a:p>
@@ -12489,7 +13475,7 @@
               <a:t>JVM</a:t>
             </a:r>
             <a:r>
-              <a:rPr kumimoji="1" lang="zh-CN" altLang="en-US" dirty="0"/>
+              <a:rPr kumimoji="1" lang="zh-CN" altLang="en-US"/>
               <a:t>规范中的运行时数据区</a:t>
             </a:r>
             <a:r>
@@ -12534,7 +13520,7 @@
             </a:r>
           </a:p>
           <a:p>
-            <a:endParaRPr kumimoji="1" lang="zh-CN" altLang="en-US" dirty="0"/>
+            <a:endParaRPr kumimoji="1" lang="zh-CN" altLang="en-US"/>
           </a:p>
         </p:txBody>
       </p:sp>
@@ -12551,7 +13537,7 @@
 </p:sld>
 </file>
 
-<file path=ppt/slides/slide6.xml><?xml version="1.0" encoding="utf-8"?>
+<file path=ppt/slides/slide7.xml><?xml version="1.0" encoding="utf-8"?>
 <p:sld xmlns:a="http://schemas.openxmlformats.org/drawingml/2006/main" xmlns:r="http://schemas.openxmlformats.org/officeDocument/2006/relationships" xmlns:p="http://schemas.openxmlformats.org/presentationml/2006/main">
   <p:cSld>
     <p:spTree>
@@ -12600,7 +13586,7 @@
               <a:t>Hotspot</a:t>
             </a:r>
             <a:r>
-              <a:rPr kumimoji="1" lang="zh-CN" altLang="en-US" dirty="0"/>
+              <a:rPr kumimoji="1" lang="zh-CN" altLang="en-US"/>
               <a:t>运行时数据区</a:t>
             </a:r>
           </a:p>
@@ -12717,7 +13703,7 @@
                 <a:t>… </a:t>
               </a:r>
               <a:r>
-                <a:rPr kumimoji="1" lang="zh-CN" altLang="en-US" sz="1600" dirty="0"/>
+                <a:rPr kumimoji="1" lang="zh-CN" altLang="en-US" sz="1600"/>
                 <a:t>其他进程</a:t>
               </a:r>
             </a:p>
@@ -12766,7 +13752,7 @@
             <a:p>
               <a:pPr algn="ctr"/>
               <a:r>
-                <a:rPr kumimoji="1" lang="zh-CN" altLang="en-US" sz="1600" dirty="0"/>
+                <a:rPr kumimoji="1" lang="zh-CN" altLang="en-US" sz="1600"/>
                 <a:t>操作系统</a:t>
               </a:r>
             </a:p>
@@ -12977,7 +13963,7 @@
                 <a:t>JVM</a:t>
               </a:r>
               <a:r>
-                <a:rPr kumimoji="1" lang="zh-CN" altLang="en-US" sz="1600" dirty="0"/>
+                <a:rPr kumimoji="1" lang="zh-CN" altLang="en-US" sz="1600"/>
                 <a:t>自身</a:t>
               </a:r>
             </a:p>
@@ -13030,7 +14016,7 @@
                 <a:t>Java</a:t>
               </a:r>
               <a:r>
-                <a:rPr kumimoji="1" lang="zh-CN" altLang="en-US" sz="1600" dirty="0"/>
+                <a:rPr kumimoji="1" lang="zh-CN" altLang="en-US" sz="1600"/>
                 <a:t>进程</a:t>
               </a:r>
             </a:p>
@@ -13377,7 +14363,7 @@
             <a:p>
               <a:pPr algn="ctr"/>
               <a:r>
-                <a:rPr kumimoji="1" lang="zh-CN" altLang="en-US" sz="1400" dirty="0"/>
+                <a:rPr kumimoji="1" lang="zh-CN" altLang="en-US" sz="1400"/>
                 <a:t>新生代</a:t>
               </a:r>
               <a:endParaRPr kumimoji="1" lang="en-US" altLang="zh-CN" sz="1400" dirty="0"/>
@@ -13737,7 +14723,7 @@
                 <a:rPr kumimoji="1" lang="en-US" altLang="zh-CN" sz="1400" dirty="0"/>
                 <a:t>Compressed Class Space </a:t>
               </a:r>
-              <a:endParaRPr kumimoji="1" lang="zh-CN" altLang="en-US" sz="1400" dirty="0"/>
+              <a:endParaRPr kumimoji="1" lang="zh-CN" altLang="en-US" sz="1400"/>
             </a:p>
           </p:txBody>
         </p:sp>
@@ -13929,7 +14915,7 @@
                 <a:t>             </a:t>
               </a:r>
               <a:r>
-                <a:rPr kumimoji="1" lang="zh-CN" altLang="en-US" sz="1400" dirty="0"/>
+                <a:rPr kumimoji="1" lang="zh-CN" altLang="en-US" sz="1400"/>
                 <a:t>方法区</a:t>
               </a:r>
             </a:p>
@@ -14036,7 +15022,7 @@
                 <a:rPr kumimoji="1" lang="en-US" altLang="zh-CN" sz="1200" dirty="0"/>
                 <a:t>TLAB</a:t>
               </a:r>
-              <a:endParaRPr kumimoji="1" lang="zh-CN" altLang="en-US" sz="1200" dirty="0"/>
+              <a:endParaRPr kumimoji="1" lang="zh-CN" altLang="en-US" sz="1200"/>
             </a:p>
           </p:txBody>
         </p:sp>
@@ -14084,7 +15070,7 @@
                 <a:rPr kumimoji="1" lang="en-US" altLang="zh-CN" sz="1200" dirty="0"/>
                 <a:t>TLAB</a:t>
               </a:r>
-              <a:endParaRPr kumimoji="1" lang="zh-CN" altLang="en-US" sz="1200" dirty="0"/>
+              <a:endParaRPr kumimoji="1" lang="zh-CN" altLang="en-US" sz="1200"/>
             </a:p>
           </p:txBody>
         </p:sp>
@@ -14194,7 +15180,7 @@
                 </a:rPr>
                 <a:t>                     ……</a:t>
               </a:r>
-              <a:endParaRPr kumimoji="1" lang="zh-CN" altLang="en-US" sz="1400" dirty="0">
+              <a:endParaRPr kumimoji="1" lang="zh-CN" altLang="en-US" sz="1400">
                 <a:solidFill>
                   <a:schemeClr val="dk1"/>
                 </a:solidFill>
@@ -14245,14 +15231,14 @@
             <a:p>
               <a:pPr algn="ctr"/>
               <a:r>
-                <a:rPr kumimoji="1" lang="zh-CN" altLang="en-US" sz="1400" dirty="0"/>
+                <a:rPr kumimoji="1" lang="zh-CN" altLang="en-US" sz="1400"/>
                 <a:t>线程栈</a:t>
               </a:r>
               <a:r>
                 <a:rPr kumimoji="1" lang="en-US" altLang="zh-CN" sz="1400" dirty="0"/>
                 <a:t>1</a:t>
               </a:r>
-              <a:endParaRPr kumimoji="1" lang="zh-CN" altLang="en-US" sz="1400" dirty="0"/>
+              <a:endParaRPr kumimoji="1" lang="zh-CN" altLang="en-US" sz="1400"/>
             </a:p>
           </p:txBody>
         </p:sp>
@@ -14405,7 +15391,7 @@
             <a:p>
               <a:pPr algn="ctr"/>
               <a:r>
-                <a:rPr kumimoji="1" lang="zh-CN" altLang="en-US" sz="1400" dirty="0"/>
+                <a:rPr kumimoji="1" lang="zh-CN" altLang="en-US" sz="1400"/>
                 <a:t>方法帧</a:t>
               </a:r>
               <a:endParaRPr kumimoji="1" lang="en-US" altLang="zh-CN" sz="1400" dirty="0"/>
@@ -14498,7 +15484,7 @@
             <a:p>
               <a:pPr algn="ctr"/>
               <a:r>
-                <a:rPr kumimoji="1" lang="zh-CN" altLang="en-US" sz="1400" dirty="0"/>
+                <a:rPr kumimoji="1" lang="zh-CN" altLang="en-US" sz="1400"/>
                 <a:t>局部变量表</a:t>
               </a:r>
             </a:p>
@@ -14545,7 +15531,7 @@
             <a:p>
               <a:pPr algn="ctr"/>
               <a:r>
-                <a:rPr kumimoji="1" lang="zh-CN" altLang="en-US" sz="1400" dirty="0"/>
+                <a:rPr kumimoji="1" lang="zh-CN" altLang="en-US" sz="1400"/>
                 <a:t>操作数栈</a:t>
               </a:r>
             </a:p>
@@ -14732,7 +15718,7 @@
             <a:p>
               <a:pPr algn="ctr"/>
               <a:r>
-                <a:rPr kumimoji="1" lang="zh-CN" altLang="en-US" sz="1400" dirty="0"/>
+                <a:rPr kumimoji="1" lang="zh-CN" altLang="en-US" sz="1400"/>
                 <a:t>常量池指针</a:t>
               </a:r>
             </a:p>
@@ -14829,7 +15815,7 @@
           <a:p>
             <a:pPr algn="ctr"/>
             <a:r>
-              <a:rPr kumimoji="1" lang="zh-CN" altLang="en-US" sz="1600" dirty="0"/>
+              <a:rPr kumimoji="1" lang="zh-CN" altLang="en-US" sz="1600"/>
               <a:t>堆外内存</a:t>
             </a:r>
             <a:endParaRPr kumimoji="1" lang="en-US" altLang="zh-CN" sz="1600" dirty="0"/>
@@ -14856,7 +15842,7 @@
 </p:sld>
 </file>
 
-<file path=ppt/slides/slide7.xml><?xml version="1.0" encoding="utf-8"?>
+<file path=ppt/slides/slide8.xml><?xml version="1.0" encoding="utf-8"?>
 <p:sld xmlns:a="http://schemas.openxmlformats.org/drawingml/2006/main" xmlns:r="http://schemas.openxmlformats.org/officeDocument/2006/relationships" xmlns:p="http://schemas.openxmlformats.org/presentationml/2006/main">
   <p:cSld>
     <p:spTree>
@@ -14935,13 +15921,7 @@
           <a:p>
             <a:r>
               <a:rPr kumimoji="1" lang="en-US" altLang="zh-CN" dirty="0"/>
-              <a:t>current opcode address</a:t>
-            </a:r>
-          </a:p>
-          <a:p>
-            <a:r>
-              <a:rPr kumimoji="1" lang="en-US" altLang="zh-CN" dirty="0"/>
-              <a:t>per</a:t>
+              <a:t>per Java</a:t>
             </a:r>
             <a:r>
               <a:rPr kumimoji="1" lang="zh-CN" altLang="en-US" dirty="0"/>
@@ -14949,13 +15929,63 @@
             </a:r>
             <a:r>
               <a:rPr kumimoji="1" lang="en-US" altLang="zh-CN" dirty="0"/>
-              <a:t>thread</a:t>
+              <a:t>Thread, Virtual pc</a:t>
+            </a:r>
+          </a:p>
+          <a:p>
+            <a:r>
+              <a:rPr kumimoji="1" lang="en-US" altLang="zh-CN" dirty="0"/>
+              <a:t>CPU pc</a:t>
+            </a:r>
+          </a:p>
+          <a:p>
+            <a:r>
+              <a:rPr kumimoji="1" lang="en-US" altLang="zh-CN" dirty="0"/>
+              <a:t>current opcode address</a:t>
             </a:r>
           </a:p>
           <a:p>
             <a:r>
               <a:rPr kumimoji="1" lang="zh-CN" altLang="en-US" dirty="0"/>
-              <a:t>方法区</a:t>
+              <a:t>指向方法区的地址值</a:t>
+            </a:r>
+            <a:endParaRPr kumimoji="1" lang="en-US" altLang="zh-CN" dirty="0"/>
+          </a:p>
+          <a:p>
+            <a:r>
+              <a:rPr kumimoji="1" lang="en-US" altLang="zh-CN" dirty="0"/>
+              <a:t>Java</a:t>
+            </a:r>
+            <a:r>
+              <a:rPr kumimoji="1" lang="zh-CN" altLang="en-US" dirty="0"/>
+              <a:t>代码对</a:t>
+            </a:r>
+            <a:r>
+              <a:rPr kumimoji="1" lang="en-US" altLang="zh-CN" dirty="0"/>
+              <a:t>pc</a:t>
+            </a:r>
+            <a:r>
+              <a:rPr kumimoji="1" lang="zh-CN" altLang="en-US" dirty="0"/>
+              <a:t>无直接影响</a:t>
+            </a:r>
+            <a:endParaRPr kumimoji="1" lang="en-US" altLang="zh-CN" dirty="0"/>
+          </a:p>
+          <a:p>
+            <a:r>
+              <a:rPr kumimoji="1" lang="en-US" altLang="zh-CN" dirty="0"/>
+              <a:t>JIT</a:t>
+            </a:r>
+            <a:r>
+              <a:rPr kumimoji="1" lang="zh-CN" altLang="en-US" dirty="0"/>
+              <a:t>代码置换对</a:t>
+            </a:r>
+            <a:r>
+              <a:rPr kumimoji="1" lang="en-US" altLang="zh-CN" dirty="0"/>
+              <a:t>pc</a:t>
+            </a:r>
+            <a:r>
+              <a:rPr kumimoji="1" lang="zh-CN" altLang="en-US" dirty="0"/>
+              <a:t>的影响</a:t>
             </a:r>
             <a:endParaRPr kumimoji="1" lang="en-US" altLang="zh-CN" dirty="0"/>
           </a:p>
@@ -14977,7 +16007,7 @@
 </p:sld>
 </file>
 
-<file path=ppt/slides/slide8.xml><?xml version="1.0" encoding="utf-8"?>
+<file path=ppt/slides/slide9.xml><?xml version="1.0" encoding="utf-8"?>
 <p:sld xmlns:a="http://schemas.openxmlformats.org/drawingml/2006/main" xmlns:r="http://schemas.openxmlformats.org/officeDocument/2006/relationships" xmlns:p="http://schemas.openxmlformats.org/presentationml/2006/main">
   <p:cSld>
     <p:spTree>
@@ -15021,7 +16051,7 @@
               <a:t>Java</a:t>
             </a:r>
             <a:r>
-              <a:rPr kumimoji="1" lang="zh-CN" altLang="en-US" dirty="0"/>
+              <a:rPr kumimoji="1" lang="zh-CN" altLang="en-US"/>
               <a:t>虚拟机栈</a:t>
             </a:r>
           </a:p>
@@ -15077,22 +16107,28 @@
           </a:p>
           <a:p>
             <a:r>
-              <a:rPr kumimoji="1" lang="en-US" altLang="zh-CN" dirty="0" err="1"/>
+              <a:rPr kumimoji="1" lang="en-US" altLang="zh-CN" dirty="0"/>
               <a:t>StackOverflowError</a:t>
             </a:r>
-            <a:endParaRPr kumimoji="1" lang="en-US" altLang="zh-CN" dirty="0"/>
-          </a:p>
-          <a:p>
-            <a:r>
-              <a:rPr kumimoji="1" lang="en-US" altLang="zh-CN" dirty="0" err="1"/>
+          </a:p>
+          <a:p>
+            <a:r>
+              <a:rPr kumimoji="1" lang="en-US" altLang="zh-CN" dirty="0"/>
               <a:t>OutOfMemoryError</a:t>
             </a:r>
-            <a:endParaRPr kumimoji="1" lang="en-US" altLang="zh-CN" dirty="0"/>
           </a:p>
           <a:p>
             <a:r>
               <a:rPr kumimoji="1" lang="zh-CN" altLang="en-US" dirty="0"/>
-              <a:t>启动参数</a:t>
+              <a:t>启动参数“</a:t>
+            </a:r>
+            <a:r>
+              <a:rPr kumimoji="1" lang="en-US" altLang="zh-CN" dirty="0"/>
+              <a:t>-Xss1m</a:t>
+            </a:r>
+            <a:r>
+              <a:rPr kumimoji="1" lang="zh-CN" altLang="en-US" dirty="0"/>
+              <a:t>”</a:t>
             </a:r>
             <a:endParaRPr kumimoji="1" lang="en-US" altLang="zh-CN" dirty="0"/>
           </a:p>
@@ -15159,7 +16195,7 @@
             <a:p>
               <a:pPr algn="ctr"/>
               <a:r>
-                <a:rPr kumimoji="1" lang="zh-CN" altLang="en-US" sz="1600" dirty="0"/>
+                <a:rPr kumimoji="1" lang="zh-CN" altLang="en-US" sz="1600"/>
                 <a:t>栈</a:t>
               </a:r>
               <a:endParaRPr kumimoji="1" lang="en-US" altLang="zh-CN" sz="1600" dirty="0"/>
@@ -15170,7 +16206,7 @@
                 <a:rPr kumimoji="1" lang="en-US" altLang="zh-CN" sz="1600" dirty="0"/>
                 <a:t>Stack</a:t>
               </a:r>
-              <a:endParaRPr kumimoji="1" lang="zh-CN" altLang="en-US" sz="1600" dirty="0"/>
+              <a:endParaRPr kumimoji="1" lang="zh-CN" altLang="en-US" sz="1600"/>
             </a:p>
           </p:txBody>
         </p:sp>
@@ -15280,7 +16316,7 @@
                 </a:rPr>
                 <a:t>                     ……</a:t>
               </a:r>
-              <a:endParaRPr kumimoji="1" lang="zh-CN" altLang="en-US" sz="1400" dirty="0">
+              <a:endParaRPr kumimoji="1" lang="zh-CN" altLang="en-US" sz="1400">
                 <a:solidFill>
                   <a:schemeClr val="dk1"/>
                 </a:solidFill>
@@ -15331,14 +16367,14 @@
             <a:p>
               <a:pPr algn="ctr"/>
               <a:r>
-                <a:rPr kumimoji="1" lang="zh-CN" altLang="en-US" sz="1400" dirty="0"/>
+                <a:rPr kumimoji="1" lang="zh-CN" altLang="en-US" sz="1400"/>
                 <a:t>线程栈</a:t>
               </a:r>
               <a:r>
                 <a:rPr kumimoji="1" lang="en-US" altLang="zh-CN" sz="1400" dirty="0"/>
                 <a:t>1</a:t>
               </a:r>
-              <a:endParaRPr kumimoji="1" lang="zh-CN" altLang="en-US" sz="1400" dirty="0"/>
+              <a:endParaRPr kumimoji="1" lang="zh-CN" altLang="en-US" sz="1400"/>
             </a:p>
           </p:txBody>
         </p:sp>
@@ -15491,7 +16527,7 @@
             <a:p>
               <a:pPr algn="ctr"/>
               <a:r>
-                <a:rPr kumimoji="1" lang="zh-CN" altLang="en-US" sz="1400" dirty="0"/>
+                <a:rPr kumimoji="1" lang="zh-CN" altLang="en-US" sz="1400"/>
                 <a:t>方法帧</a:t>
               </a:r>
               <a:endParaRPr kumimoji="1" lang="en-US" altLang="zh-CN" sz="1400" dirty="0"/>
@@ -15584,7 +16620,7 @@
             <a:p>
               <a:pPr algn="ctr"/>
               <a:r>
-                <a:rPr kumimoji="1" lang="zh-CN" altLang="en-US" sz="1400" dirty="0"/>
+                <a:rPr kumimoji="1" lang="zh-CN" altLang="en-US" sz="1400"/>
                 <a:t>局部变量表</a:t>
               </a:r>
             </a:p>
@@ -15631,7 +16667,7 @@
             <a:p>
               <a:pPr algn="ctr"/>
               <a:r>
-                <a:rPr kumimoji="1" lang="zh-CN" altLang="en-US" sz="1400" dirty="0"/>
+                <a:rPr kumimoji="1" lang="zh-CN" altLang="en-US" sz="1400"/>
                 <a:t>操作数栈</a:t>
               </a:r>
             </a:p>
@@ -15818,7 +16854,7 @@
             <a:p>
               <a:pPr algn="ctr"/>
               <a:r>
-                <a:rPr kumimoji="1" lang="zh-CN" altLang="en-US" sz="1400" dirty="0"/>
+                <a:rPr kumimoji="1" lang="zh-CN" altLang="en-US" sz="1400"/>
                 <a:t>常量池指针</a:t>
               </a:r>
             </a:p>
@@ -15829,154 +16865,6 @@
     <p:extLst>
       <p:ext uri="{BB962C8B-B14F-4D97-AF65-F5344CB8AC3E}">
         <p14:creationId xmlns:p14="http://schemas.microsoft.com/office/powerpoint/2010/main" val="2778758593"/>
-      </p:ext>
-    </p:extLst>
-  </p:cSld>
-  <p:clrMapOvr>
-    <a:masterClrMapping/>
-  </p:clrMapOvr>
-</p:sld>
-</file>
-
-<file path=ppt/slides/slide9.xml><?xml version="1.0" encoding="utf-8"?>
-<p:sld xmlns:a="http://schemas.openxmlformats.org/drawingml/2006/main" xmlns:r="http://schemas.openxmlformats.org/officeDocument/2006/relationships" xmlns:p="http://schemas.openxmlformats.org/presentationml/2006/main">
-  <p:cSld>
-    <p:spTree>
-      <p:nvGrpSpPr>
-        <p:cNvPr id="1" name=""/>
-        <p:cNvGrpSpPr/>
-        <p:nvPr/>
-      </p:nvGrpSpPr>
-      <p:grpSpPr>
-        <a:xfrm>
-          <a:off x="0" y="0"/>
-          <a:ext cx="0" cy="0"/>
-          <a:chOff x="0" y="0"/>
-          <a:chExt cx="0" cy="0"/>
-        </a:xfrm>
-      </p:grpSpPr>
-      <p:sp>
-        <p:nvSpPr>
-          <p:cNvPr id="2" name="标题 1">
-            <a:extLst>
-              <a:ext uri="{FF2B5EF4-FFF2-40B4-BE49-F238E27FC236}">
-                <a16:creationId xmlns:a16="http://schemas.microsoft.com/office/drawing/2014/main" id="{87CFE316-5AFF-EA4D-B279-02D721874609}"/>
-              </a:ext>
-            </a:extLst>
-          </p:cNvPr>
-          <p:cNvSpPr>
-            <a:spLocks noGrp="1"/>
-          </p:cNvSpPr>
-          <p:nvPr>
-            <p:ph type="title"/>
-          </p:nvPr>
-        </p:nvSpPr>
-        <p:spPr/>
-        <p:txBody>
-          <a:bodyPr/>
-          <a:lstStyle/>
-          <a:p>
-            <a:pPr algn="ctr"/>
-            <a:r>
-              <a:rPr kumimoji="1" lang="zh-CN" altLang="en-US" dirty="0"/>
-              <a:t>本地方法栈</a:t>
-            </a:r>
-          </a:p>
-        </p:txBody>
-      </p:sp>
-      <p:sp>
-        <p:nvSpPr>
-          <p:cNvPr id="3" name="内容占位符 2">
-            <a:extLst>
-              <a:ext uri="{FF2B5EF4-FFF2-40B4-BE49-F238E27FC236}">
-                <a16:creationId xmlns:a16="http://schemas.microsoft.com/office/drawing/2014/main" id="{FAE3F474-DB29-1646-B00C-B11A7559CE10}"/>
-              </a:ext>
-            </a:extLst>
-          </p:cNvPr>
-          <p:cNvSpPr>
-            <a:spLocks noGrp="1"/>
-          </p:cNvSpPr>
-          <p:nvPr>
-            <p:ph idx="1"/>
-          </p:nvPr>
-        </p:nvSpPr>
-        <p:spPr/>
-        <p:txBody>
-          <a:bodyPr/>
-          <a:lstStyle/>
-          <a:p>
-            <a:r>
-              <a:rPr kumimoji="1" lang="en-US" altLang="zh-CN" dirty="0"/>
-              <a:t>Native Method Stacks</a:t>
-            </a:r>
-          </a:p>
-          <a:p>
-            <a:r>
-              <a:rPr kumimoji="1" lang="en-US" altLang="zh-CN" dirty="0"/>
-              <a:t>"C stacks"</a:t>
-            </a:r>
-          </a:p>
-          <a:p>
-            <a:r>
-              <a:rPr kumimoji="1" lang="en-US" altLang="zh-CN" dirty="0"/>
-              <a:t>per Thread</a:t>
-            </a:r>
-          </a:p>
-          <a:p>
-            <a:r>
-              <a:rPr kumimoji="1" lang="en-US" altLang="zh-CN" dirty="0"/>
-              <a:t>JNI</a:t>
-            </a:r>
-            <a:r>
-              <a:rPr kumimoji="1" lang="zh-CN" altLang="en-US" dirty="0"/>
-              <a:t>方法</a:t>
-            </a:r>
-          </a:p>
-          <a:p>
-            <a:r>
-              <a:rPr kumimoji="1" lang="en-US" altLang="zh-CN" dirty="0"/>
-              <a:t>fixed or dynamically </a:t>
-            </a:r>
-          </a:p>
-          <a:p>
-            <a:r>
-              <a:rPr kumimoji="1" lang="en-US" altLang="zh-CN" dirty="0" err="1"/>
-              <a:t>StackOverflowError</a:t>
-            </a:r>
-            <a:endParaRPr kumimoji="1" lang="en-US" altLang="zh-CN" dirty="0"/>
-          </a:p>
-          <a:p>
-            <a:r>
-              <a:rPr kumimoji="1" lang="en-US" altLang="zh-CN" dirty="0" err="1"/>
-              <a:t>OutOfMemoryError</a:t>
-            </a:r>
-            <a:endParaRPr kumimoji="1" lang="en-US" altLang="zh-CN" dirty="0"/>
-          </a:p>
-          <a:p>
-            <a:r>
-              <a:rPr kumimoji="1" lang="en-US" altLang="zh-CN" i="1" dirty="0">
-                <a:solidFill>
-                  <a:srgbClr val="FF0000"/>
-                </a:solidFill>
-              </a:rPr>
-              <a:t>JVM</a:t>
-            </a:r>
-            <a:r>
-              <a:rPr kumimoji="1" lang="zh-CN" altLang="en-US" i="1" dirty="0">
-                <a:solidFill>
-                  <a:srgbClr val="FF0000"/>
-                </a:solidFill>
-              </a:rPr>
-              <a:t>规范并未强制要求实现</a:t>
-            </a:r>
-            <a:endParaRPr kumimoji="1" lang="zh-CN" altLang="en-US" dirty="0"/>
-          </a:p>
-        </p:txBody>
-      </p:sp>
-    </p:spTree>
-    <p:extLst>
-      <p:ext uri="{BB962C8B-B14F-4D97-AF65-F5344CB8AC3E}">
-        <p14:creationId xmlns:p14="http://schemas.microsoft.com/office/powerpoint/2010/main" val="2448577871"/>
       </p:ext>
     </p:extLst>
   </p:cSld>

--- a/tiemao_2019/25_jvm_toc/01.JVM体系结构概述.pptx
+++ b/tiemao_2019/25_jvm_toc/01.JVM体系结构概述.pptx
@@ -289,7 +289,7 @@
           <a:p>
             <a:fld id="{25666818-DC9C-7C4A-B37A-0D9C16AE65CA}" type="datetimeFigureOut">
               <a:rPr kumimoji="1" lang="zh-CN" altLang="en-US" smtClean="0"/>
-              <a:t>2019/8/30</a:t>
+              <a:t>2019/9/12</a:t>
             </a:fld>
             <a:endParaRPr kumimoji="1" lang="zh-CN" altLang="en-US"/>
           </a:p>
@@ -462,7 +462,7 @@
           <a:p>
             <a:fld id="{25666818-DC9C-7C4A-B37A-0D9C16AE65CA}" type="datetimeFigureOut">
               <a:rPr kumimoji="1" lang="zh-CN" altLang="en-US" smtClean="0"/>
-              <a:t>2019/8/30</a:t>
+              <a:t>2019/9/12</a:t>
             </a:fld>
             <a:endParaRPr kumimoji="1" lang="zh-CN" altLang="en-US"/>
           </a:p>
@@ -645,7 +645,7 @@
           <a:p>
             <a:fld id="{25666818-DC9C-7C4A-B37A-0D9C16AE65CA}" type="datetimeFigureOut">
               <a:rPr kumimoji="1" lang="zh-CN" altLang="en-US" smtClean="0"/>
-              <a:t>2019/8/30</a:t>
+              <a:t>2019/9/12</a:t>
             </a:fld>
             <a:endParaRPr kumimoji="1" lang="zh-CN" altLang="en-US"/>
           </a:p>
@@ -818,7 +818,7 @@
           <a:p>
             <a:fld id="{25666818-DC9C-7C4A-B37A-0D9C16AE65CA}" type="datetimeFigureOut">
               <a:rPr kumimoji="1" lang="zh-CN" altLang="en-US" smtClean="0"/>
-              <a:t>2019/8/30</a:t>
+              <a:t>2019/9/12</a:t>
             </a:fld>
             <a:endParaRPr kumimoji="1" lang="zh-CN" altLang="en-US"/>
           </a:p>
@@ -1096,7 +1096,7 @@
           <a:p>
             <a:fld id="{25666818-DC9C-7C4A-B37A-0D9C16AE65CA}" type="datetimeFigureOut">
               <a:rPr kumimoji="1" lang="zh-CN" altLang="en-US" smtClean="0"/>
-              <a:t>2019/8/30</a:t>
+              <a:t>2019/9/12</a:t>
             </a:fld>
             <a:endParaRPr kumimoji="1" lang="zh-CN" altLang="en-US"/>
           </a:p>
@@ -1311,7 +1311,7 @@
           <a:p>
             <a:fld id="{25666818-DC9C-7C4A-B37A-0D9C16AE65CA}" type="datetimeFigureOut">
               <a:rPr kumimoji="1" lang="zh-CN" altLang="en-US" smtClean="0"/>
-              <a:t>2019/8/30</a:t>
+              <a:t>2019/9/12</a:t>
             </a:fld>
             <a:endParaRPr kumimoji="1" lang="zh-CN" altLang="en-US"/>
           </a:p>
@@ -1679,7 +1679,7 @@
           <a:p>
             <a:fld id="{25666818-DC9C-7C4A-B37A-0D9C16AE65CA}" type="datetimeFigureOut">
               <a:rPr kumimoji="1" lang="zh-CN" altLang="en-US" smtClean="0"/>
-              <a:t>2019/8/30</a:t>
+              <a:t>2019/9/12</a:t>
             </a:fld>
             <a:endParaRPr kumimoji="1" lang="zh-CN" altLang="en-US"/>
           </a:p>
@@ -1820,7 +1820,7 @@
           <a:p>
             <a:fld id="{25666818-DC9C-7C4A-B37A-0D9C16AE65CA}" type="datetimeFigureOut">
               <a:rPr kumimoji="1" lang="zh-CN" altLang="en-US" smtClean="0"/>
-              <a:t>2019/8/30</a:t>
+              <a:t>2019/9/12</a:t>
             </a:fld>
             <a:endParaRPr kumimoji="1" lang="zh-CN" altLang="en-US"/>
           </a:p>
@@ -1933,7 +1933,7 @@
           <a:p>
             <a:fld id="{25666818-DC9C-7C4A-B37A-0D9C16AE65CA}" type="datetimeFigureOut">
               <a:rPr kumimoji="1" lang="zh-CN" altLang="en-US" smtClean="0"/>
-              <a:t>2019/8/30</a:t>
+              <a:t>2019/9/12</a:t>
             </a:fld>
             <a:endParaRPr kumimoji="1" lang="zh-CN" altLang="en-US"/>
           </a:p>
@@ -2222,7 +2222,7 @@
           <a:p>
             <a:fld id="{25666818-DC9C-7C4A-B37A-0D9C16AE65CA}" type="datetimeFigureOut">
               <a:rPr kumimoji="1" lang="zh-CN" altLang="en-US" smtClean="0"/>
-              <a:t>2019/8/30</a:t>
+              <a:t>2019/9/12</a:t>
             </a:fld>
             <a:endParaRPr kumimoji="1" lang="zh-CN" altLang="en-US"/>
           </a:p>
@@ -2513,7 +2513,7 @@
           <a:p>
             <a:fld id="{25666818-DC9C-7C4A-B37A-0D9C16AE65CA}" type="datetimeFigureOut">
               <a:rPr kumimoji="1" lang="zh-CN" altLang="en-US" smtClean="0"/>
-              <a:t>2019/8/30</a:t>
+              <a:t>2019/9/12</a:t>
             </a:fld>
             <a:endParaRPr kumimoji="1" lang="zh-CN" altLang="en-US"/>
           </a:p>
@@ -2729,7 +2729,7 @@
           <a:p>
             <a:fld id="{25666818-DC9C-7C4A-B37A-0D9C16AE65CA}" type="datetimeFigureOut">
               <a:rPr kumimoji="1" lang="zh-CN" altLang="en-US" smtClean="0"/>
-              <a:t>2019/8/30</a:t>
+              <a:t>2019/9/12</a:t>
             </a:fld>
             <a:endParaRPr kumimoji="1" lang="zh-CN" altLang="en-US"/>
           </a:p>
@@ -6036,27 +6036,41 @@
           </a:p>
           <a:p>
             <a:r>
+              <a:rPr kumimoji="1" lang="en-US" altLang="zh-CN" dirty="0"/>
+              <a:t>class</a:t>
+            </a:r>
+            <a:r>
+              <a:rPr kumimoji="1" lang="zh-CN" altLang="en-US" dirty="0"/>
+              <a:t>文件示例</a:t>
+            </a:r>
+            <a:endParaRPr kumimoji="1" lang="en-US" altLang="zh-CN" dirty="0"/>
+          </a:p>
+          <a:p>
+            <a:r>
               <a:rPr lang="en-US" altLang="zh-CN" dirty="0"/>
               <a:t>major versions</a:t>
             </a:r>
-          </a:p>
-          <a:p>
-            <a:r>
-              <a:rPr lang="en-US" altLang="zh-CN" dirty="0"/>
-              <a:t>Field Descriptors</a:t>
-            </a:r>
-            <a:endParaRPr kumimoji="1" lang="en-US" altLang="zh-CN" dirty="0"/>
+            <a:r>
+              <a:rPr lang="zh-CN" altLang="en-US" dirty="0"/>
+              <a:t>简介</a:t>
+            </a:r>
+            <a:endParaRPr lang="en-US" altLang="zh-CN" dirty="0"/>
+          </a:p>
+          <a:p>
+            <a:r>
+              <a:rPr kumimoji="1" lang="en-US" altLang="zh-CN" dirty="0"/>
+              <a:t>Field </a:t>
+            </a:r>
+            <a:r>
+              <a:rPr kumimoji="1" lang="zh-CN" altLang="en-US" dirty="0"/>
+              <a:t>描述信息</a:t>
+            </a:r>
+            <a:endParaRPr lang="en-US" altLang="zh-CN" dirty="0"/>
           </a:p>
           <a:p>
             <a:r>
               <a:rPr kumimoji="1" lang="en-US" altLang="zh-CN" dirty="0"/>
               <a:t>The Constant Pool</a:t>
-            </a:r>
-          </a:p>
-          <a:p>
-            <a:r>
-              <a:rPr kumimoji="1" lang="en-US" altLang="zh-CN" dirty="0"/>
-              <a:t>Field</a:t>
             </a:r>
           </a:p>
           <a:p>
@@ -6175,7 +6189,7 @@
         </p:nvSpPr>
         <p:spPr>
           <a:xfrm>
-            <a:off x="2013857" y="1690688"/>
+            <a:off x="2013857" y="1505630"/>
             <a:ext cx="6019800" cy="5078313"/>
           </a:xfrm>
           <a:prstGeom prst="rect">
@@ -6452,7 +6466,7 @@
               <a:t>class</a:t>
             </a:r>
             <a:r>
-              <a:rPr kumimoji="1" lang="zh-CN" altLang="en-US"/>
+              <a:rPr kumimoji="1" lang="zh-CN" altLang="en-US" dirty="0"/>
               <a:t>文件示例</a:t>
             </a:r>
           </a:p>
@@ -7871,10 +7885,14 @@
           <a:p>
             <a:pPr algn="ctr"/>
             <a:r>
-              <a:rPr lang="en-US" altLang="zh-CN" b="1" dirty="0"/>
+              <a:rPr lang="en-US" altLang="zh-CN" dirty="0"/>
               <a:t>major versions</a:t>
             </a:r>
-            <a:endParaRPr kumimoji="1" lang="zh-CN" altLang="en-US"/>
+            <a:r>
+              <a:rPr lang="zh-CN" altLang="en-US" dirty="0"/>
+              <a:t>简介</a:t>
+            </a:r>
+            <a:endParaRPr kumimoji="1" lang="zh-CN" altLang="en-US" dirty="0"/>
           </a:p>
         </p:txBody>
       </p:sp>
@@ -8625,7 +8643,12 @@
             <p:ph type="title"/>
           </p:nvPr>
         </p:nvSpPr>
-        <p:spPr/>
+        <p:spPr>
+          <a:xfrm>
+            <a:off x="838200" y="365125"/>
+            <a:ext cx="10515600" cy="1325563"/>
+          </a:xfrm>
+        </p:spPr>
         <p:txBody>
           <a:bodyPr/>
           <a:lstStyle/>
@@ -8634,7 +8657,10 @@
               <a:rPr kumimoji="1" lang="en-US" altLang="zh-CN" dirty="0"/>
               <a:t>Fields</a:t>
             </a:r>
-            <a:endParaRPr kumimoji="1" lang="zh-CN" altLang="en-US"/>
+            <a:r>
+              <a:rPr kumimoji="1" lang="zh-CN" altLang="en-US" dirty="0"/>
+              <a:t>定义</a:t>
+            </a:r>
           </a:p>
         </p:txBody>
       </p:sp>
@@ -9740,14 +9766,14 @@
               <a:t>class file</a:t>
             </a:r>
             <a:r>
-              <a:rPr kumimoji="1" lang="zh-CN" altLang="en-US"/>
+              <a:rPr kumimoji="1" lang="zh-CN" altLang="en-US" dirty="0"/>
               <a:t>中的</a:t>
             </a:r>
             <a:r>
               <a:rPr lang="en-US" altLang="zh-CN" b="1" dirty="0"/>
               <a:t>Constant Pool</a:t>
             </a:r>
-            <a:endParaRPr kumimoji="1" lang="zh-CN" altLang="en-US"/>
+            <a:endParaRPr kumimoji="1" lang="zh-CN" altLang="en-US" dirty="0"/>
           </a:p>
         </p:txBody>
       </p:sp>
@@ -12468,7 +12494,7 @@
               <a:t>GC</a:t>
             </a:r>
             <a:r>
-              <a:rPr kumimoji="1" lang="zh-CN" altLang="en-US"/>
+              <a:rPr kumimoji="1" lang="zh-CN" altLang="en-US" dirty="0"/>
               <a:t>理论</a:t>
             </a:r>
             <a:endParaRPr kumimoji="1" lang="en-US" altLang="zh-CN" dirty="0"/>
@@ -12479,7 +12505,7 @@
               <a:t>GC</a:t>
             </a:r>
             <a:r>
-              <a:rPr kumimoji="1" lang="zh-CN" altLang="en-US"/>
+              <a:rPr kumimoji="1" lang="zh-CN" altLang="en-US" dirty="0"/>
               <a:t>算法</a:t>
             </a:r>
             <a:endParaRPr kumimoji="1" lang="en-US" altLang="zh-CN" dirty="0"/>
@@ -12499,12 +12525,12 @@
           <a:p>
             <a:r>
               <a:rPr kumimoji="1" lang="en-US" altLang="zh-CN" dirty="0"/>
-              <a:t>ZGC</a:t>
-            </a:r>
-          </a:p>
-          <a:p>
-            <a:r>
-              <a:rPr kumimoji="1" lang="zh-CN" altLang="en-US"/>
+              <a:t>ZGC/C4</a:t>
+            </a:r>
+          </a:p>
+          <a:p>
+            <a:r>
+              <a:rPr kumimoji="1" lang="zh-CN" altLang="en-US" dirty="0"/>
               <a:t>内存泄漏</a:t>
             </a:r>
             <a:r>
@@ -12512,7 +12538,7 @@
               <a:t>vs.</a:t>
             </a:r>
             <a:r>
-              <a:rPr kumimoji="1" lang="zh-CN" altLang="en-US"/>
+              <a:rPr kumimoji="1" lang="zh-CN" altLang="en-US" dirty="0"/>
               <a:t>内存溢出</a:t>
             </a:r>
             <a:endParaRPr kumimoji="1" lang="en-US" altLang="zh-CN" dirty="0"/>
@@ -12528,7 +12554,7 @@
               <a:buNone/>
             </a:pPr>
             <a:r>
-              <a:rPr kumimoji="1" lang="zh-CN" altLang="en-US" i="1">
+              <a:rPr kumimoji="1" lang="zh-CN" altLang="en-US" i="1" dirty="0">
                 <a:solidFill>
                   <a:srgbClr val="FF0000"/>
                 </a:solidFill>
@@ -12544,7 +12570,7 @@
               <a:t>: </a:t>
             </a:r>
             <a:r>
-              <a:rPr kumimoji="1" lang="zh-CN" altLang="en-US" i="1">
+              <a:rPr kumimoji="1" lang="zh-CN" altLang="en-US" i="1" dirty="0">
                 <a:solidFill>
                   <a:srgbClr val="FF0000"/>
                 </a:solidFill>
@@ -12560,7 +12586,7 @@
               <a:t>【GC</a:t>
             </a:r>
             <a:r>
-              <a:rPr kumimoji="1" lang="zh-CN" altLang="en-US" i="1">
+              <a:rPr kumimoji="1" lang="zh-CN" altLang="en-US" i="1" dirty="0">
                 <a:solidFill>
                   <a:srgbClr val="FF0000"/>
                 </a:solidFill>
@@ -12577,10 +12603,40 @@
             </a:r>
           </a:p>
           <a:p>
-            <a:endParaRPr kumimoji="1" lang="zh-CN" altLang="en-US"/>
+            <a:endParaRPr kumimoji="1" lang="zh-CN" altLang="en-US" dirty="0"/>
           </a:p>
         </p:txBody>
       </p:sp>
+      <p:pic>
+        <p:nvPicPr>
+          <p:cNvPr id="5" name="图片 4">
+            <a:extLst>
+              <a:ext uri="{FF2B5EF4-FFF2-40B4-BE49-F238E27FC236}">
+                <a16:creationId xmlns:a16="http://schemas.microsoft.com/office/drawing/2014/main" id="{52204653-A309-8B47-83A7-6B4E8DF28C66}"/>
+              </a:ext>
+            </a:extLst>
+          </p:cNvPr>
+          <p:cNvPicPr>
+            <a:picLocks noChangeAspect="1"/>
+          </p:cNvPicPr>
+          <p:nvPr/>
+        </p:nvPicPr>
+        <p:blipFill>
+          <a:blip r:embed="rId2"/>
+          <a:stretch>
+            <a:fillRect/>
+          </a:stretch>
+        </p:blipFill>
+        <p:spPr>
+          <a:xfrm>
+            <a:off x="7866742" y="1825625"/>
+            <a:ext cx="2391002" cy="2391002"/>
+          </a:xfrm>
+          <a:prstGeom prst="rect">
+            <a:avLst/>
+          </a:prstGeom>
+        </p:spPr>
+      </p:pic>
     </p:spTree>
     <p:extLst>
       <p:ext uri="{BB962C8B-B14F-4D97-AF65-F5344CB8AC3E}">
